--- a/docs/wireframe.pptx
+++ b/docs/wireframe.pptx
@@ -210,7 +210,7 @@
           <a:p>
             <a:fld id="{C93EE249-CEB0-C346-A489-B69D045AAA0D}" type="datetimeFigureOut">
               <a:rPr lang="en-US" smtClean="0"/>
-              <a:t>7/14/16</a:t>
+              <a:t>7/28/16</a:t>
             </a:fld>
             <a:endParaRPr lang="en-US"/>
           </a:p>
@@ -1113,7 +1113,7 @@
           <a:p>
             <a:fld id="{59F2A290-BA2C-6643-BE95-B835D90E6F5C}" type="datetimeFigureOut">
               <a:rPr lang="en-US" smtClean="0"/>
-              <a:t>7/14/16</a:t>
+              <a:t>7/28/16</a:t>
             </a:fld>
             <a:endParaRPr lang="en-US"/>
           </a:p>
@@ -1283,7 +1283,7 @@
           <a:p>
             <a:fld id="{59F2A290-BA2C-6643-BE95-B835D90E6F5C}" type="datetimeFigureOut">
               <a:rPr lang="en-US" smtClean="0"/>
-              <a:t>7/14/16</a:t>
+              <a:t>7/28/16</a:t>
             </a:fld>
             <a:endParaRPr lang="en-US"/>
           </a:p>
@@ -1463,7 +1463,7 @@
           <a:p>
             <a:fld id="{59F2A290-BA2C-6643-BE95-B835D90E6F5C}" type="datetimeFigureOut">
               <a:rPr lang="en-US" smtClean="0"/>
-              <a:t>7/14/16</a:t>
+              <a:t>7/28/16</a:t>
             </a:fld>
             <a:endParaRPr lang="en-US"/>
           </a:p>
@@ -1633,7 +1633,7 @@
           <a:p>
             <a:fld id="{59F2A290-BA2C-6643-BE95-B835D90E6F5C}" type="datetimeFigureOut">
               <a:rPr lang="en-US" smtClean="0"/>
-              <a:t>7/14/16</a:t>
+              <a:t>7/28/16</a:t>
             </a:fld>
             <a:endParaRPr lang="en-US"/>
           </a:p>
@@ -1879,7 +1879,7 @@
           <a:p>
             <a:fld id="{59F2A290-BA2C-6643-BE95-B835D90E6F5C}" type="datetimeFigureOut">
               <a:rPr lang="en-US" smtClean="0"/>
-              <a:t>7/14/16</a:t>
+              <a:t>7/28/16</a:t>
             </a:fld>
             <a:endParaRPr lang="en-US"/>
           </a:p>
@@ -2111,7 +2111,7 @@
           <a:p>
             <a:fld id="{59F2A290-BA2C-6643-BE95-B835D90E6F5C}" type="datetimeFigureOut">
               <a:rPr lang="en-US" smtClean="0"/>
-              <a:t>7/14/16</a:t>
+              <a:t>7/28/16</a:t>
             </a:fld>
             <a:endParaRPr lang="en-US"/>
           </a:p>
@@ -2478,7 +2478,7 @@
           <a:p>
             <a:fld id="{59F2A290-BA2C-6643-BE95-B835D90E6F5C}" type="datetimeFigureOut">
               <a:rPr lang="en-US" smtClean="0"/>
-              <a:t>7/14/16</a:t>
+              <a:t>7/28/16</a:t>
             </a:fld>
             <a:endParaRPr lang="en-US"/>
           </a:p>
@@ -2596,7 +2596,7 @@
           <a:p>
             <a:fld id="{59F2A290-BA2C-6643-BE95-B835D90E6F5C}" type="datetimeFigureOut">
               <a:rPr lang="en-US" smtClean="0"/>
-              <a:t>7/14/16</a:t>
+              <a:t>7/28/16</a:t>
             </a:fld>
             <a:endParaRPr lang="en-US"/>
           </a:p>
@@ -2691,7 +2691,7 @@
           <a:p>
             <a:fld id="{59F2A290-BA2C-6643-BE95-B835D90E6F5C}" type="datetimeFigureOut">
               <a:rPr lang="en-US" smtClean="0"/>
-              <a:t>7/14/16</a:t>
+              <a:t>7/28/16</a:t>
             </a:fld>
             <a:endParaRPr lang="en-US"/>
           </a:p>
@@ -2968,7 +2968,7 @@
           <a:p>
             <a:fld id="{59F2A290-BA2C-6643-BE95-B835D90E6F5C}" type="datetimeFigureOut">
               <a:rPr lang="en-US" smtClean="0"/>
-              <a:t>7/14/16</a:t>
+              <a:t>7/28/16</a:t>
             </a:fld>
             <a:endParaRPr lang="en-US"/>
           </a:p>
@@ -3221,7 +3221,7 @@
           <a:p>
             <a:fld id="{59F2A290-BA2C-6643-BE95-B835D90E6F5C}" type="datetimeFigureOut">
               <a:rPr lang="en-US" smtClean="0"/>
-              <a:t>7/14/16</a:t>
+              <a:t>7/28/16</a:t>
             </a:fld>
             <a:endParaRPr lang="en-US"/>
           </a:p>
@@ -3434,7 +3434,7 @@
           <a:p>
             <a:fld id="{59F2A290-BA2C-6643-BE95-B835D90E6F5C}" type="datetimeFigureOut">
               <a:rPr lang="en-US" smtClean="0"/>
-              <a:t>7/14/16</a:t>
+              <a:t>7/28/16</a:t>
             </a:fld>
             <a:endParaRPr lang="en-US"/>
           </a:p>
@@ -6486,13 +6486,13 @@
           <p:nvPr>
             <p:extLst>
               <p:ext uri="{D42A27DB-BD31-4B8C-83A1-F6EECF244321}">
-                <p14:modId xmlns:p14="http://schemas.microsoft.com/office/powerpoint/2010/main" val="1673385435"/>
+                <p14:modId xmlns:p14="http://schemas.microsoft.com/office/powerpoint/2010/main" val="820052782"/>
               </p:ext>
             </p:extLst>
           </p:nvPr>
         </p:nvGraphicFramePr>
         <p:xfrm>
-          <a:off x="660400" y="1516981"/>
+          <a:off x="1233608" y="1585221"/>
           <a:ext cx="8890000" cy="4142888"/>
         </p:xfrm>
         <a:graphic>
@@ -10066,7 +10066,7 @@
         </p:nvSpPr>
         <p:spPr>
           <a:xfrm>
-            <a:off x="3828174" y="965165"/>
+            <a:off x="4401382" y="1033405"/>
             <a:ext cx="813043" cy="369332"/>
           </a:xfrm>
           <a:prstGeom prst="rect">
@@ -10096,7 +10096,7 @@
         </p:nvSpPr>
         <p:spPr>
           <a:xfrm>
-            <a:off x="4866279" y="930962"/>
+            <a:off x="5439487" y="999202"/>
             <a:ext cx="4684121" cy="437739"/>
           </a:xfrm>
           <a:prstGeom prst="rect">
@@ -10138,7 +10138,7 @@
         </p:nvSpPr>
         <p:spPr>
           <a:xfrm>
-            <a:off x="1159110" y="5808149"/>
+            <a:off x="1732318" y="5876389"/>
             <a:ext cx="383087" cy="258721"/>
           </a:xfrm>
           <a:prstGeom prst="rect">
@@ -10180,7 +10180,7 @@
         </p:nvSpPr>
         <p:spPr>
           <a:xfrm>
-            <a:off x="660400" y="5808149"/>
+            <a:off x="1233608" y="5876389"/>
             <a:ext cx="364630" cy="258721"/>
           </a:xfrm>
           <a:prstGeom prst="rect">
@@ -10224,7 +10224,7 @@
         </p:nvSpPr>
         <p:spPr>
           <a:xfrm>
-            <a:off x="1648981" y="5815413"/>
+            <a:off x="2222189" y="5883653"/>
             <a:ext cx="383087" cy="258721"/>
           </a:xfrm>
           <a:prstGeom prst="rect">
@@ -10254,7 +10254,6 @@
               <a:rPr lang="en-US" dirty="0"/>
               <a:t>3</a:t>
             </a:r>
-            <a:endParaRPr lang="en-US" dirty="0"/>
           </a:p>
         </p:txBody>
       </p:sp>
@@ -10266,7 +10265,7 @@
         </p:nvSpPr>
         <p:spPr>
           <a:xfrm>
-            <a:off x="2103083" y="5810422"/>
+            <a:off x="2676291" y="5878662"/>
             <a:ext cx="383087" cy="258721"/>
           </a:xfrm>
           <a:prstGeom prst="rect">
@@ -10296,7 +10295,6 @@
               <a:rPr lang="en-US" dirty="0"/>
               <a:t>4</a:t>
             </a:r>
-            <a:endParaRPr lang="en-US" dirty="0"/>
           </a:p>
         </p:txBody>
       </p:sp>
@@ -10308,7 +10306,7 @@
         </p:nvSpPr>
         <p:spPr>
           <a:xfrm>
-            <a:off x="2592954" y="5817686"/>
+            <a:off x="3166162" y="5885926"/>
             <a:ext cx="383087" cy="258721"/>
           </a:xfrm>
           <a:prstGeom prst="rect">
@@ -10337,6 +10335,36 @@
             <a:r>
               <a:rPr lang="en-US" dirty="0" smtClean="0"/>
               <a:t>5</a:t>
+            </a:r>
+            <a:endParaRPr lang="en-US" dirty="0"/>
+          </a:p>
+        </p:txBody>
+      </p:sp>
+      <p:sp>
+        <p:nvSpPr>
+          <p:cNvPr id="2" name="Rectangle 1"/>
+          <p:cNvSpPr/>
+          <p:nvPr/>
+        </p:nvSpPr>
+        <p:spPr>
+          <a:xfrm>
+            <a:off x="1233608" y="446543"/>
+            <a:ext cx="2728567" cy="369332"/>
+          </a:xfrm>
+          <a:prstGeom prst="rect">
+            <a:avLst/>
+          </a:prstGeom>
+        </p:spPr>
+        <p:txBody>
+          <a:bodyPr wrap="none">
+            <a:spAutoFit/>
+          </a:bodyPr>
+          <a:lstStyle/>
+          <a:p>
+            <a:pPr algn="ctr"/>
+            <a:r>
+              <a:rPr lang="en-US" smtClean="0"/>
+              <a:t>Assessment created by you</a:t>
             </a:r>
             <a:endParaRPr lang="en-US" dirty="0"/>
           </a:p>
@@ -13484,7 +13512,7 @@
         </p:nvSpPr>
         <p:spPr>
           <a:xfrm>
-            <a:off x="3154339" y="5692305"/>
+            <a:off x="3154339" y="5869729"/>
             <a:ext cx="418704" cy="369332"/>
           </a:xfrm>
           <a:prstGeom prst="rect">
@@ -13513,7 +13541,7 @@
         </p:nvSpPr>
         <p:spPr>
           <a:xfrm>
-            <a:off x="615311" y="5692305"/>
+            <a:off x="615311" y="5869729"/>
             <a:ext cx="2539028" cy="369332"/>
           </a:xfrm>
           <a:prstGeom prst="rect">
@@ -13692,6 +13720,133 @@
               <a:t>Delete</a:t>
             </a:r>
             <a:endParaRPr lang="en-US" dirty="0"/>
+          </a:p>
+        </p:txBody>
+      </p:sp>
+      <p:sp>
+        <p:nvSpPr>
+          <p:cNvPr id="12" name="Rectangle 11"/>
+          <p:cNvSpPr/>
+          <p:nvPr/>
+        </p:nvSpPr>
+        <p:spPr>
+          <a:xfrm>
+            <a:off x="1172759" y="5548840"/>
+            <a:ext cx="383087" cy="258721"/>
+          </a:xfrm>
+          <a:prstGeom prst="rect">
+            <a:avLst/>
+          </a:prstGeom>
+        </p:spPr>
+        <p:style>
+          <a:lnRef idx="2">
+            <a:schemeClr val="accent1"/>
+          </a:lnRef>
+          <a:fillRef idx="1">
+            <a:schemeClr val="lt1"/>
+          </a:fillRef>
+          <a:effectRef idx="0">
+            <a:schemeClr val="accent1"/>
+          </a:effectRef>
+          <a:fontRef idx="minor">
+            <a:schemeClr val="dk1"/>
+          </a:fontRef>
+        </p:style>
+        <p:txBody>
+          <a:bodyPr rtlCol="0" anchor="ctr"/>
+          <a:lstStyle/>
+          <a:p>
+            <a:pPr algn="ctr"/>
+            <a:r>
+              <a:rPr lang="en-US" dirty="0" smtClean="0"/>
+              <a:t>2</a:t>
+            </a:r>
+            <a:endParaRPr lang="en-US" dirty="0"/>
+          </a:p>
+        </p:txBody>
+      </p:sp>
+      <p:sp>
+        <p:nvSpPr>
+          <p:cNvPr id="15" name="Rectangle 14"/>
+          <p:cNvSpPr/>
+          <p:nvPr/>
+        </p:nvSpPr>
+        <p:spPr>
+          <a:xfrm>
+            <a:off x="674049" y="5548840"/>
+            <a:ext cx="364630" cy="258721"/>
+          </a:xfrm>
+          <a:prstGeom prst="rect">
+            <a:avLst/>
+          </a:prstGeom>
+        </p:spPr>
+        <p:style>
+          <a:lnRef idx="2">
+            <a:schemeClr val="accent1">
+              <a:shade val="50000"/>
+            </a:schemeClr>
+          </a:lnRef>
+          <a:fillRef idx="1">
+            <a:schemeClr val="accent1"/>
+          </a:fillRef>
+          <a:effectRef idx="0">
+            <a:schemeClr val="accent1"/>
+          </a:effectRef>
+          <a:fontRef idx="minor">
+            <a:schemeClr val="lt1"/>
+          </a:fontRef>
+        </p:style>
+        <p:txBody>
+          <a:bodyPr rtlCol="0" anchor="ctr"/>
+          <a:lstStyle/>
+          <a:p>
+            <a:pPr algn="ctr"/>
+            <a:r>
+              <a:rPr lang="en-US" dirty="0" smtClean="0"/>
+              <a:t>1</a:t>
+            </a:r>
+            <a:endParaRPr lang="en-US" dirty="0"/>
+          </a:p>
+        </p:txBody>
+      </p:sp>
+      <p:sp>
+        <p:nvSpPr>
+          <p:cNvPr id="18" name="Rectangle 17"/>
+          <p:cNvSpPr/>
+          <p:nvPr/>
+        </p:nvSpPr>
+        <p:spPr>
+          <a:xfrm>
+            <a:off x="1662630" y="5556104"/>
+            <a:ext cx="383087" cy="258721"/>
+          </a:xfrm>
+          <a:prstGeom prst="rect">
+            <a:avLst/>
+          </a:prstGeom>
+        </p:spPr>
+        <p:style>
+          <a:lnRef idx="2">
+            <a:schemeClr val="accent1"/>
+          </a:lnRef>
+          <a:fillRef idx="1">
+            <a:schemeClr val="lt1"/>
+          </a:fillRef>
+          <a:effectRef idx="0">
+            <a:schemeClr val="accent1"/>
+          </a:effectRef>
+          <a:fontRef idx="minor">
+            <a:schemeClr val="dk1"/>
+          </a:fontRef>
+        </p:style>
+        <p:txBody>
+          <a:bodyPr rtlCol="0" anchor="ctr"/>
+          <a:lstStyle/>
+          <a:p>
+            <a:pPr algn="ctr"/>
+            <a:r>
+              <a:rPr lang="en-US" dirty="0"/>
+              <a:t>3</a:t>
+            </a:r>
           </a:p>
         </p:txBody>
       </p:sp>

--- a/docs/wireframe.pptx
+++ b/docs/wireframe.pptx
@@ -5,7 +5,7 @@
     <p:sldMasterId id="2147483648" r:id="rId1"/>
   </p:sldMasterIdLst>
   <p:notesMasterIdLst>
-    <p:notesMasterId r:id="rId16"/>
+    <p:notesMasterId r:id="rId21"/>
   </p:notesMasterIdLst>
   <p:sldIdLst>
     <p:sldId id="256" r:id="rId2"/>
@@ -22,6 +22,11 @@
     <p:sldId id="269" r:id="rId13"/>
     <p:sldId id="266" r:id="rId14"/>
     <p:sldId id="268" r:id="rId15"/>
+    <p:sldId id="270" r:id="rId16"/>
+    <p:sldId id="271" r:id="rId17"/>
+    <p:sldId id="272" r:id="rId18"/>
+    <p:sldId id="273" r:id="rId19"/>
+    <p:sldId id="274" r:id="rId20"/>
   </p:sldIdLst>
   <p:sldSz cx="12192000" cy="6858000"/>
   <p:notesSz cx="6858000" cy="9144000"/>
@@ -128,6 +133,4020 @@
 </p:presentation>
 </file>
 
+<file path=ppt/commentAuthors.xml><?xml version="1.0" encoding="utf-8"?>
+<p:cmAuthorLst xmlns:a="http://schemas.openxmlformats.org/drawingml/2006/main" xmlns:r="http://schemas.openxmlformats.org/officeDocument/2006/relationships" xmlns:p="http://schemas.openxmlformats.org/presentationml/2006/main">
+  <p:cmAuthor id="1" name="Microsoft Office User" initials="Office" lastIdx="1" clrIdx="0">
+    <p:extLst>
+      <p:ext uri="{19B8F6BF-5375-455C-9EA6-DF929625EA0E}">
+        <p15:presenceInfo xmlns:p15="http://schemas.microsoft.com/office/powerpoint/2012/main" userId="" providerId=""/>
+      </p:ext>
+    </p:extLst>
+  </p:cmAuthor>
+  <p:cmAuthor id="2" name="Microsoft Office User" initials="Office [2]" lastIdx="1" clrIdx="1">
+    <p:extLst>
+      <p:ext uri="{19B8F6BF-5375-455C-9EA6-DF929625EA0E}">
+        <p15:presenceInfo xmlns:p15="http://schemas.microsoft.com/office/powerpoint/2012/main" userId="" providerId=""/>
+      </p:ext>
+    </p:extLst>
+  </p:cmAuthor>
+  <p:cmAuthor id="3" name="Microsoft Office User" initials="Office [3]" lastIdx="1" clrIdx="2">
+    <p:extLst>
+      <p:ext uri="{19B8F6BF-5375-455C-9EA6-DF929625EA0E}">
+        <p15:presenceInfo xmlns:p15="http://schemas.microsoft.com/office/powerpoint/2012/main" userId="" providerId=""/>
+      </p:ext>
+    </p:extLst>
+  </p:cmAuthor>
+  <p:cmAuthor id="4" name="Microsoft Office User" initials="Office [4]" lastIdx="1" clrIdx="3">
+    <p:extLst>
+      <p:ext uri="{19B8F6BF-5375-455C-9EA6-DF929625EA0E}">
+        <p15:presenceInfo xmlns:p15="http://schemas.microsoft.com/office/powerpoint/2012/main" userId="" providerId=""/>
+      </p:ext>
+    </p:extLst>
+  </p:cmAuthor>
+</p:cmAuthorLst>
+</file>
+
+<file path=ppt/charts/chart1.xml><?xml version="1.0" encoding="utf-8"?>
+<c:chartSpace xmlns:c="http://schemas.openxmlformats.org/drawingml/2006/chart" xmlns:a="http://schemas.openxmlformats.org/drawingml/2006/main" xmlns:r="http://schemas.openxmlformats.org/officeDocument/2006/relationships">
+  <c:date1904 val="0"/>
+  <c:lang val="en-IN"/>
+  <c:roundedCorners val="0"/>
+  <mc:AlternateContent xmlns:mc="http://schemas.openxmlformats.org/markup-compatibility/2006">
+    <mc:Choice xmlns:c14="http://schemas.microsoft.com/office/drawing/2007/8/2/chart" Requires="c14">
+      <c14:style val="102"/>
+    </mc:Choice>
+    <mc:Fallback>
+      <c:style val="2"/>
+    </mc:Fallback>
+  </mc:AlternateContent>
+  <c:chart>
+    <c:title>
+      <c:layout/>
+      <c:overlay val="0"/>
+      <c:spPr>
+        <a:noFill/>
+        <a:ln>
+          <a:noFill/>
+        </a:ln>
+        <a:effectLst/>
+      </c:spPr>
+      <c:txPr>
+        <a:bodyPr rot="0" spcFirstLastPara="1" vertOverflow="ellipsis" vert="horz" wrap="square" anchor="ctr" anchorCtr="1"/>
+        <a:lstStyle/>
+        <a:p>
+          <a:pPr>
+            <a:defRPr sz="1862" b="0" i="0" u="none" strike="noStrike" kern="1200" spc="0" baseline="0">
+              <a:solidFill>
+                <a:schemeClr val="tx1">
+                  <a:lumMod val="65000"/>
+                  <a:lumOff val="35000"/>
+                </a:schemeClr>
+              </a:solidFill>
+              <a:latin typeface="+mn-lt"/>
+              <a:ea typeface="+mn-ea"/>
+              <a:cs typeface="+mn-cs"/>
+            </a:defRPr>
+          </a:pPr>
+          <a:endParaRPr lang="en-US"/>
+        </a:p>
+      </c:txPr>
+    </c:title>
+    <c:autoTitleDeleted val="0"/>
+    <c:plotArea>
+      <c:layout/>
+      <c:doughnutChart>
+        <c:varyColors val="1"/>
+        <c:ser>
+          <c:idx val="0"/>
+          <c:order val="0"/>
+          <c:tx>
+            <c:strRef>
+              <c:f>Sheet1!$B$1</c:f>
+              <c:strCache>
+                <c:ptCount val="1"/>
+                <c:pt idx="0">
+                  <c:v>Users</c:v>
+                </c:pt>
+              </c:strCache>
+            </c:strRef>
+          </c:tx>
+          <c:dPt>
+            <c:idx val="0"/>
+            <c:bubble3D val="0"/>
+            <c:spPr>
+              <a:solidFill>
+                <a:schemeClr val="accent1"/>
+              </a:solidFill>
+              <a:ln w="19050">
+                <a:solidFill>
+                  <a:schemeClr val="lt1"/>
+                </a:solidFill>
+              </a:ln>
+              <a:effectLst/>
+            </c:spPr>
+          </c:dPt>
+          <c:dPt>
+            <c:idx val="1"/>
+            <c:bubble3D val="0"/>
+            <c:spPr>
+              <a:solidFill>
+                <a:schemeClr val="accent2"/>
+              </a:solidFill>
+              <a:ln w="19050">
+                <a:solidFill>
+                  <a:schemeClr val="lt1"/>
+                </a:solidFill>
+              </a:ln>
+              <a:effectLst/>
+            </c:spPr>
+          </c:dPt>
+          <c:dPt>
+            <c:idx val="2"/>
+            <c:bubble3D val="0"/>
+            <c:spPr>
+              <a:solidFill>
+                <a:schemeClr val="accent3"/>
+              </a:solidFill>
+              <a:ln w="19050">
+                <a:solidFill>
+                  <a:schemeClr val="lt1"/>
+                </a:solidFill>
+              </a:ln>
+              <a:effectLst/>
+            </c:spPr>
+          </c:dPt>
+          <c:cat>
+            <c:strRef>
+              <c:f>Sheet1!$A$2:$A$4</c:f>
+              <c:strCache>
+                <c:ptCount val="3"/>
+                <c:pt idx="0">
+                  <c:v>Admin</c:v>
+                </c:pt>
+                <c:pt idx="1">
+                  <c:v>Tutor</c:v>
+                </c:pt>
+                <c:pt idx="2">
+                  <c:v>Student</c:v>
+                </c:pt>
+              </c:strCache>
+            </c:strRef>
+          </c:cat>
+          <c:val>
+            <c:numRef>
+              <c:f>Sheet1!$B$2:$B$4</c:f>
+              <c:numCache>
+                <c:formatCode>General</c:formatCode>
+                <c:ptCount val="3"/>
+                <c:pt idx="0">
+                  <c:v>2.0</c:v>
+                </c:pt>
+                <c:pt idx="1">
+                  <c:v>5.0</c:v>
+                </c:pt>
+                <c:pt idx="2">
+                  <c:v>10.0</c:v>
+                </c:pt>
+              </c:numCache>
+            </c:numRef>
+          </c:val>
+        </c:ser>
+        <c:dLbls>
+          <c:showLegendKey val="0"/>
+          <c:showVal val="0"/>
+          <c:showCatName val="0"/>
+          <c:showSerName val="0"/>
+          <c:showPercent val="0"/>
+          <c:showBubbleSize val="0"/>
+          <c:showLeaderLines val="1"/>
+        </c:dLbls>
+        <c:firstSliceAng val="0"/>
+        <c:holeSize val="75"/>
+      </c:doughnutChart>
+      <c:spPr>
+        <a:noFill/>
+        <a:ln>
+          <a:noFill/>
+        </a:ln>
+        <a:effectLst/>
+      </c:spPr>
+    </c:plotArea>
+    <c:legend>
+      <c:legendPos val="b"/>
+      <c:layout/>
+      <c:overlay val="0"/>
+      <c:spPr>
+        <a:noFill/>
+        <a:ln>
+          <a:noFill/>
+        </a:ln>
+        <a:effectLst/>
+      </c:spPr>
+      <c:txPr>
+        <a:bodyPr rot="0" spcFirstLastPara="1" vertOverflow="ellipsis" vert="horz" wrap="square" anchor="ctr" anchorCtr="1"/>
+        <a:lstStyle/>
+        <a:p>
+          <a:pPr>
+            <a:defRPr sz="1197" b="0" i="0" u="none" strike="noStrike" kern="1200" baseline="0">
+              <a:solidFill>
+                <a:schemeClr val="tx1">
+                  <a:lumMod val="65000"/>
+                  <a:lumOff val="35000"/>
+                </a:schemeClr>
+              </a:solidFill>
+              <a:latin typeface="+mn-lt"/>
+              <a:ea typeface="+mn-ea"/>
+              <a:cs typeface="+mn-cs"/>
+            </a:defRPr>
+          </a:pPr>
+          <a:endParaRPr lang="en-US"/>
+        </a:p>
+      </c:txPr>
+    </c:legend>
+    <c:plotVisOnly val="1"/>
+    <c:dispBlanksAs val="gap"/>
+    <c:showDLblsOverMax val="0"/>
+  </c:chart>
+  <c:spPr>
+    <a:noFill/>
+    <a:ln>
+      <a:solidFill>
+        <a:schemeClr val="tx1"/>
+      </a:solidFill>
+    </a:ln>
+    <a:effectLst/>
+  </c:spPr>
+  <c:txPr>
+    <a:bodyPr/>
+    <a:lstStyle/>
+    <a:p>
+      <a:pPr>
+        <a:defRPr/>
+      </a:pPr>
+      <a:endParaRPr lang="en-US"/>
+    </a:p>
+  </c:txPr>
+  <c:externalData r:id="rId3">
+    <c:autoUpdate val="0"/>
+  </c:externalData>
+</c:chartSpace>
+</file>
+
+<file path=ppt/charts/chart2.xml><?xml version="1.0" encoding="utf-8"?>
+<c:chartSpace xmlns:c="http://schemas.openxmlformats.org/drawingml/2006/chart" xmlns:a="http://schemas.openxmlformats.org/drawingml/2006/main" xmlns:r="http://schemas.openxmlformats.org/officeDocument/2006/relationships">
+  <c:date1904 val="0"/>
+  <c:lang val="en-IN"/>
+  <c:roundedCorners val="0"/>
+  <mc:AlternateContent xmlns:mc="http://schemas.openxmlformats.org/markup-compatibility/2006">
+    <mc:Choice xmlns:c14="http://schemas.microsoft.com/office/drawing/2007/8/2/chart" Requires="c14">
+      <c14:style val="102"/>
+    </mc:Choice>
+    <mc:Fallback>
+      <c:style val="2"/>
+    </mc:Fallback>
+  </mc:AlternateContent>
+  <c:chart>
+    <c:title>
+      <c:layout/>
+      <c:overlay val="0"/>
+      <c:spPr>
+        <a:noFill/>
+        <a:ln>
+          <a:noFill/>
+        </a:ln>
+        <a:effectLst/>
+      </c:spPr>
+      <c:txPr>
+        <a:bodyPr rot="0" spcFirstLastPara="1" vertOverflow="ellipsis" vert="horz" wrap="square" anchor="ctr" anchorCtr="1"/>
+        <a:lstStyle/>
+        <a:p>
+          <a:pPr>
+            <a:defRPr sz="1862" b="0" i="0" u="none" strike="noStrike" kern="1200" spc="0" baseline="0">
+              <a:solidFill>
+                <a:schemeClr val="tx1">
+                  <a:lumMod val="65000"/>
+                  <a:lumOff val="35000"/>
+                </a:schemeClr>
+              </a:solidFill>
+              <a:latin typeface="+mn-lt"/>
+              <a:ea typeface="+mn-ea"/>
+              <a:cs typeface="+mn-cs"/>
+            </a:defRPr>
+          </a:pPr>
+          <a:endParaRPr lang="en-US"/>
+        </a:p>
+      </c:txPr>
+    </c:title>
+    <c:autoTitleDeleted val="0"/>
+    <c:plotArea>
+      <c:layout/>
+      <c:doughnutChart>
+        <c:varyColors val="1"/>
+        <c:ser>
+          <c:idx val="0"/>
+          <c:order val="0"/>
+          <c:tx>
+            <c:strRef>
+              <c:f>Sheet1!$B$1</c:f>
+              <c:strCache>
+                <c:ptCount val="1"/>
+                <c:pt idx="0">
+                  <c:v>Users</c:v>
+                </c:pt>
+              </c:strCache>
+            </c:strRef>
+          </c:tx>
+          <c:dPt>
+            <c:idx val="0"/>
+            <c:bubble3D val="0"/>
+            <c:spPr>
+              <a:solidFill>
+                <a:schemeClr val="accent1"/>
+              </a:solidFill>
+              <a:ln w="19050">
+                <a:solidFill>
+                  <a:schemeClr val="lt1"/>
+                </a:solidFill>
+              </a:ln>
+              <a:effectLst/>
+            </c:spPr>
+          </c:dPt>
+          <c:dPt>
+            <c:idx val="1"/>
+            <c:bubble3D val="0"/>
+            <c:spPr>
+              <a:solidFill>
+                <a:schemeClr val="accent2"/>
+              </a:solidFill>
+              <a:ln w="19050">
+                <a:solidFill>
+                  <a:schemeClr val="lt1"/>
+                </a:solidFill>
+              </a:ln>
+              <a:effectLst/>
+            </c:spPr>
+          </c:dPt>
+          <c:dPt>
+            <c:idx val="2"/>
+            <c:bubble3D val="0"/>
+            <c:spPr>
+              <a:solidFill>
+                <a:schemeClr val="accent3"/>
+              </a:solidFill>
+              <a:ln w="19050">
+                <a:solidFill>
+                  <a:schemeClr val="lt1"/>
+                </a:solidFill>
+              </a:ln>
+              <a:effectLst/>
+            </c:spPr>
+          </c:dPt>
+          <c:cat>
+            <c:strRef>
+              <c:f>Sheet1!$A$2:$A$4</c:f>
+              <c:strCache>
+                <c:ptCount val="3"/>
+                <c:pt idx="0">
+                  <c:v>Admin</c:v>
+                </c:pt>
+                <c:pt idx="1">
+                  <c:v>Tutor</c:v>
+                </c:pt>
+                <c:pt idx="2">
+                  <c:v>Student</c:v>
+                </c:pt>
+              </c:strCache>
+            </c:strRef>
+          </c:cat>
+          <c:val>
+            <c:numRef>
+              <c:f>Sheet1!$B$2:$B$4</c:f>
+              <c:numCache>
+                <c:formatCode>General</c:formatCode>
+                <c:ptCount val="3"/>
+                <c:pt idx="0">
+                  <c:v>2.0</c:v>
+                </c:pt>
+                <c:pt idx="1">
+                  <c:v>5.0</c:v>
+                </c:pt>
+                <c:pt idx="2">
+                  <c:v>10.0</c:v>
+                </c:pt>
+              </c:numCache>
+            </c:numRef>
+          </c:val>
+        </c:ser>
+        <c:dLbls>
+          <c:showLegendKey val="0"/>
+          <c:showVal val="0"/>
+          <c:showCatName val="0"/>
+          <c:showSerName val="0"/>
+          <c:showPercent val="0"/>
+          <c:showBubbleSize val="0"/>
+          <c:showLeaderLines val="1"/>
+        </c:dLbls>
+        <c:firstSliceAng val="0"/>
+        <c:holeSize val="75"/>
+      </c:doughnutChart>
+      <c:spPr>
+        <a:noFill/>
+        <a:ln>
+          <a:noFill/>
+        </a:ln>
+        <a:effectLst/>
+      </c:spPr>
+    </c:plotArea>
+    <c:legend>
+      <c:legendPos val="b"/>
+      <c:layout/>
+      <c:overlay val="0"/>
+      <c:spPr>
+        <a:noFill/>
+        <a:ln>
+          <a:noFill/>
+        </a:ln>
+        <a:effectLst/>
+      </c:spPr>
+      <c:txPr>
+        <a:bodyPr rot="0" spcFirstLastPara="1" vertOverflow="ellipsis" vert="horz" wrap="square" anchor="ctr" anchorCtr="1"/>
+        <a:lstStyle/>
+        <a:p>
+          <a:pPr>
+            <a:defRPr sz="1197" b="0" i="0" u="none" strike="noStrike" kern="1200" baseline="0">
+              <a:solidFill>
+                <a:schemeClr val="tx1">
+                  <a:lumMod val="65000"/>
+                  <a:lumOff val="35000"/>
+                </a:schemeClr>
+              </a:solidFill>
+              <a:latin typeface="+mn-lt"/>
+              <a:ea typeface="+mn-ea"/>
+              <a:cs typeface="+mn-cs"/>
+            </a:defRPr>
+          </a:pPr>
+          <a:endParaRPr lang="en-US"/>
+        </a:p>
+      </c:txPr>
+    </c:legend>
+    <c:plotVisOnly val="1"/>
+    <c:dispBlanksAs val="gap"/>
+    <c:showDLblsOverMax val="0"/>
+  </c:chart>
+  <c:spPr>
+    <a:noFill/>
+    <a:ln>
+      <a:solidFill>
+        <a:schemeClr val="tx1"/>
+      </a:solidFill>
+    </a:ln>
+    <a:effectLst/>
+  </c:spPr>
+  <c:txPr>
+    <a:bodyPr/>
+    <a:lstStyle/>
+    <a:p>
+      <a:pPr>
+        <a:defRPr/>
+      </a:pPr>
+      <a:endParaRPr lang="en-US"/>
+    </a:p>
+  </c:txPr>
+  <c:externalData r:id="rId3">
+    <c:autoUpdate val="0"/>
+  </c:externalData>
+</c:chartSpace>
+</file>
+
+<file path=ppt/charts/chart3.xml><?xml version="1.0" encoding="utf-8"?>
+<c:chartSpace xmlns:c="http://schemas.openxmlformats.org/drawingml/2006/chart" xmlns:a="http://schemas.openxmlformats.org/drawingml/2006/main" xmlns:r="http://schemas.openxmlformats.org/officeDocument/2006/relationships">
+  <c:date1904 val="0"/>
+  <c:lang val="en-IN"/>
+  <c:roundedCorners val="0"/>
+  <mc:AlternateContent xmlns:mc="http://schemas.openxmlformats.org/markup-compatibility/2006">
+    <mc:Choice xmlns:c14="http://schemas.microsoft.com/office/drawing/2007/8/2/chart" Requires="c14">
+      <c14:style val="102"/>
+    </mc:Choice>
+    <mc:Fallback>
+      <c:style val="2"/>
+    </mc:Fallback>
+  </mc:AlternateContent>
+  <c:chart>
+    <c:title>
+      <c:layout/>
+      <c:overlay val="0"/>
+      <c:spPr>
+        <a:noFill/>
+        <a:ln>
+          <a:noFill/>
+        </a:ln>
+        <a:effectLst/>
+      </c:spPr>
+      <c:txPr>
+        <a:bodyPr rot="0" spcFirstLastPara="1" vertOverflow="ellipsis" vert="horz" wrap="square" anchor="ctr" anchorCtr="1"/>
+        <a:lstStyle/>
+        <a:p>
+          <a:pPr>
+            <a:defRPr sz="1862" b="0" i="0" u="none" strike="noStrike" kern="1200" spc="0" baseline="0">
+              <a:solidFill>
+                <a:schemeClr val="tx1">
+                  <a:lumMod val="65000"/>
+                  <a:lumOff val="35000"/>
+                </a:schemeClr>
+              </a:solidFill>
+              <a:latin typeface="+mn-lt"/>
+              <a:ea typeface="+mn-ea"/>
+              <a:cs typeface="+mn-cs"/>
+            </a:defRPr>
+          </a:pPr>
+          <a:endParaRPr lang="en-US"/>
+        </a:p>
+      </c:txPr>
+    </c:title>
+    <c:autoTitleDeleted val="0"/>
+    <c:plotArea>
+      <c:layout/>
+      <c:doughnutChart>
+        <c:varyColors val="1"/>
+        <c:ser>
+          <c:idx val="0"/>
+          <c:order val="0"/>
+          <c:tx>
+            <c:strRef>
+              <c:f>Sheet1!$B$1</c:f>
+              <c:strCache>
+                <c:ptCount val="1"/>
+                <c:pt idx="0">
+                  <c:v>Platform</c:v>
+                </c:pt>
+              </c:strCache>
+            </c:strRef>
+          </c:tx>
+          <c:dPt>
+            <c:idx val="0"/>
+            <c:bubble3D val="0"/>
+            <c:spPr>
+              <a:solidFill>
+                <a:schemeClr val="accent1"/>
+              </a:solidFill>
+              <a:ln w="19050">
+                <a:solidFill>
+                  <a:schemeClr val="lt1"/>
+                </a:solidFill>
+              </a:ln>
+              <a:effectLst/>
+            </c:spPr>
+          </c:dPt>
+          <c:dPt>
+            <c:idx val="1"/>
+            <c:bubble3D val="0"/>
+            <c:spPr>
+              <a:solidFill>
+                <a:schemeClr val="accent2"/>
+              </a:solidFill>
+              <a:ln w="19050">
+                <a:solidFill>
+                  <a:schemeClr val="lt1"/>
+                </a:solidFill>
+              </a:ln>
+              <a:effectLst/>
+            </c:spPr>
+          </c:dPt>
+          <c:dPt>
+            <c:idx val="2"/>
+            <c:bubble3D val="0"/>
+            <c:spPr>
+              <a:solidFill>
+                <a:schemeClr val="accent3"/>
+              </a:solidFill>
+              <a:ln w="19050">
+                <a:solidFill>
+                  <a:schemeClr val="lt1"/>
+                </a:solidFill>
+              </a:ln>
+              <a:effectLst/>
+            </c:spPr>
+          </c:dPt>
+          <c:cat>
+            <c:strRef>
+              <c:f>Sheet1!$A$2:$A$4</c:f>
+              <c:strCache>
+                <c:ptCount val="3"/>
+                <c:pt idx="0">
+                  <c:v>Desktop</c:v>
+                </c:pt>
+                <c:pt idx="1">
+                  <c:v>Mobile</c:v>
+                </c:pt>
+                <c:pt idx="2">
+                  <c:v>Tablet</c:v>
+                </c:pt>
+              </c:strCache>
+            </c:strRef>
+          </c:cat>
+          <c:val>
+            <c:numRef>
+              <c:f>Sheet1!$B$2:$B$4</c:f>
+              <c:numCache>
+                <c:formatCode>General</c:formatCode>
+                <c:ptCount val="3"/>
+                <c:pt idx="0">
+                  <c:v>50.0</c:v>
+                </c:pt>
+                <c:pt idx="1">
+                  <c:v>30.0</c:v>
+                </c:pt>
+                <c:pt idx="2">
+                  <c:v>10.0</c:v>
+                </c:pt>
+              </c:numCache>
+            </c:numRef>
+          </c:val>
+        </c:ser>
+        <c:dLbls>
+          <c:showLegendKey val="0"/>
+          <c:showVal val="0"/>
+          <c:showCatName val="0"/>
+          <c:showSerName val="0"/>
+          <c:showPercent val="0"/>
+          <c:showBubbleSize val="0"/>
+          <c:showLeaderLines val="1"/>
+        </c:dLbls>
+        <c:firstSliceAng val="0"/>
+        <c:holeSize val="75"/>
+      </c:doughnutChart>
+      <c:spPr>
+        <a:noFill/>
+        <a:ln>
+          <a:noFill/>
+        </a:ln>
+        <a:effectLst/>
+      </c:spPr>
+    </c:plotArea>
+    <c:legend>
+      <c:legendPos val="b"/>
+      <c:layout/>
+      <c:overlay val="0"/>
+      <c:spPr>
+        <a:noFill/>
+        <a:ln>
+          <a:noFill/>
+        </a:ln>
+        <a:effectLst/>
+      </c:spPr>
+      <c:txPr>
+        <a:bodyPr rot="0" spcFirstLastPara="1" vertOverflow="ellipsis" vert="horz" wrap="square" anchor="ctr" anchorCtr="1"/>
+        <a:lstStyle/>
+        <a:p>
+          <a:pPr>
+            <a:defRPr sz="1197" b="0" i="0" u="none" strike="noStrike" kern="1200" baseline="0">
+              <a:solidFill>
+                <a:schemeClr val="tx1">
+                  <a:lumMod val="65000"/>
+                  <a:lumOff val="35000"/>
+                </a:schemeClr>
+              </a:solidFill>
+              <a:latin typeface="+mn-lt"/>
+              <a:ea typeface="+mn-ea"/>
+              <a:cs typeface="+mn-cs"/>
+            </a:defRPr>
+          </a:pPr>
+          <a:endParaRPr lang="en-US"/>
+        </a:p>
+      </c:txPr>
+    </c:legend>
+    <c:plotVisOnly val="1"/>
+    <c:dispBlanksAs val="gap"/>
+    <c:showDLblsOverMax val="0"/>
+  </c:chart>
+  <c:spPr>
+    <a:noFill/>
+    <a:ln>
+      <a:solidFill>
+        <a:schemeClr val="tx1"/>
+      </a:solidFill>
+    </a:ln>
+    <a:effectLst/>
+  </c:spPr>
+  <c:txPr>
+    <a:bodyPr/>
+    <a:lstStyle/>
+    <a:p>
+      <a:pPr>
+        <a:defRPr/>
+      </a:pPr>
+      <a:endParaRPr lang="en-US"/>
+    </a:p>
+  </c:txPr>
+  <c:externalData r:id="rId3">
+    <c:autoUpdate val="0"/>
+  </c:externalData>
+</c:chartSpace>
+</file>
+
+<file path=ppt/charts/chart4.xml><?xml version="1.0" encoding="utf-8"?>
+<c:chartSpace xmlns:c="http://schemas.openxmlformats.org/drawingml/2006/chart" xmlns:a="http://schemas.openxmlformats.org/drawingml/2006/main" xmlns:r="http://schemas.openxmlformats.org/officeDocument/2006/relationships">
+  <c:date1904 val="0"/>
+  <c:lang val="en-IN"/>
+  <c:roundedCorners val="0"/>
+  <mc:AlternateContent xmlns:mc="http://schemas.openxmlformats.org/markup-compatibility/2006">
+    <mc:Choice xmlns:c14="http://schemas.microsoft.com/office/drawing/2007/8/2/chart" Requires="c14">
+      <c14:style val="102"/>
+    </mc:Choice>
+    <mc:Fallback>
+      <c:style val="2"/>
+    </mc:Fallback>
+  </mc:AlternateContent>
+  <c:chart>
+    <c:title>
+      <c:layout/>
+      <c:overlay val="0"/>
+      <c:spPr>
+        <a:noFill/>
+        <a:ln>
+          <a:noFill/>
+        </a:ln>
+        <a:effectLst/>
+      </c:spPr>
+      <c:txPr>
+        <a:bodyPr rot="0" spcFirstLastPara="1" vertOverflow="ellipsis" vert="horz" wrap="square" anchor="ctr" anchorCtr="1"/>
+        <a:lstStyle/>
+        <a:p>
+          <a:pPr>
+            <a:defRPr sz="1862" b="0" i="0" u="none" strike="noStrike" kern="1200" spc="0" baseline="0">
+              <a:solidFill>
+                <a:schemeClr val="tx1">
+                  <a:lumMod val="65000"/>
+                  <a:lumOff val="35000"/>
+                </a:schemeClr>
+              </a:solidFill>
+              <a:latin typeface="+mn-lt"/>
+              <a:ea typeface="+mn-ea"/>
+              <a:cs typeface="+mn-cs"/>
+            </a:defRPr>
+          </a:pPr>
+          <a:endParaRPr lang="en-US"/>
+        </a:p>
+      </c:txPr>
+    </c:title>
+    <c:autoTitleDeleted val="0"/>
+    <c:plotArea>
+      <c:layout/>
+      <c:doughnutChart>
+        <c:varyColors val="1"/>
+        <c:ser>
+          <c:idx val="0"/>
+          <c:order val="0"/>
+          <c:tx>
+            <c:strRef>
+              <c:f>Sheet1!$B$1</c:f>
+              <c:strCache>
+                <c:ptCount val="1"/>
+                <c:pt idx="0">
+                  <c:v>Browser</c:v>
+                </c:pt>
+              </c:strCache>
+            </c:strRef>
+          </c:tx>
+          <c:dPt>
+            <c:idx val="0"/>
+            <c:bubble3D val="0"/>
+            <c:spPr>
+              <a:solidFill>
+                <a:schemeClr val="accent1"/>
+              </a:solidFill>
+              <a:ln w="19050">
+                <a:solidFill>
+                  <a:schemeClr val="lt1"/>
+                </a:solidFill>
+              </a:ln>
+              <a:effectLst/>
+            </c:spPr>
+          </c:dPt>
+          <c:dPt>
+            <c:idx val="1"/>
+            <c:bubble3D val="0"/>
+            <c:spPr>
+              <a:solidFill>
+                <a:schemeClr val="accent2"/>
+              </a:solidFill>
+              <a:ln w="19050">
+                <a:solidFill>
+                  <a:schemeClr val="lt1"/>
+                </a:solidFill>
+              </a:ln>
+              <a:effectLst/>
+            </c:spPr>
+          </c:dPt>
+          <c:dPt>
+            <c:idx val="2"/>
+            <c:bubble3D val="0"/>
+            <c:spPr>
+              <a:solidFill>
+                <a:schemeClr val="accent3"/>
+              </a:solidFill>
+              <a:ln w="19050">
+                <a:solidFill>
+                  <a:schemeClr val="lt1"/>
+                </a:solidFill>
+              </a:ln>
+              <a:effectLst/>
+            </c:spPr>
+          </c:dPt>
+          <c:dPt>
+            <c:idx val="3"/>
+            <c:bubble3D val="0"/>
+            <c:spPr>
+              <a:solidFill>
+                <a:schemeClr val="accent4"/>
+              </a:solidFill>
+              <a:ln w="19050">
+                <a:solidFill>
+                  <a:schemeClr val="lt1"/>
+                </a:solidFill>
+              </a:ln>
+              <a:effectLst/>
+            </c:spPr>
+          </c:dPt>
+          <c:cat>
+            <c:strRef>
+              <c:f>Sheet1!$A$2:$A$5</c:f>
+              <c:strCache>
+                <c:ptCount val="4"/>
+                <c:pt idx="0">
+                  <c:v>EI</c:v>
+                </c:pt>
+                <c:pt idx="1">
+                  <c:v>Chrome</c:v>
+                </c:pt>
+                <c:pt idx="2">
+                  <c:v>Firefox</c:v>
+                </c:pt>
+                <c:pt idx="3">
+                  <c:v>Safari</c:v>
+                </c:pt>
+              </c:strCache>
+            </c:strRef>
+          </c:cat>
+          <c:val>
+            <c:numRef>
+              <c:f>Sheet1!$B$2:$B$5</c:f>
+              <c:numCache>
+                <c:formatCode>General</c:formatCode>
+                <c:ptCount val="4"/>
+                <c:pt idx="0">
+                  <c:v>10.0</c:v>
+                </c:pt>
+                <c:pt idx="1">
+                  <c:v>30.0</c:v>
+                </c:pt>
+                <c:pt idx="2">
+                  <c:v>10.0</c:v>
+                </c:pt>
+                <c:pt idx="3">
+                  <c:v>5.0</c:v>
+                </c:pt>
+              </c:numCache>
+            </c:numRef>
+          </c:val>
+        </c:ser>
+        <c:dLbls>
+          <c:showLegendKey val="0"/>
+          <c:showVal val="0"/>
+          <c:showCatName val="0"/>
+          <c:showSerName val="0"/>
+          <c:showPercent val="0"/>
+          <c:showBubbleSize val="0"/>
+          <c:showLeaderLines val="1"/>
+        </c:dLbls>
+        <c:firstSliceAng val="0"/>
+        <c:holeSize val="75"/>
+      </c:doughnutChart>
+      <c:spPr>
+        <a:noFill/>
+        <a:ln>
+          <a:noFill/>
+        </a:ln>
+        <a:effectLst/>
+      </c:spPr>
+    </c:plotArea>
+    <c:legend>
+      <c:legendPos val="b"/>
+      <c:layout/>
+      <c:overlay val="0"/>
+      <c:spPr>
+        <a:noFill/>
+        <a:ln>
+          <a:noFill/>
+        </a:ln>
+        <a:effectLst/>
+      </c:spPr>
+      <c:txPr>
+        <a:bodyPr rot="0" spcFirstLastPara="1" vertOverflow="ellipsis" vert="horz" wrap="square" anchor="ctr" anchorCtr="1"/>
+        <a:lstStyle/>
+        <a:p>
+          <a:pPr>
+            <a:defRPr sz="1197" b="0" i="0" u="none" strike="noStrike" kern="1200" baseline="0">
+              <a:solidFill>
+                <a:schemeClr val="tx1">
+                  <a:lumMod val="65000"/>
+                  <a:lumOff val="35000"/>
+                </a:schemeClr>
+              </a:solidFill>
+              <a:latin typeface="+mn-lt"/>
+              <a:ea typeface="+mn-ea"/>
+              <a:cs typeface="+mn-cs"/>
+            </a:defRPr>
+          </a:pPr>
+          <a:endParaRPr lang="en-US"/>
+        </a:p>
+      </c:txPr>
+    </c:legend>
+    <c:plotVisOnly val="1"/>
+    <c:dispBlanksAs val="gap"/>
+    <c:showDLblsOverMax val="0"/>
+  </c:chart>
+  <c:spPr>
+    <a:noFill/>
+    <a:ln>
+      <a:solidFill>
+        <a:schemeClr val="tx1"/>
+      </a:solidFill>
+    </a:ln>
+    <a:effectLst/>
+  </c:spPr>
+  <c:txPr>
+    <a:bodyPr/>
+    <a:lstStyle/>
+    <a:p>
+      <a:pPr>
+        <a:defRPr/>
+      </a:pPr>
+      <a:endParaRPr lang="en-US"/>
+    </a:p>
+  </c:txPr>
+  <c:externalData r:id="rId3">
+    <c:autoUpdate val="0"/>
+  </c:externalData>
+</c:chartSpace>
+</file>
+
+<file path=ppt/charts/chart5.xml><?xml version="1.0" encoding="utf-8"?>
+<c:chartSpace xmlns:c="http://schemas.openxmlformats.org/drawingml/2006/chart" xmlns:a="http://schemas.openxmlformats.org/drawingml/2006/main" xmlns:r="http://schemas.openxmlformats.org/officeDocument/2006/relationships">
+  <c:date1904 val="0"/>
+  <c:lang val="en-IN"/>
+  <c:roundedCorners val="0"/>
+  <mc:AlternateContent xmlns:mc="http://schemas.openxmlformats.org/markup-compatibility/2006">
+    <mc:Choice xmlns:c14="http://schemas.microsoft.com/office/drawing/2007/8/2/chart" Requires="c14">
+      <c14:style val="102"/>
+    </mc:Choice>
+    <mc:Fallback>
+      <c:style val="2"/>
+    </mc:Fallback>
+  </mc:AlternateContent>
+  <c:chart>
+    <c:title>
+      <c:layout/>
+      <c:overlay val="0"/>
+      <c:spPr>
+        <a:noFill/>
+        <a:ln>
+          <a:noFill/>
+        </a:ln>
+        <a:effectLst/>
+      </c:spPr>
+      <c:txPr>
+        <a:bodyPr rot="0" spcFirstLastPara="1" vertOverflow="ellipsis" vert="horz" wrap="square" anchor="ctr" anchorCtr="1"/>
+        <a:lstStyle/>
+        <a:p>
+          <a:pPr>
+            <a:defRPr sz="1862" b="0" i="0" u="none" strike="noStrike" kern="1200" spc="0" baseline="0">
+              <a:solidFill>
+                <a:schemeClr val="tx1">
+                  <a:lumMod val="65000"/>
+                  <a:lumOff val="35000"/>
+                </a:schemeClr>
+              </a:solidFill>
+              <a:latin typeface="+mn-lt"/>
+              <a:ea typeface="+mn-ea"/>
+              <a:cs typeface="+mn-cs"/>
+            </a:defRPr>
+          </a:pPr>
+          <a:endParaRPr lang="en-US"/>
+        </a:p>
+      </c:txPr>
+    </c:title>
+    <c:autoTitleDeleted val="0"/>
+    <c:plotArea>
+      <c:layout/>
+      <c:doughnutChart>
+        <c:varyColors val="1"/>
+        <c:ser>
+          <c:idx val="0"/>
+          <c:order val="0"/>
+          <c:tx>
+            <c:strRef>
+              <c:f>Sheet1!$B$1</c:f>
+              <c:strCache>
+                <c:ptCount val="1"/>
+                <c:pt idx="0">
+                  <c:v>Operating System</c:v>
+                </c:pt>
+              </c:strCache>
+            </c:strRef>
+          </c:tx>
+          <c:dPt>
+            <c:idx val="0"/>
+            <c:bubble3D val="0"/>
+            <c:spPr>
+              <a:solidFill>
+                <a:schemeClr val="accent1"/>
+              </a:solidFill>
+              <a:ln w="19050">
+                <a:solidFill>
+                  <a:schemeClr val="lt1"/>
+                </a:solidFill>
+              </a:ln>
+              <a:effectLst/>
+            </c:spPr>
+          </c:dPt>
+          <c:dPt>
+            <c:idx val="1"/>
+            <c:bubble3D val="0"/>
+            <c:spPr>
+              <a:solidFill>
+                <a:schemeClr val="accent2"/>
+              </a:solidFill>
+              <a:ln w="19050">
+                <a:solidFill>
+                  <a:schemeClr val="lt1"/>
+                </a:solidFill>
+              </a:ln>
+              <a:effectLst/>
+            </c:spPr>
+          </c:dPt>
+          <c:dPt>
+            <c:idx val="2"/>
+            <c:bubble3D val="0"/>
+            <c:spPr>
+              <a:solidFill>
+                <a:schemeClr val="accent3"/>
+              </a:solidFill>
+              <a:ln w="19050">
+                <a:solidFill>
+                  <a:schemeClr val="lt1"/>
+                </a:solidFill>
+              </a:ln>
+              <a:effectLst/>
+            </c:spPr>
+          </c:dPt>
+          <c:dPt>
+            <c:idx val="3"/>
+            <c:bubble3D val="0"/>
+            <c:spPr>
+              <a:solidFill>
+                <a:schemeClr val="accent4"/>
+              </a:solidFill>
+              <a:ln w="19050">
+                <a:solidFill>
+                  <a:schemeClr val="lt1"/>
+                </a:solidFill>
+              </a:ln>
+              <a:effectLst/>
+            </c:spPr>
+          </c:dPt>
+          <c:cat>
+            <c:strRef>
+              <c:f>Sheet1!$A$2:$A$5</c:f>
+              <c:strCache>
+                <c:ptCount val="4"/>
+                <c:pt idx="0">
+                  <c:v>Windows</c:v>
+                </c:pt>
+                <c:pt idx="1">
+                  <c:v>Mac</c:v>
+                </c:pt>
+                <c:pt idx="2">
+                  <c:v>Linux</c:v>
+                </c:pt>
+                <c:pt idx="3">
+                  <c:v>Others</c:v>
+                </c:pt>
+              </c:strCache>
+            </c:strRef>
+          </c:cat>
+          <c:val>
+            <c:numRef>
+              <c:f>Sheet1!$B$2:$B$5</c:f>
+              <c:numCache>
+                <c:formatCode>General</c:formatCode>
+                <c:ptCount val="4"/>
+                <c:pt idx="0">
+                  <c:v>40.0</c:v>
+                </c:pt>
+                <c:pt idx="1">
+                  <c:v>20.0</c:v>
+                </c:pt>
+                <c:pt idx="2">
+                  <c:v>10.0</c:v>
+                </c:pt>
+                <c:pt idx="3">
+                  <c:v>5.0</c:v>
+                </c:pt>
+              </c:numCache>
+            </c:numRef>
+          </c:val>
+        </c:ser>
+        <c:dLbls>
+          <c:showLegendKey val="0"/>
+          <c:showVal val="0"/>
+          <c:showCatName val="0"/>
+          <c:showSerName val="0"/>
+          <c:showPercent val="0"/>
+          <c:showBubbleSize val="0"/>
+          <c:showLeaderLines val="1"/>
+        </c:dLbls>
+        <c:firstSliceAng val="0"/>
+        <c:holeSize val="75"/>
+      </c:doughnutChart>
+      <c:spPr>
+        <a:noFill/>
+        <a:ln>
+          <a:noFill/>
+        </a:ln>
+        <a:effectLst/>
+      </c:spPr>
+    </c:plotArea>
+    <c:legend>
+      <c:legendPos val="b"/>
+      <c:layout/>
+      <c:overlay val="0"/>
+      <c:spPr>
+        <a:noFill/>
+        <a:ln>
+          <a:noFill/>
+        </a:ln>
+        <a:effectLst/>
+      </c:spPr>
+      <c:txPr>
+        <a:bodyPr rot="0" spcFirstLastPara="1" vertOverflow="ellipsis" vert="horz" wrap="square" anchor="ctr" anchorCtr="1"/>
+        <a:lstStyle/>
+        <a:p>
+          <a:pPr>
+            <a:defRPr sz="1197" b="0" i="0" u="none" strike="noStrike" kern="1200" baseline="0">
+              <a:solidFill>
+                <a:schemeClr val="tx1">
+                  <a:lumMod val="65000"/>
+                  <a:lumOff val="35000"/>
+                </a:schemeClr>
+              </a:solidFill>
+              <a:latin typeface="+mn-lt"/>
+              <a:ea typeface="+mn-ea"/>
+              <a:cs typeface="+mn-cs"/>
+            </a:defRPr>
+          </a:pPr>
+          <a:endParaRPr lang="en-US"/>
+        </a:p>
+      </c:txPr>
+    </c:legend>
+    <c:plotVisOnly val="1"/>
+    <c:dispBlanksAs val="gap"/>
+    <c:showDLblsOverMax val="0"/>
+  </c:chart>
+  <c:spPr>
+    <a:noFill/>
+    <a:ln>
+      <a:solidFill>
+        <a:schemeClr val="tx1"/>
+      </a:solidFill>
+    </a:ln>
+    <a:effectLst/>
+  </c:spPr>
+  <c:txPr>
+    <a:bodyPr/>
+    <a:lstStyle/>
+    <a:p>
+      <a:pPr>
+        <a:defRPr/>
+      </a:pPr>
+      <a:endParaRPr lang="en-US"/>
+    </a:p>
+  </c:txPr>
+  <c:externalData r:id="rId3">
+    <c:autoUpdate val="0"/>
+  </c:externalData>
+</c:chartSpace>
+</file>
+
+<file path=ppt/charts/colors1.xml><?xml version="1.0" encoding="utf-8"?>
+<cs:colorStyle xmlns:cs="http://schemas.microsoft.com/office/drawing/2012/chartStyle" xmlns:a="http://schemas.openxmlformats.org/drawingml/2006/main" meth="cycle" id="10">
+  <a:schemeClr val="accent1"/>
+  <a:schemeClr val="accent2"/>
+  <a:schemeClr val="accent3"/>
+  <a:schemeClr val="accent4"/>
+  <a:schemeClr val="accent5"/>
+  <a:schemeClr val="accent6"/>
+  <cs:variation/>
+  <cs:variation>
+    <a:lumMod val="60000"/>
+  </cs:variation>
+  <cs:variation>
+    <a:lumMod val="80000"/>
+    <a:lumOff val="20000"/>
+  </cs:variation>
+  <cs:variation>
+    <a:lumMod val="80000"/>
+  </cs:variation>
+  <cs:variation>
+    <a:lumMod val="60000"/>
+    <a:lumOff val="40000"/>
+  </cs:variation>
+  <cs:variation>
+    <a:lumMod val="50000"/>
+  </cs:variation>
+  <cs:variation>
+    <a:lumMod val="70000"/>
+    <a:lumOff val="30000"/>
+  </cs:variation>
+  <cs:variation>
+    <a:lumMod val="70000"/>
+  </cs:variation>
+  <cs:variation>
+    <a:lumMod val="50000"/>
+    <a:lumOff val="50000"/>
+  </cs:variation>
+</cs:colorStyle>
+</file>
+
+<file path=ppt/charts/colors2.xml><?xml version="1.0" encoding="utf-8"?>
+<cs:colorStyle xmlns:cs="http://schemas.microsoft.com/office/drawing/2012/chartStyle" xmlns:a="http://schemas.openxmlformats.org/drawingml/2006/main" meth="cycle" id="10">
+  <a:schemeClr val="accent1"/>
+  <a:schemeClr val="accent2"/>
+  <a:schemeClr val="accent3"/>
+  <a:schemeClr val="accent4"/>
+  <a:schemeClr val="accent5"/>
+  <a:schemeClr val="accent6"/>
+  <cs:variation/>
+  <cs:variation>
+    <a:lumMod val="60000"/>
+  </cs:variation>
+  <cs:variation>
+    <a:lumMod val="80000"/>
+    <a:lumOff val="20000"/>
+  </cs:variation>
+  <cs:variation>
+    <a:lumMod val="80000"/>
+  </cs:variation>
+  <cs:variation>
+    <a:lumMod val="60000"/>
+    <a:lumOff val="40000"/>
+  </cs:variation>
+  <cs:variation>
+    <a:lumMod val="50000"/>
+  </cs:variation>
+  <cs:variation>
+    <a:lumMod val="70000"/>
+    <a:lumOff val="30000"/>
+  </cs:variation>
+  <cs:variation>
+    <a:lumMod val="70000"/>
+  </cs:variation>
+  <cs:variation>
+    <a:lumMod val="50000"/>
+    <a:lumOff val="50000"/>
+  </cs:variation>
+</cs:colorStyle>
+</file>
+
+<file path=ppt/charts/colors3.xml><?xml version="1.0" encoding="utf-8"?>
+<cs:colorStyle xmlns:cs="http://schemas.microsoft.com/office/drawing/2012/chartStyle" xmlns:a="http://schemas.openxmlformats.org/drawingml/2006/main" meth="cycle" id="10">
+  <a:schemeClr val="accent1"/>
+  <a:schemeClr val="accent2"/>
+  <a:schemeClr val="accent3"/>
+  <a:schemeClr val="accent4"/>
+  <a:schemeClr val="accent5"/>
+  <a:schemeClr val="accent6"/>
+  <cs:variation/>
+  <cs:variation>
+    <a:lumMod val="60000"/>
+  </cs:variation>
+  <cs:variation>
+    <a:lumMod val="80000"/>
+    <a:lumOff val="20000"/>
+  </cs:variation>
+  <cs:variation>
+    <a:lumMod val="80000"/>
+  </cs:variation>
+  <cs:variation>
+    <a:lumMod val="60000"/>
+    <a:lumOff val="40000"/>
+  </cs:variation>
+  <cs:variation>
+    <a:lumMod val="50000"/>
+  </cs:variation>
+  <cs:variation>
+    <a:lumMod val="70000"/>
+    <a:lumOff val="30000"/>
+  </cs:variation>
+  <cs:variation>
+    <a:lumMod val="70000"/>
+  </cs:variation>
+  <cs:variation>
+    <a:lumMod val="50000"/>
+    <a:lumOff val="50000"/>
+  </cs:variation>
+</cs:colorStyle>
+</file>
+
+<file path=ppt/charts/colors4.xml><?xml version="1.0" encoding="utf-8"?>
+<cs:colorStyle xmlns:cs="http://schemas.microsoft.com/office/drawing/2012/chartStyle" xmlns:a="http://schemas.openxmlformats.org/drawingml/2006/main" meth="cycle" id="10">
+  <a:schemeClr val="accent1"/>
+  <a:schemeClr val="accent2"/>
+  <a:schemeClr val="accent3"/>
+  <a:schemeClr val="accent4"/>
+  <a:schemeClr val="accent5"/>
+  <a:schemeClr val="accent6"/>
+  <cs:variation/>
+  <cs:variation>
+    <a:lumMod val="60000"/>
+  </cs:variation>
+  <cs:variation>
+    <a:lumMod val="80000"/>
+    <a:lumOff val="20000"/>
+  </cs:variation>
+  <cs:variation>
+    <a:lumMod val="80000"/>
+  </cs:variation>
+  <cs:variation>
+    <a:lumMod val="60000"/>
+    <a:lumOff val="40000"/>
+  </cs:variation>
+  <cs:variation>
+    <a:lumMod val="50000"/>
+  </cs:variation>
+  <cs:variation>
+    <a:lumMod val="70000"/>
+    <a:lumOff val="30000"/>
+  </cs:variation>
+  <cs:variation>
+    <a:lumMod val="70000"/>
+  </cs:variation>
+  <cs:variation>
+    <a:lumMod val="50000"/>
+    <a:lumOff val="50000"/>
+  </cs:variation>
+</cs:colorStyle>
+</file>
+
+<file path=ppt/charts/colors5.xml><?xml version="1.0" encoding="utf-8"?>
+<cs:colorStyle xmlns:cs="http://schemas.microsoft.com/office/drawing/2012/chartStyle" xmlns:a="http://schemas.openxmlformats.org/drawingml/2006/main" meth="cycle" id="10">
+  <a:schemeClr val="accent1"/>
+  <a:schemeClr val="accent2"/>
+  <a:schemeClr val="accent3"/>
+  <a:schemeClr val="accent4"/>
+  <a:schemeClr val="accent5"/>
+  <a:schemeClr val="accent6"/>
+  <cs:variation/>
+  <cs:variation>
+    <a:lumMod val="60000"/>
+  </cs:variation>
+  <cs:variation>
+    <a:lumMod val="80000"/>
+    <a:lumOff val="20000"/>
+  </cs:variation>
+  <cs:variation>
+    <a:lumMod val="80000"/>
+  </cs:variation>
+  <cs:variation>
+    <a:lumMod val="60000"/>
+    <a:lumOff val="40000"/>
+  </cs:variation>
+  <cs:variation>
+    <a:lumMod val="50000"/>
+  </cs:variation>
+  <cs:variation>
+    <a:lumMod val="70000"/>
+    <a:lumOff val="30000"/>
+  </cs:variation>
+  <cs:variation>
+    <a:lumMod val="70000"/>
+  </cs:variation>
+  <cs:variation>
+    <a:lumMod val="50000"/>
+    <a:lumOff val="50000"/>
+  </cs:variation>
+</cs:colorStyle>
+</file>
+
+<file path=ppt/charts/style1.xml><?xml version="1.0" encoding="utf-8"?>
+<cs:chartStyle xmlns:cs="http://schemas.microsoft.com/office/drawing/2012/chartStyle" xmlns:a="http://schemas.openxmlformats.org/drawingml/2006/main" id="251">
+  <cs:axisTitle>
+    <cs:lnRef idx="0"/>
+    <cs:fillRef idx="0"/>
+    <cs:effectRef idx="0"/>
+    <cs:fontRef idx="minor">
+      <a:schemeClr val="tx1">
+        <a:lumMod val="65000"/>
+        <a:lumOff val="35000"/>
+      </a:schemeClr>
+    </cs:fontRef>
+    <cs:defRPr sz="1330" kern="1200"/>
+  </cs:axisTitle>
+  <cs:categoryAxis>
+    <cs:lnRef idx="0"/>
+    <cs:fillRef idx="0"/>
+    <cs:effectRef idx="0"/>
+    <cs:fontRef idx="minor">
+      <a:schemeClr val="tx1">
+        <a:lumMod val="65000"/>
+        <a:lumOff val="35000"/>
+      </a:schemeClr>
+    </cs:fontRef>
+    <cs:spPr>
+      <a:ln w="9525" cap="flat" cmpd="sng" algn="ctr">
+        <a:solidFill>
+          <a:schemeClr val="tx1">
+            <a:lumMod val="15000"/>
+            <a:lumOff val="85000"/>
+          </a:schemeClr>
+        </a:solidFill>
+        <a:round/>
+      </a:ln>
+    </cs:spPr>
+    <cs:defRPr sz="1197" kern="1200"/>
+  </cs:categoryAxis>
+  <cs:chartArea mods="allowNoFillOverride allowNoLineOverride">
+    <cs:lnRef idx="0"/>
+    <cs:fillRef idx="0"/>
+    <cs:effectRef idx="0"/>
+    <cs:fontRef idx="minor">
+      <a:schemeClr val="tx1"/>
+    </cs:fontRef>
+    <cs:spPr>
+      <a:solidFill>
+        <a:schemeClr val="bg1"/>
+      </a:solidFill>
+      <a:ln w="9525" cap="flat" cmpd="sng" algn="ctr">
+        <a:solidFill>
+          <a:schemeClr val="tx1">
+            <a:lumMod val="15000"/>
+            <a:lumOff val="85000"/>
+          </a:schemeClr>
+        </a:solidFill>
+        <a:round/>
+      </a:ln>
+    </cs:spPr>
+    <cs:defRPr sz="1197" kern="1200"/>
+  </cs:chartArea>
+  <cs:dataLabel>
+    <cs:lnRef idx="0"/>
+    <cs:fillRef idx="0"/>
+    <cs:effectRef idx="0"/>
+    <cs:fontRef idx="minor">
+      <a:schemeClr val="tx1">
+        <a:lumMod val="75000"/>
+        <a:lumOff val="25000"/>
+      </a:schemeClr>
+    </cs:fontRef>
+    <cs:defRPr sz="1197" kern="1200"/>
+  </cs:dataLabel>
+  <cs:dataLabelCallout>
+    <cs:lnRef idx="0"/>
+    <cs:fillRef idx="0"/>
+    <cs:effectRef idx="0"/>
+    <cs:fontRef idx="minor">
+      <a:schemeClr val="dk1">
+        <a:lumMod val="65000"/>
+        <a:lumOff val="35000"/>
+      </a:schemeClr>
+    </cs:fontRef>
+    <cs:spPr>
+      <a:solidFill>
+        <a:schemeClr val="lt1"/>
+      </a:solidFill>
+      <a:ln>
+        <a:solidFill>
+          <a:schemeClr val="dk1">
+            <a:lumMod val="25000"/>
+            <a:lumOff val="75000"/>
+          </a:schemeClr>
+        </a:solidFill>
+      </a:ln>
+    </cs:spPr>
+    <cs:defRPr sz="1197" kern="1200"/>
+    <cs:bodyPr rot="0" spcFirstLastPara="1" vertOverflow="clip" horzOverflow="clip" vert="horz" wrap="square" lIns="36576" tIns="18288" rIns="36576" bIns="18288" anchor="ctr" anchorCtr="1">
+      <a:spAutoFit/>
+    </cs:bodyPr>
+  </cs:dataLabelCallout>
+  <cs:dataPoint>
+    <cs:lnRef idx="0"/>
+    <cs:fillRef idx="1">
+      <cs:styleClr val="auto"/>
+    </cs:fillRef>
+    <cs:effectRef idx="0"/>
+    <cs:fontRef idx="minor">
+      <a:schemeClr val="tx1"/>
+    </cs:fontRef>
+    <cs:spPr>
+      <a:ln w="19050">
+        <a:solidFill>
+          <a:schemeClr val="lt1"/>
+        </a:solidFill>
+      </a:ln>
+    </cs:spPr>
+  </cs:dataPoint>
+  <cs:dataPoint3D>
+    <cs:lnRef idx="0"/>
+    <cs:fillRef idx="1">
+      <cs:styleClr val="auto"/>
+    </cs:fillRef>
+    <cs:effectRef idx="0"/>
+    <cs:fontRef idx="minor">
+      <a:schemeClr val="tx1"/>
+    </cs:fontRef>
+    <cs:spPr>
+      <a:ln w="25400">
+        <a:solidFill>
+          <a:schemeClr val="lt1"/>
+        </a:solidFill>
+      </a:ln>
+    </cs:spPr>
+  </cs:dataPoint3D>
+  <cs:dataPointLine>
+    <cs:lnRef idx="0">
+      <cs:styleClr val="auto"/>
+    </cs:lnRef>
+    <cs:fillRef idx="0"/>
+    <cs:effectRef idx="0"/>
+    <cs:fontRef idx="minor">
+      <a:schemeClr val="tx1"/>
+    </cs:fontRef>
+    <cs:spPr>
+      <a:ln w="28575" cap="rnd">
+        <a:solidFill>
+          <a:schemeClr val="phClr"/>
+        </a:solidFill>
+        <a:round/>
+      </a:ln>
+    </cs:spPr>
+  </cs:dataPointLine>
+  <cs:dataPointMarker>
+    <cs:lnRef idx="0">
+      <cs:styleClr val="auto"/>
+    </cs:lnRef>
+    <cs:fillRef idx="1">
+      <cs:styleClr val="auto"/>
+    </cs:fillRef>
+    <cs:effectRef idx="0"/>
+    <cs:fontRef idx="minor">
+      <a:schemeClr val="tx1"/>
+    </cs:fontRef>
+    <cs:spPr>
+      <a:ln w="9525">
+        <a:solidFill>
+          <a:schemeClr val="phClr"/>
+        </a:solidFill>
+      </a:ln>
+    </cs:spPr>
+  </cs:dataPointMarker>
+  <cs:dataPointMarkerLayout symbol="circle" size="5"/>
+  <cs:dataPointWireframe>
+    <cs:lnRef idx="0">
+      <cs:styleClr val="auto"/>
+    </cs:lnRef>
+    <cs:fillRef idx="0"/>
+    <cs:effectRef idx="0"/>
+    <cs:fontRef idx="minor">
+      <a:schemeClr val="tx1"/>
+    </cs:fontRef>
+    <cs:spPr>
+      <a:ln w="9525" cap="rnd">
+        <a:solidFill>
+          <a:schemeClr val="phClr"/>
+        </a:solidFill>
+        <a:round/>
+      </a:ln>
+    </cs:spPr>
+  </cs:dataPointWireframe>
+  <cs:dataTable>
+    <cs:lnRef idx="0"/>
+    <cs:fillRef idx="0"/>
+    <cs:effectRef idx="0"/>
+    <cs:fontRef idx="minor">
+      <a:schemeClr val="tx1">
+        <a:lumMod val="65000"/>
+        <a:lumOff val="35000"/>
+      </a:schemeClr>
+    </cs:fontRef>
+    <cs:spPr>
+      <a:noFill/>
+      <a:ln w="9525" cap="flat" cmpd="sng" algn="ctr">
+        <a:solidFill>
+          <a:schemeClr val="tx1">
+            <a:lumMod val="15000"/>
+            <a:lumOff val="85000"/>
+          </a:schemeClr>
+        </a:solidFill>
+        <a:round/>
+      </a:ln>
+    </cs:spPr>
+    <cs:defRPr sz="1197" kern="1200"/>
+  </cs:dataTable>
+  <cs:downBar>
+    <cs:lnRef idx="0"/>
+    <cs:fillRef idx="0"/>
+    <cs:effectRef idx="0"/>
+    <cs:fontRef idx="minor">
+      <a:schemeClr val="tx1"/>
+    </cs:fontRef>
+    <cs:spPr>
+      <a:solidFill>
+        <a:schemeClr val="dk1">
+          <a:lumMod val="75000"/>
+          <a:lumOff val="25000"/>
+        </a:schemeClr>
+      </a:solidFill>
+      <a:ln w="9525" cap="flat" cmpd="sng" algn="ctr">
+        <a:solidFill>
+          <a:schemeClr val="tx1">
+            <a:lumMod val="65000"/>
+            <a:lumOff val="35000"/>
+          </a:schemeClr>
+        </a:solidFill>
+        <a:round/>
+      </a:ln>
+    </cs:spPr>
+  </cs:downBar>
+  <cs:dropLine>
+    <cs:lnRef idx="0"/>
+    <cs:fillRef idx="0"/>
+    <cs:effectRef idx="0"/>
+    <cs:fontRef idx="minor">
+      <a:schemeClr val="tx1"/>
+    </cs:fontRef>
+    <cs:spPr>
+      <a:ln w="9525" cap="flat" cmpd="sng" algn="ctr">
+        <a:solidFill>
+          <a:schemeClr val="tx1">
+            <a:lumMod val="35000"/>
+            <a:lumOff val="65000"/>
+          </a:schemeClr>
+        </a:solidFill>
+        <a:round/>
+      </a:ln>
+    </cs:spPr>
+  </cs:dropLine>
+  <cs:errorBar>
+    <cs:lnRef idx="0"/>
+    <cs:fillRef idx="0"/>
+    <cs:effectRef idx="0"/>
+    <cs:fontRef idx="minor">
+      <a:schemeClr val="tx1"/>
+    </cs:fontRef>
+    <cs:spPr>
+      <a:ln w="9525" cap="flat" cmpd="sng" algn="ctr">
+        <a:solidFill>
+          <a:schemeClr val="tx1">
+            <a:lumMod val="65000"/>
+            <a:lumOff val="35000"/>
+          </a:schemeClr>
+        </a:solidFill>
+        <a:round/>
+      </a:ln>
+    </cs:spPr>
+  </cs:errorBar>
+  <cs:floor>
+    <cs:lnRef idx="0"/>
+    <cs:fillRef idx="0"/>
+    <cs:effectRef idx="0"/>
+    <cs:fontRef idx="minor">
+      <a:schemeClr val="tx1"/>
+    </cs:fontRef>
+    <cs:spPr>
+      <a:noFill/>
+      <a:ln>
+        <a:noFill/>
+      </a:ln>
+    </cs:spPr>
+  </cs:floor>
+  <cs:gridlineMajor>
+    <cs:lnRef idx="0"/>
+    <cs:fillRef idx="0"/>
+    <cs:effectRef idx="0"/>
+    <cs:fontRef idx="minor">
+      <a:schemeClr val="tx1"/>
+    </cs:fontRef>
+    <cs:spPr>
+      <a:ln w="9525" cap="flat" cmpd="sng" algn="ctr">
+        <a:solidFill>
+          <a:schemeClr val="tx1">
+            <a:lumMod val="15000"/>
+            <a:lumOff val="85000"/>
+          </a:schemeClr>
+        </a:solidFill>
+        <a:round/>
+      </a:ln>
+    </cs:spPr>
+  </cs:gridlineMajor>
+  <cs:gridlineMinor>
+    <cs:lnRef idx="0"/>
+    <cs:fillRef idx="0"/>
+    <cs:effectRef idx="0"/>
+    <cs:fontRef idx="minor">
+      <a:schemeClr val="tx1"/>
+    </cs:fontRef>
+    <cs:spPr>
+      <a:ln w="9525" cap="flat" cmpd="sng" algn="ctr">
+        <a:solidFill>
+          <a:schemeClr val="tx1">
+            <a:lumMod val="5000"/>
+            <a:lumOff val="95000"/>
+          </a:schemeClr>
+        </a:solidFill>
+        <a:round/>
+      </a:ln>
+    </cs:spPr>
+  </cs:gridlineMinor>
+  <cs:hiLoLine>
+    <cs:lnRef idx="0"/>
+    <cs:fillRef idx="0"/>
+    <cs:effectRef idx="0"/>
+    <cs:fontRef idx="minor">
+      <a:schemeClr val="tx1"/>
+    </cs:fontRef>
+    <cs:spPr>
+      <a:ln w="9525" cap="flat" cmpd="sng" algn="ctr">
+        <a:solidFill>
+          <a:schemeClr val="tx1">
+            <a:lumMod val="50000"/>
+            <a:lumOff val="50000"/>
+          </a:schemeClr>
+        </a:solidFill>
+        <a:round/>
+      </a:ln>
+    </cs:spPr>
+  </cs:hiLoLine>
+  <cs:leaderLine>
+    <cs:lnRef idx="0"/>
+    <cs:fillRef idx="0"/>
+    <cs:effectRef idx="0"/>
+    <cs:fontRef idx="minor">
+      <a:schemeClr val="tx1"/>
+    </cs:fontRef>
+    <cs:spPr>
+      <a:ln w="9525" cap="flat" cmpd="sng" algn="ctr">
+        <a:solidFill>
+          <a:schemeClr val="tx1">
+            <a:lumMod val="35000"/>
+            <a:lumOff val="65000"/>
+          </a:schemeClr>
+        </a:solidFill>
+        <a:round/>
+      </a:ln>
+    </cs:spPr>
+  </cs:leaderLine>
+  <cs:legend>
+    <cs:lnRef idx="0"/>
+    <cs:fillRef idx="0"/>
+    <cs:effectRef idx="0"/>
+    <cs:fontRef idx="minor">
+      <a:schemeClr val="tx1">
+        <a:lumMod val="65000"/>
+        <a:lumOff val="35000"/>
+      </a:schemeClr>
+    </cs:fontRef>
+    <cs:defRPr sz="1197" kern="1200"/>
+  </cs:legend>
+  <cs:plotArea mods="allowNoFillOverride allowNoLineOverride">
+    <cs:lnRef idx="0"/>
+    <cs:fillRef idx="0"/>
+    <cs:effectRef idx="0"/>
+    <cs:fontRef idx="minor">
+      <a:schemeClr val="tx1"/>
+    </cs:fontRef>
+  </cs:plotArea>
+  <cs:plotArea3D mods="allowNoFillOverride allowNoLineOverride">
+    <cs:lnRef idx="0"/>
+    <cs:fillRef idx="0"/>
+    <cs:effectRef idx="0"/>
+    <cs:fontRef idx="minor">
+      <a:schemeClr val="tx1"/>
+    </cs:fontRef>
+  </cs:plotArea3D>
+  <cs:seriesAxis>
+    <cs:lnRef idx="0"/>
+    <cs:fillRef idx="0"/>
+    <cs:effectRef idx="0"/>
+    <cs:fontRef idx="minor">
+      <a:schemeClr val="tx1">
+        <a:lumMod val="65000"/>
+        <a:lumOff val="35000"/>
+      </a:schemeClr>
+    </cs:fontRef>
+    <cs:defRPr sz="1197" kern="1200"/>
+  </cs:seriesAxis>
+  <cs:seriesLine>
+    <cs:lnRef idx="0"/>
+    <cs:fillRef idx="0"/>
+    <cs:effectRef idx="0"/>
+    <cs:fontRef idx="minor">
+      <a:schemeClr val="tx1"/>
+    </cs:fontRef>
+    <cs:spPr>
+      <a:ln w="9525" cap="flat" cmpd="sng" algn="ctr">
+        <a:solidFill>
+          <a:schemeClr val="tx1">
+            <a:lumMod val="35000"/>
+            <a:lumOff val="65000"/>
+          </a:schemeClr>
+        </a:solidFill>
+        <a:round/>
+      </a:ln>
+    </cs:spPr>
+  </cs:seriesLine>
+  <cs:title>
+    <cs:lnRef idx="0"/>
+    <cs:fillRef idx="0"/>
+    <cs:effectRef idx="0"/>
+    <cs:fontRef idx="minor">
+      <a:schemeClr val="tx1">
+        <a:lumMod val="65000"/>
+        <a:lumOff val="35000"/>
+      </a:schemeClr>
+    </cs:fontRef>
+    <cs:defRPr sz="1862" b="0" kern="1200" spc="0" baseline="0"/>
+  </cs:title>
+  <cs:trendline>
+    <cs:lnRef idx="0">
+      <cs:styleClr val="auto"/>
+    </cs:lnRef>
+    <cs:fillRef idx="0"/>
+    <cs:effectRef idx="0"/>
+    <cs:fontRef idx="minor">
+      <a:schemeClr val="tx1"/>
+    </cs:fontRef>
+    <cs:spPr>
+      <a:ln w="19050" cap="rnd">
+        <a:solidFill>
+          <a:schemeClr val="phClr"/>
+        </a:solidFill>
+        <a:prstDash val="sysDot"/>
+      </a:ln>
+    </cs:spPr>
+  </cs:trendline>
+  <cs:trendlineLabel>
+    <cs:lnRef idx="0"/>
+    <cs:fillRef idx="0"/>
+    <cs:effectRef idx="0"/>
+    <cs:fontRef idx="minor">
+      <a:schemeClr val="tx1">
+        <a:lumMod val="65000"/>
+        <a:lumOff val="35000"/>
+      </a:schemeClr>
+    </cs:fontRef>
+    <cs:defRPr sz="1197" kern="1200"/>
+  </cs:trendlineLabel>
+  <cs:upBar>
+    <cs:lnRef idx="0"/>
+    <cs:fillRef idx="0"/>
+    <cs:effectRef idx="0"/>
+    <cs:fontRef idx="minor">
+      <a:schemeClr val="tx1"/>
+    </cs:fontRef>
+    <cs:spPr>
+      <a:solidFill>
+        <a:schemeClr val="lt1"/>
+      </a:solidFill>
+      <a:ln w="9525" cap="flat" cmpd="sng" algn="ctr">
+        <a:solidFill>
+          <a:schemeClr val="tx1">
+            <a:lumMod val="65000"/>
+            <a:lumOff val="35000"/>
+          </a:schemeClr>
+        </a:solidFill>
+        <a:round/>
+      </a:ln>
+    </cs:spPr>
+  </cs:upBar>
+  <cs:valueAxis>
+    <cs:lnRef idx="0"/>
+    <cs:fillRef idx="0"/>
+    <cs:effectRef idx="0"/>
+    <cs:fontRef idx="minor">
+      <a:schemeClr val="tx1">
+        <a:lumMod val="65000"/>
+        <a:lumOff val="35000"/>
+      </a:schemeClr>
+    </cs:fontRef>
+    <cs:defRPr sz="1197" kern="1200"/>
+  </cs:valueAxis>
+  <cs:wall>
+    <cs:lnRef idx="0"/>
+    <cs:fillRef idx="0"/>
+    <cs:effectRef idx="0"/>
+    <cs:fontRef idx="minor">
+      <a:schemeClr val="tx1"/>
+    </cs:fontRef>
+    <cs:spPr>
+      <a:noFill/>
+      <a:ln>
+        <a:noFill/>
+      </a:ln>
+    </cs:spPr>
+  </cs:wall>
+</cs:chartStyle>
+</file>
+
+<file path=ppt/charts/style2.xml><?xml version="1.0" encoding="utf-8"?>
+<cs:chartStyle xmlns:cs="http://schemas.microsoft.com/office/drawing/2012/chartStyle" xmlns:a="http://schemas.openxmlformats.org/drawingml/2006/main" id="251">
+  <cs:axisTitle>
+    <cs:lnRef idx="0"/>
+    <cs:fillRef idx="0"/>
+    <cs:effectRef idx="0"/>
+    <cs:fontRef idx="minor">
+      <a:schemeClr val="tx1">
+        <a:lumMod val="65000"/>
+        <a:lumOff val="35000"/>
+      </a:schemeClr>
+    </cs:fontRef>
+    <cs:defRPr sz="1330" kern="1200"/>
+  </cs:axisTitle>
+  <cs:categoryAxis>
+    <cs:lnRef idx="0"/>
+    <cs:fillRef idx="0"/>
+    <cs:effectRef idx="0"/>
+    <cs:fontRef idx="minor">
+      <a:schemeClr val="tx1">
+        <a:lumMod val="65000"/>
+        <a:lumOff val="35000"/>
+      </a:schemeClr>
+    </cs:fontRef>
+    <cs:spPr>
+      <a:ln w="9525" cap="flat" cmpd="sng" algn="ctr">
+        <a:solidFill>
+          <a:schemeClr val="tx1">
+            <a:lumMod val="15000"/>
+            <a:lumOff val="85000"/>
+          </a:schemeClr>
+        </a:solidFill>
+        <a:round/>
+      </a:ln>
+    </cs:spPr>
+    <cs:defRPr sz="1197" kern="1200"/>
+  </cs:categoryAxis>
+  <cs:chartArea mods="allowNoFillOverride allowNoLineOverride">
+    <cs:lnRef idx="0"/>
+    <cs:fillRef idx="0"/>
+    <cs:effectRef idx="0"/>
+    <cs:fontRef idx="minor">
+      <a:schemeClr val="tx1"/>
+    </cs:fontRef>
+    <cs:spPr>
+      <a:solidFill>
+        <a:schemeClr val="bg1"/>
+      </a:solidFill>
+      <a:ln w="9525" cap="flat" cmpd="sng" algn="ctr">
+        <a:solidFill>
+          <a:schemeClr val="tx1">
+            <a:lumMod val="15000"/>
+            <a:lumOff val="85000"/>
+          </a:schemeClr>
+        </a:solidFill>
+        <a:round/>
+      </a:ln>
+    </cs:spPr>
+    <cs:defRPr sz="1197" kern="1200"/>
+  </cs:chartArea>
+  <cs:dataLabel>
+    <cs:lnRef idx="0"/>
+    <cs:fillRef idx="0"/>
+    <cs:effectRef idx="0"/>
+    <cs:fontRef idx="minor">
+      <a:schemeClr val="tx1">
+        <a:lumMod val="75000"/>
+        <a:lumOff val="25000"/>
+      </a:schemeClr>
+    </cs:fontRef>
+    <cs:defRPr sz="1197" kern="1200"/>
+  </cs:dataLabel>
+  <cs:dataLabelCallout>
+    <cs:lnRef idx="0"/>
+    <cs:fillRef idx="0"/>
+    <cs:effectRef idx="0"/>
+    <cs:fontRef idx="minor">
+      <a:schemeClr val="dk1">
+        <a:lumMod val="65000"/>
+        <a:lumOff val="35000"/>
+      </a:schemeClr>
+    </cs:fontRef>
+    <cs:spPr>
+      <a:solidFill>
+        <a:schemeClr val="lt1"/>
+      </a:solidFill>
+      <a:ln>
+        <a:solidFill>
+          <a:schemeClr val="dk1">
+            <a:lumMod val="25000"/>
+            <a:lumOff val="75000"/>
+          </a:schemeClr>
+        </a:solidFill>
+      </a:ln>
+    </cs:spPr>
+    <cs:defRPr sz="1197" kern="1200"/>
+    <cs:bodyPr rot="0" spcFirstLastPara="1" vertOverflow="clip" horzOverflow="clip" vert="horz" wrap="square" lIns="36576" tIns="18288" rIns="36576" bIns="18288" anchor="ctr" anchorCtr="1">
+      <a:spAutoFit/>
+    </cs:bodyPr>
+  </cs:dataLabelCallout>
+  <cs:dataPoint>
+    <cs:lnRef idx="0"/>
+    <cs:fillRef idx="1">
+      <cs:styleClr val="auto"/>
+    </cs:fillRef>
+    <cs:effectRef idx="0"/>
+    <cs:fontRef idx="minor">
+      <a:schemeClr val="tx1"/>
+    </cs:fontRef>
+    <cs:spPr>
+      <a:ln w="19050">
+        <a:solidFill>
+          <a:schemeClr val="lt1"/>
+        </a:solidFill>
+      </a:ln>
+    </cs:spPr>
+  </cs:dataPoint>
+  <cs:dataPoint3D>
+    <cs:lnRef idx="0"/>
+    <cs:fillRef idx="1">
+      <cs:styleClr val="auto"/>
+    </cs:fillRef>
+    <cs:effectRef idx="0"/>
+    <cs:fontRef idx="minor">
+      <a:schemeClr val="tx1"/>
+    </cs:fontRef>
+    <cs:spPr>
+      <a:ln w="25400">
+        <a:solidFill>
+          <a:schemeClr val="lt1"/>
+        </a:solidFill>
+      </a:ln>
+    </cs:spPr>
+  </cs:dataPoint3D>
+  <cs:dataPointLine>
+    <cs:lnRef idx="0">
+      <cs:styleClr val="auto"/>
+    </cs:lnRef>
+    <cs:fillRef idx="0"/>
+    <cs:effectRef idx="0"/>
+    <cs:fontRef idx="minor">
+      <a:schemeClr val="tx1"/>
+    </cs:fontRef>
+    <cs:spPr>
+      <a:ln w="28575" cap="rnd">
+        <a:solidFill>
+          <a:schemeClr val="phClr"/>
+        </a:solidFill>
+        <a:round/>
+      </a:ln>
+    </cs:spPr>
+  </cs:dataPointLine>
+  <cs:dataPointMarker>
+    <cs:lnRef idx="0">
+      <cs:styleClr val="auto"/>
+    </cs:lnRef>
+    <cs:fillRef idx="1">
+      <cs:styleClr val="auto"/>
+    </cs:fillRef>
+    <cs:effectRef idx="0"/>
+    <cs:fontRef idx="minor">
+      <a:schemeClr val="tx1"/>
+    </cs:fontRef>
+    <cs:spPr>
+      <a:ln w="9525">
+        <a:solidFill>
+          <a:schemeClr val="phClr"/>
+        </a:solidFill>
+      </a:ln>
+    </cs:spPr>
+  </cs:dataPointMarker>
+  <cs:dataPointMarkerLayout symbol="circle" size="5"/>
+  <cs:dataPointWireframe>
+    <cs:lnRef idx="0">
+      <cs:styleClr val="auto"/>
+    </cs:lnRef>
+    <cs:fillRef idx="0"/>
+    <cs:effectRef idx="0"/>
+    <cs:fontRef idx="minor">
+      <a:schemeClr val="tx1"/>
+    </cs:fontRef>
+    <cs:spPr>
+      <a:ln w="9525" cap="rnd">
+        <a:solidFill>
+          <a:schemeClr val="phClr"/>
+        </a:solidFill>
+        <a:round/>
+      </a:ln>
+    </cs:spPr>
+  </cs:dataPointWireframe>
+  <cs:dataTable>
+    <cs:lnRef idx="0"/>
+    <cs:fillRef idx="0"/>
+    <cs:effectRef idx="0"/>
+    <cs:fontRef idx="minor">
+      <a:schemeClr val="tx1">
+        <a:lumMod val="65000"/>
+        <a:lumOff val="35000"/>
+      </a:schemeClr>
+    </cs:fontRef>
+    <cs:spPr>
+      <a:noFill/>
+      <a:ln w="9525" cap="flat" cmpd="sng" algn="ctr">
+        <a:solidFill>
+          <a:schemeClr val="tx1">
+            <a:lumMod val="15000"/>
+            <a:lumOff val="85000"/>
+          </a:schemeClr>
+        </a:solidFill>
+        <a:round/>
+      </a:ln>
+    </cs:spPr>
+    <cs:defRPr sz="1197" kern="1200"/>
+  </cs:dataTable>
+  <cs:downBar>
+    <cs:lnRef idx="0"/>
+    <cs:fillRef idx="0"/>
+    <cs:effectRef idx="0"/>
+    <cs:fontRef idx="minor">
+      <a:schemeClr val="tx1"/>
+    </cs:fontRef>
+    <cs:spPr>
+      <a:solidFill>
+        <a:schemeClr val="dk1">
+          <a:lumMod val="75000"/>
+          <a:lumOff val="25000"/>
+        </a:schemeClr>
+      </a:solidFill>
+      <a:ln w="9525" cap="flat" cmpd="sng" algn="ctr">
+        <a:solidFill>
+          <a:schemeClr val="tx1">
+            <a:lumMod val="65000"/>
+            <a:lumOff val="35000"/>
+          </a:schemeClr>
+        </a:solidFill>
+        <a:round/>
+      </a:ln>
+    </cs:spPr>
+  </cs:downBar>
+  <cs:dropLine>
+    <cs:lnRef idx="0"/>
+    <cs:fillRef idx="0"/>
+    <cs:effectRef idx="0"/>
+    <cs:fontRef idx="minor">
+      <a:schemeClr val="tx1"/>
+    </cs:fontRef>
+    <cs:spPr>
+      <a:ln w="9525" cap="flat" cmpd="sng" algn="ctr">
+        <a:solidFill>
+          <a:schemeClr val="tx1">
+            <a:lumMod val="35000"/>
+            <a:lumOff val="65000"/>
+          </a:schemeClr>
+        </a:solidFill>
+        <a:round/>
+      </a:ln>
+    </cs:spPr>
+  </cs:dropLine>
+  <cs:errorBar>
+    <cs:lnRef idx="0"/>
+    <cs:fillRef idx="0"/>
+    <cs:effectRef idx="0"/>
+    <cs:fontRef idx="minor">
+      <a:schemeClr val="tx1"/>
+    </cs:fontRef>
+    <cs:spPr>
+      <a:ln w="9525" cap="flat" cmpd="sng" algn="ctr">
+        <a:solidFill>
+          <a:schemeClr val="tx1">
+            <a:lumMod val="65000"/>
+            <a:lumOff val="35000"/>
+          </a:schemeClr>
+        </a:solidFill>
+        <a:round/>
+      </a:ln>
+    </cs:spPr>
+  </cs:errorBar>
+  <cs:floor>
+    <cs:lnRef idx="0"/>
+    <cs:fillRef idx="0"/>
+    <cs:effectRef idx="0"/>
+    <cs:fontRef idx="minor">
+      <a:schemeClr val="tx1"/>
+    </cs:fontRef>
+    <cs:spPr>
+      <a:noFill/>
+      <a:ln>
+        <a:noFill/>
+      </a:ln>
+    </cs:spPr>
+  </cs:floor>
+  <cs:gridlineMajor>
+    <cs:lnRef idx="0"/>
+    <cs:fillRef idx="0"/>
+    <cs:effectRef idx="0"/>
+    <cs:fontRef idx="minor">
+      <a:schemeClr val="tx1"/>
+    </cs:fontRef>
+    <cs:spPr>
+      <a:ln w="9525" cap="flat" cmpd="sng" algn="ctr">
+        <a:solidFill>
+          <a:schemeClr val="tx1">
+            <a:lumMod val="15000"/>
+            <a:lumOff val="85000"/>
+          </a:schemeClr>
+        </a:solidFill>
+        <a:round/>
+      </a:ln>
+    </cs:spPr>
+  </cs:gridlineMajor>
+  <cs:gridlineMinor>
+    <cs:lnRef idx="0"/>
+    <cs:fillRef idx="0"/>
+    <cs:effectRef idx="0"/>
+    <cs:fontRef idx="minor">
+      <a:schemeClr val="tx1"/>
+    </cs:fontRef>
+    <cs:spPr>
+      <a:ln w="9525" cap="flat" cmpd="sng" algn="ctr">
+        <a:solidFill>
+          <a:schemeClr val="tx1">
+            <a:lumMod val="5000"/>
+            <a:lumOff val="95000"/>
+          </a:schemeClr>
+        </a:solidFill>
+        <a:round/>
+      </a:ln>
+    </cs:spPr>
+  </cs:gridlineMinor>
+  <cs:hiLoLine>
+    <cs:lnRef idx="0"/>
+    <cs:fillRef idx="0"/>
+    <cs:effectRef idx="0"/>
+    <cs:fontRef idx="minor">
+      <a:schemeClr val="tx1"/>
+    </cs:fontRef>
+    <cs:spPr>
+      <a:ln w="9525" cap="flat" cmpd="sng" algn="ctr">
+        <a:solidFill>
+          <a:schemeClr val="tx1">
+            <a:lumMod val="50000"/>
+            <a:lumOff val="50000"/>
+          </a:schemeClr>
+        </a:solidFill>
+        <a:round/>
+      </a:ln>
+    </cs:spPr>
+  </cs:hiLoLine>
+  <cs:leaderLine>
+    <cs:lnRef idx="0"/>
+    <cs:fillRef idx="0"/>
+    <cs:effectRef idx="0"/>
+    <cs:fontRef idx="minor">
+      <a:schemeClr val="tx1"/>
+    </cs:fontRef>
+    <cs:spPr>
+      <a:ln w="9525" cap="flat" cmpd="sng" algn="ctr">
+        <a:solidFill>
+          <a:schemeClr val="tx1">
+            <a:lumMod val="35000"/>
+            <a:lumOff val="65000"/>
+          </a:schemeClr>
+        </a:solidFill>
+        <a:round/>
+      </a:ln>
+    </cs:spPr>
+  </cs:leaderLine>
+  <cs:legend>
+    <cs:lnRef idx="0"/>
+    <cs:fillRef idx="0"/>
+    <cs:effectRef idx="0"/>
+    <cs:fontRef idx="minor">
+      <a:schemeClr val="tx1">
+        <a:lumMod val="65000"/>
+        <a:lumOff val="35000"/>
+      </a:schemeClr>
+    </cs:fontRef>
+    <cs:defRPr sz="1197" kern="1200"/>
+  </cs:legend>
+  <cs:plotArea mods="allowNoFillOverride allowNoLineOverride">
+    <cs:lnRef idx="0"/>
+    <cs:fillRef idx="0"/>
+    <cs:effectRef idx="0"/>
+    <cs:fontRef idx="minor">
+      <a:schemeClr val="tx1"/>
+    </cs:fontRef>
+  </cs:plotArea>
+  <cs:plotArea3D mods="allowNoFillOverride allowNoLineOverride">
+    <cs:lnRef idx="0"/>
+    <cs:fillRef idx="0"/>
+    <cs:effectRef idx="0"/>
+    <cs:fontRef idx="minor">
+      <a:schemeClr val="tx1"/>
+    </cs:fontRef>
+  </cs:plotArea3D>
+  <cs:seriesAxis>
+    <cs:lnRef idx="0"/>
+    <cs:fillRef idx="0"/>
+    <cs:effectRef idx="0"/>
+    <cs:fontRef idx="minor">
+      <a:schemeClr val="tx1">
+        <a:lumMod val="65000"/>
+        <a:lumOff val="35000"/>
+      </a:schemeClr>
+    </cs:fontRef>
+    <cs:defRPr sz="1197" kern="1200"/>
+  </cs:seriesAxis>
+  <cs:seriesLine>
+    <cs:lnRef idx="0"/>
+    <cs:fillRef idx="0"/>
+    <cs:effectRef idx="0"/>
+    <cs:fontRef idx="minor">
+      <a:schemeClr val="tx1"/>
+    </cs:fontRef>
+    <cs:spPr>
+      <a:ln w="9525" cap="flat" cmpd="sng" algn="ctr">
+        <a:solidFill>
+          <a:schemeClr val="tx1">
+            <a:lumMod val="35000"/>
+            <a:lumOff val="65000"/>
+          </a:schemeClr>
+        </a:solidFill>
+        <a:round/>
+      </a:ln>
+    </cs:spPr>
+  </cs:seriesLine>
+  <cs:title>
+    <cs:lnRef idx="0"/>
+    <cs:fillRef idx="0"/>
+    <cs:effectRef idx="0"/>
+    <cs:fontRef idx="minor">
+      <a:schemeClr val="tx1">
+        <a:lumMod val="65000"/>
+        <a:lumOff val="35000"/>
+      </a:schemeClr>
+    </cs:fontRef>
+    <cs:defRPr sz="1862" b="0" kern="1200" spc="0" baseline="0"/>
+  </cs:title>
+  <cs:trendline>
+    <cs:lnRef idx="0">
+      <cs:styleClr val="auto"/>
+    </cs:lnRef>
+    <cs:fillRef idx="0"/>
+    <cs:effectRef idx="0"/>
+    <cs:fontRef idx="minor">
+      <a:schemeClr val="tx1"/>
+    </cs:fontRef>
+    <cs:spPr>
+      <a:ln w="19050" cap="rnd">
+        <a:solidFill>
+          <a:schemeClr val="phClr"/>
+        </a:solidFill>
+        <a:prstDash val="sysDot"/>
+      </a:ln>
+    </cs:spPr>
+  </cs:trendline>
+  <cs:trendlineLabel>
+    <cs:lnRef idx="0"/>
+    <cs:fillRef idx="0"/>
+    <cs:effectRef idx="0"/>
+    <cs:fontRef idx="minor">
+      <a:schemeClr val="tx1">
+        <a:lumMod val="65000"/>
+        <a:lumOff val="35000"/>
+      </a:schemeClr>
+    </cs:fontRef>
+    <cs:defRPr sz="1197" kern="1200"/>
+  </cs:trendlineLabel>
+  <cs:upBar>
+    <cs:lnRef idx="0"/>
+    <cs:fillRef idx="0"/>
+    <cs:effectRef idx="0"/>
+    <cs:fontRef idx="minor">
+      <a:schemeClr val="tx1"/>
+    </cs:fontRef>
+    <cs:spPr>
+      <a:solidFill>
+        <a:schemeClr val="lt1"/>
+      </a:solidFill>
+      <a:ln w="9525" cap="flat" cmpd="sng" algn="ctr">
+        <a:solidFill>
+          <a:schemeClr val="tx1">
+            <a:lumMod val="65000"/>
+            <a:lumOff val="35000"/>
+          </a:schemeClr>
+        </a:solidFill>
+        <a:round/>
+      </a:ln>
+    </cs:spPr>
+  </cs:upBar>
+  <cs:valueAxis>
+    <cs:lnRef idx="0"/>
+    <cs:fillRef idx="0"/>
+    <cs:effectRef idx="0"/>
+    <cs:fontRef idx="minor">
+      <a:schemeClr val="tx1">
+        <a:lumMod val="65000"/>
+        <a:lumOff val="35000"/>
+      </a:schemeClr>
+    </cs:fontRef>
+    <cs:defRPr sz="1197" kern="1200"/>
+  </cs:valueAxis>
+  <cs:wall>
+    <cs:lnRef idx="0"/>
+    <cs:fillRef idx="0"/>
+    <cs:effectRef idx="0"/>
+    <cs:fontRef idx="minor">
+      <a:schemeClr val="tx1"/>
+    </cs:fontRef>
+    <cs:spPr>
+      <a:noFill/>
+      <a:ln>
+        <a:noFill/>
+      </a:ln>
+    </cs:spPr>
+  </cs:wall>
+</cs:chartStyle>
+</file>
+
+<file path=ppt/charts/style3.xml><?xml version="1.0" encoding="utf-8"?>
+<cs:chartStyle xmlns:cs="http://schemas.microsoft.com/office/drawing/2012/chartStyle" xmlns:a="http://schemas.openxmlformats.org/drawingml/2006/main" id="251">
+  <cs:axisTitle>
+    <cs:lnRef idx="0"/>
+    <cs:fillRef idx="0"/>
+    <cs:effectRef idx="0"/>
+    <cs:fontRef idx="minor">
+      <a:schemeClr val="tx1">
+        <a:lumMod val="65000"/>
+        <a:lumOff val="35000"/>
+      </a:schemeClr>
+    </cs:fontRef>
+    <cs:defRPr sz="1330" kern="1200"/>
+  </cs:axisTitle>
+  <cs:categoryAxis>
+    <cs:lnRef idx="0"/>
+    <cs:fillRef idx="0"/>
+    <cs:effectRef idx="0"/>
+    <cs:fontRef idx="minor">
+      <a:schemeClr val="tx1">
+        <a:lumMod val="65000"/>
+        <a:lumOff val="35000"/>
+      </a:schemeClr>
+    </cs:fontRef>
+    <cs:spPr>
+      <a:ln w="9525" cap="flat" cmpd="sng" algn="ctr">
+        <a:solidFill>
+          <a:schemeClr val="tx1">
+            <a:lumMod val="15000"/>
+            <a:lumOff val="85000"/>
+          </a:schemeClr>
+        </a:solidFill>
+        <a:round/>
+      </a:ln>
+    </cs:spPr>
+    <cs:defRPr sz="1197" kern="1200"/>
+  </cs:categoryAxis>
+  <cs:chartArea mods="allowNoFillOverride allowNoLineOverride">
+    <cs:lnRef idx="0"/>
+    <cs:fillRef idx="0"/>
+    <cs:effectRef idx="0"/>
+    <cs:fontRef idx="minor">
+      <a:schemeClr val="tx1"/>
+    </cs:fontRef>
+    <cs:spPr>
+      <a:solidFill>
+        <a:schemeClr val="bg1"/>
+      </a:solidFill>
+      <a:ln w="9525" cap="flat" cmpd="sng" algn="ctr">
+        <a:solidFill>
+          <a:schemeClr val="tx1">
+            <a:lumMod val="15000"/>
+            <a:lumOff val="85000"/>
+          </a:schemeClr>
+        </a:solidFill>
+        <a:round/>
+      </a:ln>
+    </cs:spPr>
+    <cs:defRPr sz="1197" kern="1200"/>
+  </cs:chartArea>
+  <cs:dataLabel>
+    <cs:lnRef idx="0"/>
+    <cs:fillRef idx="0"/>
+    <cs:effectRef idx="0"/>
+    <cs:fontRef idx="minor">
+      <a:schemeClr val="tx1">
+        <a:lumMod val="75000"/>
+        <a:lumOff val="25000"/>
+      </a:schemeClr>
+    </cs:fontRef>
+    <cs:defRPr sz="1197" kern="1200"/>
+  </cs:dataLabel>
+  <cs:dataLabelCallout>
+    <cs:lnRef idx="0"/>
+    <cs:fillRef idx="0"/>
+    <cs:effectRef idx="0"/>
+    <cs:fontRef idx="minor">
+      <a:schemeClr val="dk1">
+        <a:lumMod val="65000"/>
+        <a:lumOff val="35000"/>
+      </a:schemeClr>
+    </cs:fontRef>
+    <cs:spPr>
+      <a:solidFill>
+        <a:schemeClr val="lt1"/>
+      </a:solidFill>
+      <a:ln>
+        <a:solidFill>
+          <a:schemeClr val="dk1">
+            <a:lumMod val="25000"/>
+            <a:lumOff val="75000"/>
+          </a:schemeClr>
+        </a:solidFill>
+      </a:ln>
+    </cs:spPr>
+    <cs:defRPr sz="1197" kern="1200"/>
+    <cs:bodyPr rot="0" spcFirstLastPara="1" vertOverflow="clip" horzOverflow="clip" vert="horz" wrap="square" lIns="36576" tIns="18288" rIns="36576" bIns="18288" anchor="ctr" anchorCtr="1">
+      <a:spAutoFit/>
+    </cs:bodyPr>
+  </cs:dataLabelCallout>
+  <cs:dataPoint>
+    <cs:lnRef idx="0"/>
+    <cs:fillRef idx="1">
+      <cs:styleClr val="auto"/>
+    </cs:fillRef>
+    <cs:effectRef idx="0"/>
+    <cs:fontRef idx="minor">
+      <a:schemeClr val="tx1"/>
+    </cs:fontRef>
+    <cs:spPr>
+      <a:ln w="19050">
+        <a:solidFill>
+          <a:schemeClr val="lt1"/>
+        </a:solidFill>
+      </a:ln>
+    </cs:spPr>
+  </cs:dataPoint>
+  <cs:dataPoint3D>
+    <cs:lnRef idx="0"/>
+    <cs:fillRef idx="1">
+      <cs:styleClr val="auto"/>
+    </cs:fillRef>
+    <cs:effectRef idx="0"/>
+    <cs:fontRef idx="minor">
+      <a:schemeClr val="tx1"/>
+    </cs:fontRef>
+    <cs:spPr>
+      <a:ln w="25400">
+        <a:solidFill>
+          <a:schemeClr val="lt1"/>
+        </a:solidFill>
+      </a:ln>
+    </cs:spPr>
+  </cs:dataPoint3D>
+  <cs:dataPointLine>
+    <cs:lnRef idx="0">
+      <cs:styleClr val="auto"/>
+    </cs:lnRef>
+    <cs:fillRef idx="0"/>
+    <cs:effectRef idx="0"/>
+    <cs:fontRef idx="minor">
+      <a:schemeClr val="tx1"/>
+    </cs:fontRef>
+    <cs:spPr>
+      <a:ln w="28575" cap="rnd">
+        <a:solidFill>
+          <a:schemeClr val="phClr"/>
+        </a:solidFill>
+        <a:round/>
+      </a:ln>
+    </cs:spPr>
+  </cs:dataPointLine>
+  <cs:dataPointMarker>
+    <cs:lnRef idx="0">
+      <cs:styleClr val="auto"/>
+    </cs:lnRef>
+    <cs:fillRef idx="1">
+      <cs:styleClr val="auto"/>
+    </cs:fillRef>
+    <cs:effectRef idx="0"/>
+    <cs:fontRef idx="minor">
+      <a:schemeClr val="tx1"/>
+    </cs:fontRef>
+    <cs:spPr>
+      <a:ln w="9525">
+        <a:solidFill>
+          <a:schemeClr val="phClr"/>
+        </a:solidFill>
+      </a:ln>
+    </cs:spPr>
+  </cs:dataPointMarker>
+  <cs:dataPointMarkerLayout symbol="circle" size="5"/>
+  <cs:dataPointWireframe>
+    <cs:lnRef idx="0">
+      <cs:styleClr val="auto"/>
+    </cs:lnRef>
+    <cs:fillRef idx="0"/>
+    <cs:effectRef idx="0"/>
+    <cs:fontRef idx="minor">
+      <a:schemeClr val="tx1"/>
+    </cs:fontRef>
+    <cs:spPr>
+      <a:ln w="9525" cap="rnd">
+        <a:solidFill>
+          <a:schemeClr val="phClr"/>
+        </a:solidFill>
+        <a:round/>
+      </a:ln>
+    </cs:spPr>
+  </cs:dataPointWireframe>
+  <cs:dataTable>
+    <cs:lnRef idx="0"/>
+    <cs:fillRef idx="0"/>
+    <cs:effectRef idx="0"/>
+    <cs:fontRef idx="minor">
+      <a:schemeClr val="tx1">
+        <a:lumMod val="65000"/>
+        <a:lumOff val="35000"/>
+      </a:schemeClr>
+    </cs:fontRef>
+    <cs:spPr>
+      <a:noFill/>
+      <a:ln w="9525" cap="flat" cmpd="sng" algn="ctr">
+        <a:solidFill>
+          <a:schemeClr val="tx1">
+            <a:lumMod val="15000"/>
+            <a:lumOff val="85000"/>
+          </a:schemeClr>
+        </a:solidFill>
+        <a:round/>
+      </a:ln>
+    </cs:spPr>
+    <cs:defRPr sz="1197" kern="1200"/>
+  </cs:dataTable>
+  <cs:downBar>
+    <cs:lnRef idx="0"/>
+    <cs:fillRef idx="0"/>
+    <cs:effectRef idx="0"/>
+    <cs:fontRef idx="minor">
+      <a:schemeClr val="tx1"/>
+    </cs:fontRef>
+    <cs:spPr>
+      <a:solidFill>
+        <a:schemeClr val="dk1">
+          <a:lumMod val="75000"/>
+          <a:lumOff val="25000"/>
+        </a:schemeClr>
+      </a:solidFill>
+      <a:ln w="9525" cap="flat" cmpd="sng" algn="ctr">
+        <a:solidFill>
+          <a:schemeClr val="tx1">
+            <a:lumMod val="65000"/>
+            <a:lumOff val="35000"/>
+          </a:schemeClr>
+        </a:solidFill>
+        <a:round/>
+      </a:ln>
+    </cs:spPr>
+  </cs:downBar>
+  <cs:dropLine>
+    <cs:lnRef idx="0"/>
+    <cs:fillRef idx="0"/>
+    <cs:effectRef idx="0"/>
+    <cs:fontRef idx="minor">
+      <a:schemeClr val="tx1"/>
+    </cs:fontRef>
+    <cs:spPr>
+      <a:ln w="9525" cap="flat" cmpd="sng" algn="ctr">
+        <a:solidFill>
+          <a:schemeClr val="tx1">
+            <a:lumMod val="35000"/>
+            <a:lumOff val="65000"/>
+          </a:schemeClr>
+        </a:solidFill>
+        <a:round/>
+      </a:ln>
+    </cs:spPr>
+  </cs:dropLine>
+  <cs:errorBar>
+    <cs:lnRef idx="0"/>
+    <cs:fillRef idx="0"/>
+    <cs:effectRef idx="0"/>
+    <cs:fontRef idx="minor">
+      <a:schemeClr val="tx1"/>
+    </cs:fontRef>
+    <cs:spPr>
+      <a:ln w="9525" cap="flat" cmpd="sng" algn="ctr">
+        <a:solidFill>
+          <a:schemeClr val="tx1">
+            <a:lumMod val="65000"/>
+            <a:lumOff val="35000"/>
+          </a:schemeClr>
+        </a:solidFill>
+        <a:round/>
+      </a:ln>
+    </cs:spPr>
+  </cs:errorBar>
+  <cs:floor>
+    <cs:lnRef idx="0"/>
+    <cs:fillRef idx="0"/>
+    <cs:effectRef idx="0"/>
+    <cs:fontRef idx="minor">
+      <a:schemeClr val="tx1"/>
+    </cs:fontRef>
+    <cs:spPr>
+      <a:noFill/>
+      <a:ln>
+        <a:noFill/>
+      </a:ln>
+    </cs:spPr>
+  </cs:floor>
+  <cs:gridlineMajor>
+    <cs:lnRef idx="0"/>
+    <cs:fillRef idx="0"/>
+    <cs:effectRef idx="0"/>
+    <cs:fontRef idx="minor">
+      <a:schemeClr val="tx1"/>
+    </cs:fontRef>
+    <cs:spPr>
+      <a:ln w="9525" cap="flat" cmpd="sng" algn="ctr">
+        <a:solidFill>
+          <a:schemeClr val="tx1">
+            <a:lumMod val="15000"/>
+            <a:lumOff val="85000"/>
+          </a:schemeClr>
+        </a:solidFill>
+        <a:round/>
+      </a:ln>
+    </cs:spPr>
+  </cs:gridlineMajor>
+  <cs:gridlineMinor>
+    <cs:lnRef idx="0"/>
+    <cs:fillRef idx="0"/>
+    <cs:effectRef idx="0"/>
+    <cs:fontRef idx="minor">
+      <a:schemeClr val="tx1"/>
+    </cs:fontRef>
+    <cs:spPr>
+      <a:ln w="9525" cap="flat" cmpd="sng" algn="ctr">
+        <a:solidFill>
+          <a:schemeClr val="tx1">
+            <a:lumMod val="5000"/>
+            <a:lumOff val="95000"/>
+          </a:schemeClr>
+        </a:solidFill>
+        <a:round/>
+      </a:ln>
+    </cs:spPr>
+  </cs:gridlineMinor>
+  <cs:hiLoLine>
+    <cs:lnRef idx="0"/>
+    <cs:fillRef idx="0"/>
+    <cs:effectRef idx="0"/>
+    <cs:fontRef idx="minor">
+      <a:schemeClr val="tx1"/>
+    </cs:fontRef>
+    <cs:spPr>
+      <a:ln w="9525" cap="flat" cmpd="sng" algn="ctr">
+        <a:solidFill>
+          <a:schemeClr val="tx1">
+            <a:lumMod val="50000"/>
+            <a:lumOff val="50000"/>
+          </a:schemeClr>
+        </a:solidFill>
+        <a:round/>
+      </a:ln>
+    </cs:spPr>
+  </cs:hiLoLine>
+  <cs:leaderLine>
+    <cs:lnRef idx="0"/>
+    <cs:fillRef idx="0"/>
+    <cs:effectRef idx="0"/>
+    <cs:fontRef idx="minor">
+      <a:schemeClr val="tx1"/>
+    </cs:fontRef>
+    <cs:spPr>
+      <a:ln w="9525" cap="flat" cmpd="sng" algn="ctr">
+        <a:solidFill>
+          <a:schemeClr val="tx1">
+            <a:lumMod val="35000"/>
+            <a:lumOff val="65000"/>
+          </a:schemeClr>
+        </a:solidFill>
+        <a:round/>
+      </a:ln>
+    </cs:spPr>
+  </cs:leaderLine>
+  <cs:legend>
+    <cs:lnRef idx="0"/>
+    <cs:fillRef idx="0"/>
+    <cs:effectRef idx="0"/>
+    <cs:fontRef idx="minor">
+      <a:schemeClr val="tx1">
+        <a:lumMod val="65000"/>
+        <a:lumOff val="35000"/>
+      </a:schemeClr>
+    </cs:fontRef>
+    <cs:defRPr sz="1197" kern="1200"/>
+  </cs:legend>
+  <cs:plotArea mods="allowNoFillOverride allowNoLineOverride">
+    <cs:lnRef idx="0"/>
+    <cs:fillRef idx="0"/>
+    <cs:effectRef idx="0"/>
+    <cs:fontRef idx="minor">
+      <a:schemeClr val="tx1"/>
+    </cs:fontRef>
+  </cs:plotArea>
+  <cs:plotArea3D mods="allowNoFillOverride allowNoLineOverride">
+    <cs:lnRef idx="0"/>
+    <cs:fillRef idx="0"/>
+    <cs:effectRef idx="0"/>
+    <cs:fontRef idx="minor">
+      <a:schemeClr val="tx1"/>
+    </cs:fontRef>
+  </cs:plotArea3D>
+  <cs:seriesAxis>
+    <cs:lnRef idx="0"/>
+    <cs:fillRef idx="0"/>
+    <cs:effectRef idx="0"/>
+    <cs:fontRef idx="minor">
+      <a:schemeClr val="tx1">
+        <a:lumMod val="65000"/>
+        <a:lumOff val="35000"/>
+      </a:schemeClr>
+    </cs:fontRef>
+    <cs:defRPr sz="1197" kern="1200"/>
+  </cs:seriesAxis>
+  <cs:seriesLine>
+    <cs:lnRef idx="0"/>
+    <cs:fillRef idx="0"/>
+    <cs:effectRef idx="0"/>
+    <cs:fontRef idx="minor">
+      <a:schemeClr val="tx1"/>
+    </cs:fontRef>
+    <cs:spPr>
+      <a:ln w="9525" cap="flat" cmpd="sng" algn="ctr">
+        <a:solidFill>
+          <a:schemeClr val="tx1">
+            <a:lumMod val="35000"/>
+            <a:lumOff val="65000"/>
+          </a:schemeClr>
+        </a:solidFill>
+        <a:round/>
+      </a:ln>
+    </cs:spPr>
+  </cs:seriesLine>
+  <cs:title>
+    <cs:lnRef idx="0"/>
+    <cs:fillRef idx="0"/>
+    <cs:effectRef idx="0"/>
+    <cs:fontRef idx="minor">
+      <a:schemeClr val="tx1">
+        <a:lumMod val="65000"/>
+        <a:lumOff val="35000"/>
+      </a:schemeClr>
+    </cs:fontRef>
+    <cs:defRPr sz="1862" b="0" kern="1200" spc="0" baseline="0"/>
+  </cs:title>
+  <cs:trendline>
+    <cs:lnRef idx="0">
+      <cs:styleClr val="auto"/>
+    </cs:lnRef>
+    <cs:fillRef idx="0"/>
+    <cs:effectRef idx="0"/>
+    <cs:fontRef idx="minor">
+      <a:schemeClr val="tx1"/>
+    </cs:fontRef>
+    <cs:spPr>
+      <a:ln w="19050" cap="rnd">
+        <a:solidFill>
+          <a:schemeClr val="phClr"/>
+        </a:solidFill>
+        <a:prstDash val="sysDot"/>
+      </a:ln>
+    </cs:spPr>
+  </cs:trendline>
+  <cs:trendlineLabel>
+    <cs:lnRef idx="0"/>
+    <cs:fillRef idx="0"/>
+    <cs:effectRef idx="0"/>
+    <cs:fontRef idx="minor">
+      <a:schemeClr val="tx1">
+        <a:lumMod val="65000"/>
+        <a:lumOff val="35000"/>
+      </a:schemeClr>
+    </cs:fontRef>
+    <cs:defRPr sz="1197" kern="1200"/>
+  </cs:trendlineLabel>
+  <cs:upBar>
+    <cs:lnRef idx="0"/>
+    <cs:fillRef idx="0"/>
+    <cs:effectRef idx="0"/>
+    <cs:fontRef idx="minor">
+      <a:schemeClr val="tx1"/>
+    </cs:fontRef>
+    <cs:spPr>
+      <a:solidFill>
+        <a:schemeClr val="lt1"/>
+      </a:solidFill>
+      <a:ln w="9525" cap="flat" cmpd="sng" algn="ctr">
+        <a:solidFill>
+          <a:schemeClr val="tx1">
+            <a:lumMod val="65000"/>
+            <a:lumOff val="35000"/>
+          </a:schemeClr>
+        </a:solidFill>
+        <a:round/>
+      </a:ln>
+    </cs:spPr>
+  </cs:upBar>
+  <cs:valueAxis>
+    <cs:lnRef idx="0"/>
+    <cs:fillRef idx="0"/>
+    <cs:effectRef idx="0"/>
+    <cs:fontRef idx="minor">
+      <a:schemeClr val="tx1">
+        <a:lumMod val="65000"/>
+        <a:lumOff val="35000"/>
+      </a:schemeClr>
+    </cs:fontRef>
+    <cs:defRPr sz="1197" kern="1200"/>
+  </cs:valueAxis>
+  <cs:wall>
+    <cs:lnRef idx="0"/>
+    <cs:fillRef idx="0"/>
+    <cs:effectRef idx="0"/>
+    <cs:fontRef idx="minor">
+      <a:schemeClr val="tx1"/>
+    </cs:fontRef>
+    <cs:spPr>
+      <a:noFill/>
+      <a:ln>
+        <a:noFill/>
+      </a:ln>
+    </cs:spPr>
+  </cs:wall>
+</cs:chartStyle>
+</file>
+
+<file path=ppt/charts/style4.xml><?xml version="1.0" encoding="utf-8"?>
+<cs:chartStyle xmlns:cs="http://schemas.microsoft.com/office/drawing/2012/chartStyle" xmlns:a="http://schemas.openxmlformats.org/drawingml/2006/main" id="251">
+  <cs:axisTitle>
+    <cs:lnRef idx="0"/>
+    <cs:fillRef idx="0"/>
+    <cs:effectRef idx="0"/>
+    <cs:fontRef idx="minor">
+      <a:schemeClr val="tx1">
+        <a:lumMod val="65000"/>
+        <a:lumOff val="35000"/>
+      </a:schemeClr>
+    </cs:fontRef>
+    <cs:defRPr sz="1330" kern="1200"/>
+  </cs:axisTitle>
+  <cs:categoryAxis>
+    <cs:lnRef idx="0"/>
+    <cs:fillRef idx="0"/>
+    <cs:effectRef idx="0"/>
+    <cs:fontRef idx="minor">
+      <a:schemeClr val="tx1">
+        <a:lumMod val="65000"/>
+        <a:lumOff val="35000"/>
+      </a:schemeClr>
+    </cs:fontRef>
+    <cs:spPr>
+      <a:ln w="9525" cap="flat" cmpd="sng" algn="ctr">
+        <a:solidFill>
+          <a:schemeClr val="tx1">
+            <a:lumMod val="15000"/>
+            <a:lumOff val="85000"/>
+          </a:schemeClr>
+        </a:solidFill>
+        <a:round/>
+      </a:ln>
+    </cs:spPr>
+    <cs:defRPr sz="1197" kern="1200"/>
+  </cs:categoryAxis>
+  <cs:chartArea mods="allowNoFillOverride allowNoLineOverride">
+    <cs:lnRef idx="0"/>
+    <cs:fillRef idx="0"/>
+    <cs:effectRef idx="0"/>
+    <cs:fontRef idx="minor">
+      <a:schemeClr val="tx1"/>
+    </cs:fontRef>
+    <cs:spPr>
+      <a:solidFill>
+        <a:schemeClr val="bg1"/>
+      </a:solidFill>
+      <a:ln w="9525" cap="flat" cmpd="sng" algn="ctr">
+        <a:solidFill>
+          <a:schemeClr val="tx1">
+            <a:lumMod val="15000"/>
+            <a:lumOff val="85000"/>
+          </a:schemeClr>
+        </a:solidFill>
+        <a:round/>
+      </a:ln>
+    </cs:spPr>
+    <cs:defRPr sz="1197" kern="1200"/>
+  </cs:chartArea>
+  <cs:dataLabel>
+    <cs:lnRef idx="0"/>
+    <cs:fillRef idx="0"/>
+    <cs:effectRef idx="0"/>
+    <cs:fontRef idx="minor">
+      <a:schemeClr val="tx1">
+        <a:lumMod val="75000"/>
+        <a:lumOff val="25000"/>
+      </a:schemeClr>
+    </cs:fontRef>
+    <cs:defRPr sz="1197" kern="1200"/>
+  </cs:dataLabel>
+  <cs:dataLabelCallout>
+    <cs:lnRef idx="0"/>
+    <cs:fillRef idx="0"/>
+    <cs:effectRef idx="0"/>
+    <cs:fontRef idx="minor">
+      <a:schemeClr val="dk1">
+        <a:lumMod val="65000"/>
+        <a:lumOff val="35000"/>
+      </a:schemeClr>
+    </cs:fontRef>
+    <cs:spPr>
+      <a:solidFill>
+        <a:schemeClr val="lt1"/>
+      </a:solidFill>
+      <a:ln>
+        <a:solidFill>
+          <a:schemeClr val="dk1">
+            <a:lumMod val="25000"/>
+            <a:lumOff val="75000"/>
+          </a:schemeClr>
+        </a:solidFill>
+      </a:ln>
+    </cs:spPr>
+    <cs:defRPr sz="1197" kern="1200"/>
+    <cs:bodyPr rot="0" spcFirstLastPara="1" vertOverflow="clip" horzOverflow="clip" vert="horz" wrap="square" lIns="36576" tIns="18288" rIns="36576" bIns="18288" anchor="ctr" anchorCtr="1">
+      <a:spAutoFit/>
+    </cs:bodyPr>
+  </cs:dataLabelCallout>
+  <cs:dataPoint>
+    <cs:lnRef idx="0"/>
+    <cs:fillRef idx="1">
+      <cs:styleClr val="auto"/>
+    </cs:fillRef>
+    <cs:effectRef idx="0"/>
+    <cs:fontRef idx="minor">
+      <a:schemeClr val="tx1"/>
+    </cs:fontRef>
+    <cs:spPr>
+      <a:ln w="19050">
+        <a:solidFill>
+          <a:schemeClr val="lt1"/>
+        </a:solidFill>
+      </a:ln>
+    </cs:spPr>
+  </cs:dataPoint>
+  <cs:dataPoint3D>
+    <cs:lnRef idx="0"/>
+    <cs:fillRef idx="1">
+      <cs:styleClr val="auto"/>
+    </cs:fillRef>
+    <cs:effectRef idx="0"/>
+    <cs:fontRef idx="minor">
+      <a:schemeClr val="tx1"/>
+    </cs:fontRef>
+    <cs:spPr>
+      <a:ln w="25400">
+        <a:solidFill>
+          <a:schemeClr val="lt1"/>
+        </a:solidFill>
+      </a:ln>
+    </cs:spPr>
+  </cs:dataPoint3D>
+  <cs:dataPointLine>
+    <cs:lnRef idx="0">
+      <cs:styleClr val="auto"/>
+    </cs:lnRef>
+    <cs:fillRef idx="0"/>
+    <cs:effectRef idx="0"/>
+    <cs:fontRef idx="minor">
+      <a:schemeClr val="tx1"/>
+    </cs:fontRef>
+    <cs:spPr>
+      <a:ln w="28575" cap="rnd">
+        <a:solidFill>
+          <a:schemeClr val="phClr"/>
+        </a:solidFill>
+        <a:round/>
+      </a:ln>
+    </cs:spPr>
+  </cs:dataPointLine>
+  <cs:dataPointMarker>
+    <cs:lnRef idx="0">
+      <cs:styleClr val="auto"/>
+    </cs:lnRef>
+    <cs:fillRef idx="1">
+      <cs:styleClr val="auto"/>
+    </cs:fillRef>
+    <cs:effectRef idx="0"/>
+    <cs:fontRef idx="minor">
+      <a:schemeClr val="tx1"/>
+    </cs:fontRef>
+    <cs:spPr>
+      <a:ln w="9525">
+        <a:solidFill>
+          <a:schemeClr val="phClr"/>
+        </a:solidFill>
+      </a:ln>
+    </cs:spPr>
+  </cs:dataPointMarker>
+  <cs:dataPointMarkerLayout symbol="circle" size="5"/>
+  <cs:dataPointWireframe>
+    <cs:lnRef idx="0">
+      <cs:styleClr val="auto"/>
+    </cs:lnRef>
+    <cs:fillRef idx="0"/>
+    <cs:effectRef idx="0"/>
+    <cs:fontRef idx="minor">
+      <a:schemeClr val="tx1"/>
+    </cs:fontRef>
+    <cs:spPr>
+      <a:ln w="9525" cap="rnd">
+        <a:solidFill>
+          <a:schemeClr val="phClr"/>
+        </a:solidFill>
+        <a:round/>
+      </a:ln>
+    </cs:spPr>
+  </cs:dataPointWireframe>
+  <cs:dataTable>
+    <cs:lnRef idx="0"/>
+    <cs:fillRef idx="0"/>
+    <cs:effectRef idx="0"/>
+    <cs:fontRef idx="minor">
+      <a:schemeClr val="tx1">
+        <a:lumMod val="65000"/>
+        <a:lumOff val="35000"/>
+      </a:schemeClr>
+    </cs:fontRef>
+    <cs:spPr>
+      <a:noFill/>
+      <a:ln w="9525" cap="flat" cmpd="sng" algn="ctr">
+        <a:solidFill>
+          <a:schemeClr val="tx1">
+            <a:lumMod val="15000"/>
+            <a:lumOff val="85000"/>
+          </a:schemeClr>
+        </a:solidFill>
+        <a:round/>
+      </a:ln>
+    </cs:spPr>
+    <cs:defRPr sz="1197" kern="1200"/>
+  </cs:dataTable>
+  <cs:downBar>
+    <cs:lnRef idx="0"/>
+    <cs:fillRef idx="0"/>
+    <cs:effectRef idx="0"/>
+    <cs:fontRef idx="minor">
+      <a:schemeClr val="tx1"/>
+    </cs:fontRef>
+    <cs:spPr>
+      <a:solidFill>
+        <a:schemeClr val="dk1">
+          <a:lumMod val="75000"/>
+          <a:lumOff val="25000"/>
+        </a:schemeClr>
+      </a:solidFill>
+      <a:ln w="9525" cap="flat" cmpd="sng" algn="ctr">
+        <a:solidFill>
+          <a:schemeClr val="tx1">
+            <a:lumMod val="65000"/>
+            <a:lumOff val="35000"/>
+          </a:schemeClr>
+        </a:solidFill>
+        <a:round/>
+      </a:ln>
+    </cs:spPr>
+  </cs:downBar>
+  <cs:dropLine>
+    <cs:lnRef idx="0"/>
+    <cs:fillRef idx="0"/>
+    <cs:effectRef idx="0"/>
+    <cs:fontRef idx="minor">
+      <a:schemeClr val="tx1"/>
+    </cs:fontRef>
+    <cs:spPr>
+      <a:ln w="9525" cap="flat" cmpd="sng" algn="ctr">
+        <a:solidFill>
+          <a:schemeClr val="tx1">
+            <a:lumMod val="35000"/>
+            <a:lumOff val="65000"/>
+          </a:schemeClr>
+        </a:solidFill>
+        <a:round/>
+      </a:ln>
+    </cs:spPr>
+  </cs:dropLine>
+  <cs:errorBar>
+    <cs:lnRef idx="0"/>
+    <cs:fillRef idx="0"/>
+    <cs:effectRef idx="0"/>
+    <cs:fontRef idx="minor">
+      <a:schemeClr val="tx1"/>
+    </cs:fontRef>
+    <cs:spPr>
+      <a:ln w="9525" cap="flat" cmpd="sng" algn="ctr">
+        <a:solidFill>
+          <a:schemeClr val="tx1">
+            <a:lumMod val="65000"/>
+            <a:lumOff val="35000"/>
+          </a:schemeClr>
+        </a:solidFill>
+        <a:round/>
+      </a:ln>
+    </cs:spPr>
+  </cs:errorBar>
+  <cs:floor>
+    <cs:lnRef idx="0"/>
+    <cs:fillRef idx="0"/>
+    <cs:effectRef idx="0"/>
+    <cs:fontRef idx="minor">
+      <a:schemeClr val="tx1"/>
+    </cs:fontRef>
+    <cs:spPr>
+      <a:noFill/>
+      <a:ln>
+        <a:noFill/>
+      </a:ln>
+    </cs:spPr>
+  </cs:floor>
+  <cs:gridlineMajor>
+    <cs:lnRef idx="0"/>
+    <cs:fillRef idx="0"/>
+    <cs:effectRef idx="0"/>
+    <cs:fontRef idx="minor">
+      <a:schemeClr val="tx1"/>
+    </cs:fontRef>
+    <cs:spPr>
+      <a:ln w="9525" cap="flat" cmpd="sng" algn="ctr">
+        <a:solidFill>
+          <a:schemeClr val="tx1">
+            <a:lumMod val="15000"/>
+            <a:lumOff val="85000"/>
+          </a:schemeClr>
+        </a:solidFill>
+        <a:round/>
+      </a:ln>
+    </cs:spPr>
+  </cs:gridlineMajor>
+  <cs:gridlineMinor>
+    <cs:lnRef idx="0"/>
+    <cs:fillRef idx="0"/>
+    <cs:effectRef idx="0"/>
+    <cs:fontRef idx="minor">
+      <a:schemeClr val="tx1"/>
+    </cs:fontRef>
+    <cs:spPr>
+      <a:ln w="9525" cap="flat" cmpd="sng" algn="ctr">
+        <a:solidFill>
+          <a:schemeClr val="tx1">
+            <a:lumMod val="5000"/>
+            <a:lumOff val="95000"/>
+          </a:schemeClr>
+        </a:solidFill>
+        <a:round/>
+      </a:ln>
+    </cs:spPr>
+  </cs:gridlineMinor>
+  <cs:hiLoLine>
+    <cs:lnRef idx="0"/>
+    <cs:fillRef idx="0"/>
+    <cs:effectRef idx="0"/>
+    <cs:fontRef idx="minor">
+      <a:schemeClr val="tx1"/>
+    </cs:fontRef>
+    <cs:spPr>
+      <a:ln w="9525" cap="flat" cmpd="sng" algn="ctr">
+        <a:solidFill>
+          <a:schemeClr val="tx1">
+            <a:lumMod val="50000"/>
+            <a:lumOff val="50000"/>
+          </a:schemeClr>
+        </a:solidFill>
+        <a:round/>
+      </a:ln>
+    </cs:spPr>
+  </cs:hiLoLine>
+  <cs:leaderLine>
+    <cs:lnRef idx="0"/>
+    <cs:fillRef idx="0"/>
+    <cs:effectRef idx="0"/>
+    <cs:fontRef idx="minor">
+      <a:schemeClr val="tx1"/>
+    </cs:fontRef>
+    <cs:spPr>
+      <a:ln w="9525" cap="flat" cmpd="sng" algn="ctr">
+        <a:solidFill>
+          <a:schemeClr val="tx1">
+            <a:lumMod val="35000"/>
+            <a:lumOff val="65000"/>
+          </a:schemeClr>
+        </a:solidFill>
+        <a:round/>
+      </a:ln>
+    </cs:spPr>
+  </cs:leaderLine>
+  <cs:legend>
+    <cs:lnRef idx="0"/>
+    <cs:fillRef idx="0"/>
+    <cs:effectRef idx="0"/>
+    <cs:fontRef idx="minor">
+      <a:schemeClr val="tx1">
+        <a:lumMod val="65000"/>
+        <a:lumOff val="35000"/>
+      </a:schemeClr>
+    </cs:fontRef>
+    <cs:defRPr sz="1197" kern="1200"/>
+  </cs:legend>
+  <cs:plotArea mods="allowNoFillOverride allowNoLineOverride">
+    <cs:lnRef idx="0"/>
+    <cs:fillRef idx="0"/>
+    <cs:effectRef idx="0"/>
+    <cs:fontRef idx="minor">
+      <a:schemeClr val="tx1"/>
+    </cs:fontRef>
+  </cs:plotArea>
+  <cs:plotArea3D mods="allowNoFillOverride allowNoLineOverride">
+    <cs:lnRef idx="0"/>
+    <cs:fillRef idx="0"/>
+    <cs:effectRef idx="0"/>
+    <cs:fontRef idx="minor">
+      <a:schemeClr val="tx1"/>
+    </cs:fontRef>
+  </cs:plotArea3D>
+  <cs:seriesAxis>
+    <cs:lnRef idx="0"/>
+    <cs:fillRef idx="0"/>
+    <cs:effectRef idx="0"/>
+    <cs:fontRef idx="minor">
+      <a:schemeClr val="tx1">
+        <a:lumMod val="65000"/>
+        <a:lumOff val="35000"/>
+      </a:schemeClr>
+    </cs:fontRef>
+    <cs:defRPr sz="1197" kern="1200"/>
+  </cs:seriesAxis>
+  <cs:seriesLine>
+    <cs:lnRef idx="0"/>
+    <cs:fillRef idx="0"/>
+    <cs:effectRef idx="0"/>
+    <cs:fontRef idx="minor">
+      <a:schemeClr val="tx1"/>
+    </cs:fontRef>
+    <cs:spPr>
+      <a:ln w="9525" cap="flat" cmpd="sng" algn="ctr">
+        <a:solidFill>
+          <a:schemeClr val="tx1">
+            <a:lumMod val="35000"/>
+            <a:lumOff val="65000"/>
+          </a:schemeClr>
+        </a:solidFill>
+        <a:round/>
+      </a:ln>
+    </cs:spPr>
+  </cs:seriesLine>
+  <cs:title>
+    <cs:lnRef idx="0"/>
+    <cs:fillRef idx="0"/>
+    <cs:effectRef idx="0"/>
+    <cs:fontRef idx="minor">
+      <a:schemeClr val="tx1">
+        <a:lumMod val="65000"/>
+        <a:lumOff val="35000"/>
+      </a:schemeClr>
+    </cs:fontRef>
+    <cs:defRPr sz="1862" b="0" kern="1200" spc="0" baseline="0"/>
+  </cs:title>
+  <cs:trendline>
+    <cs:lnRef idx="0">
+      <cs:styleClr val="auto"/>
+    </cs:lnRef>
+    <cs:fillRef idx="0"/>
+    <cs:effectRef idx="0"/>
+    <cs:fontRef idx="minor">
+      <a:schemeClr val="tx1"/>
+    </cs:fontRef>
+    <cs:spPr>
+      <a:ln w="19050" cap="rnd">
+        <a:solidFill>
+          <a:schemeClr val="phClr"/>
+        </a:solidFill>
+        <a:prstDash val="sysDot"/>
+      </a:ln>
+    </cs:spPr>
+  </cs:trendline>
+  <cs:trendlineLabel>
+    <cs:lnRef idx="0"/>
+    <cs:fillRef idx="0"/>
+    <cs:effectRef idx="0"/>
+    <cs:fontRef idx="minor">
+      <a:schemeClr val="tx1">
+        <a:lumMod val="65000"/>
+        <a:lumOff val="35000"/>
+      </a:schemeClr>
+    </cs:fontRef>
+    <cs:defRPr sz="1197" kern="1200"/>
+  </cs:trendlineLabel>
+  <cs:upBar>
+    <cs:lnRef idx="0"/>
+    <cs:fillRef idx="0"/>
+    <cs:effectRef idx="0"/>
+    <cs:fontRef idx="minor">
+      <a:schemeClr val="tx1"/>
+    </cs:fontRef>
+    <cs:spPr>
+      <a:solidFill>
+        <a:schemeClr val="lt1"/>
+      </a:solidFill>
+      <a:ln w="9525" cap="flat" cmpd="sng" algn="ctr">
+        <a:solidFill>
+          <a:schemeClr val="tx1">
+            <a:lumMod val="65000"/>
+            <a:lumOff val="35000"/>
+          </a:schemeClr>
+        </a:solidFill>
+        <a:round/>
+      </a:ln>
+    </cs:spPr>
+  </cs:upBar>
+  <cs:valueAxis>
+    <cs:lnRef idx="0"/>
+    <cs:fillRef idx="0"/>
+    <cs:effectRef idx="0"/>
+    <cs:fontRef idx="minor">
+      <a:schemeClr val="tx1">
+        <a:lumMod val="65000"/>
+        <a:lumOff val="35000"/>
+      </a:schemeClr>
+    </cs:fontRef>
+    <cs:defRPr sz="1197" kern="1200"/>
+  </cs:valueAxis>
+  <cs:wall>
+    <cs:lnRef idx="0"/>
+    <cs:fillRef idx="0"/>
+    <cs:effectRef idx="0"/>
+    <cs:fontRef idx="minor">
+      <a:schemeClr val="tx1"/>
+    </cs:fontRef>
+    <cs:spPr>
+      <a:noFill/>
+      <a:ln>
+        <a:noFill/>
+      </a:ln>
+    </cs:spPr>
+  </cs:wall>
+</cs:chartStyle>
+</file>
+
+<file path=ppt/charts/style5.xml><?xml version="1.0" encoding="utf-8"?>
+<cs:chartStyle xmlns:cs="http://schemas.microsoft.com/office/drawing/2012/chartStyle" xmlns:a="http://schemas.openxmlformats.org/drawingml/2006/main" id="251">
+  <cs:axisTitle>
+    <cs:lnRef idx="0"/>
+    <cs:fillRef idx="0"/>
+    <cs:effectRef idx="0"/>
+    <cs:fontRef idx="minor">
+      <a:schemeClr val="tx1">
+        <a:lumMod val="65000"/>
+        <a:lumOff val="35000"/>
+      </a:schemeClr>
+    </cs:fontRef>
+    <cs:defRPr sz="1330" kern="1200"/>
+  </cs:axisTitle>
+  <cs:categoryAxis>
+    <cs:lnRef idx="0"/>
+    <cs:fillRef idx="0"/>
+    <cs:effectRef idx="0"/>
+    <cs:fontRef idx="minor">
+      <a:schemeClr val="tx1">
+        <a:lumMod val="65000"/>
+        <a:lumOff val="35000"/>
+      </a:schemeClr>
+    </cs:fontRef>
+    <cs:spPr>
+      <a:ln w="9525" cap="flat" cmpd="sng" algn="ctr">
+        <a:solidFill>
+          <a:schemeClr val="tx1">
+            <a:lumMod val="15000"/>
+            <a:lumOff val="85000"/>
+          </a:schemeClr>
+        </a:solidFill>
+        <a:round/>
+      </a:ln>
+    </cs:spPr>
+    <cs:defRPr sz="1197" kern="1200"/>
+  </cs:categoryAxis>
+  <cs:chartArea mods="allowNoFillOverride allowNoLineOverride">
+    <cs:lnRef idx="0"/>
+    <cs:fillRef idx="0"/>
+    <cs:effectRef idx="0"/>
+    <cs:fontRef idx="minor">
+      <a:schemeClr val="tx1"/>
+    </cs:fontRef>
+    <cs:spPr>
+      <a:solidFill>
+        <a:schemeClr val="bg1"/>
+      </a:solidFill>
+      <a:ln w="9525" cap="flat" cmpd="sng" algn="ctr">
+        <a:solidFill>
+          <a:schemeClr val="tx1">
+            <a:lumMod val="15000"/>
+            <a:lumOff val="85000"/>
+          </a:schemeClr>
+        </a:solidFill>
+        <a:round/>
+      </a:ln>
+    </cs:spPr>
+    <cs:defRPr sz="1197" kern="1200"/>
+  </cs:chartArea>
+  <cs:dataLabel>
+    <cs:lnRef idx="0"/>
+    <cs:fillRef idx="0"/>
+    <cs:effectRef idx="0"/>
+    <cs:fontRef idx="minor">
+      <a:schemeClr val="tx1">
+        <a:lumMod val="75000"/>
+        <a:lumOff val="25000"/>
+      </a:schemeClr>
+    </cs:fontRef>
+    <cs:defRPr sz="1197" kern="1200"/>
+  </cs:dataLabel>
+  <cs:dataLabelCallout>
+    <cs:lnRef idx="0"/>
+    <cs:fillRef idx="0"/>
+    <cs:effectRef idx="0"/>
+    <cs:fontRef idx="minor">
+      <a:schemeClr val="dk1">
+        <a:lumMod val="65000"/>
+        <a:lumOff val="35000"/>
+      </a:schemeClr>
+    </cs:fontRef>
+    <cs:spPr>
+      <a:solidFill>
+        <a:schemeClr val="lt1"/>
+      </a:solidFill>
+      <a:ln>
+        <a:solidFill>
+          <a:schemeClr val="dk1">
+            <a:lumMod val="25000"/>
+            <a:lumOff val="75000"/>
+          </a:schemeClr>
+        </a:solidFill>
+      </a:ln>
+    </cs:spPr>
+    <cs:defRPr sz="1197" kern="1200"/>
+    <cs:bodyPr rot="0" spcFirstLastPara="1" vertOverflow="clip" horzOverflow="clip" vert="horz" wrap="square" lIns="36576" tIns="18288" rIns="36576" bIns="18288" anchor="ctr" anchorCtr="1">
+      <a:spAutoFit/>
+    </cs:bodyPr>
+  </cs:dataLabelCallout>
+  <cs:dataPoint>
+    <cs:lnRef idx="0"/>
+    <cs:fillRef idx="1">
+      <cs:styleClr val="auto"/>
+    </cs:fillRef>
+    <cs:effectRef idx="0"/>
+    <cs:fontRef idx="minor">
+      <a:schemeClr val="tx1"/>
+    </cs:fontRef>
+    <cs:spPr>
+      <a:ln w="19050">
+        <a:solidFill>
+          <a:schemeClr val="lt1"/>
+        </a:solidFill>
+      </a:ln>
+    </cs:spPr>
+  </cs:dataPoint>
+  <cs:dataPoint3D>
+    <cs:lnRef idx="0"/>
+    <cs:fillRef idx="1">
+      <cs:styleClr val="auto"/>
+    </cs:fillRef>
+    <cs:effectRef idx="0"/>
+    <cs:fontRef idx="minor">
+      <a:schemeClr val="tx1"/>
+    </cs:fontRef>
+    <cs:spPr>
+      <a:ln w="25400">
+        <a:solidFill>
+          <a:schemeClr val="lt1"/>
+        </a:solidFill>
+      </a:ln>
+    </cs:spPr>
+  </cs:dataPoint3D>
+  <cs:dataPointLine>
+    <cs:lnRef idx="0">
+      <cs:styleClr val="auto"/>
+    </cs:lnRef>
+    <cs:fillRef idx="0"/>
+    <cs:effectRef idx="0"/>
+    <cs:fontRef idx="minor">
+      <a:schemeClr val="tx1"/>
+    </cs:fontRef>
+    <cs:spPr>
+      <a:ln w="28575" cap="rnd">
+        <a:solidFill>
+          <a:schemeClr val="phClr"/>
+        </a:solidFill>
+        <a:round/>
+      </a:ln>
+    </cs:spPr>
+  </cs:dataPointLine>
+  <cs:dataPointMarker>
+    <cs:lnRef idx="0">
+      <cs:styleClr val="auto"/>
+    </cs:lnRef>
+    <cs:fillRef idx="1">
+      <cs:styleClr val="auto"/>
+    </cs:fillRef>
+    <cs:effectRef idx="0"/>
+    <cs:fontRef idx="minor">
+      <a:schemeClr val="tx1"/>
+    </cs:fontRef>
+    <cs:spPr>
+      <a:ln w="9525">
+        <a:solidFill>
+          <a:schemeClr val="phClr"/>
+        </a:solidFill>
+      </a:ln>
+    </cs:spPr>
+  </cs:dataPointMarker>
+  <cs:dataPointMarkerLayout symbol="circle" size="5"/>
+  <cs:dataPointWireframe>
+    <cs:lnRef idx="0">
+      <cs:styleClr val="auto"/>
+    </cs:lnRef>
+    <cs:fillRef idx="0"/>
+    <cs:effectRef idx="0"/>
+    <cs:fontRef idx="minor">
+      <a:schemeClr val="tx1"/>
+    </cs:fontRef>
+    <cs:spPr>
+      <a:ln w="9525" cap="rnd">
+        <a:solidFill>
+          <a:schemeClr val="phClr"/>
+        </a:solidFill>
+        <a:round/>
+      </a:ln>
+    </cs:spPr>
+  </cs:dataPointWireframe>
+  <cs:dataTable>
+    <cs:lnRef idx="0"/>
+    <cs:fillRef idx="0"/>
+    <cs:effectRef idx="0"/>
+    <cs:fontRef idx="minor">
+      <a:schemeClr val="tx1">
+        <a:lumMod val="65000"/>
+        <a:lumOff val="35000"/>
+      </a:schemeClr>
+    </cs:fontRef>
+    <cs:spPr>
+      <a:noFill/>
+      <a:ln w="9525" cap="flat" cmpd="sng" algn="ctr">
+        <a:solidFill>
+          <a:schemeClr val="tx1">
+            <a:lumMod val="15000"/>
+            <a:lumOff val="85000"/>
+          </a:schemeClr>
+        </a:solidFill>
+        <a:round/>
+      </a:ln>
+    </cs:spPr>
+    <cs:defRPr sz="1197" kern="1200"/>
+  </cs:dataTable>
+  <cs:downBar>
+    <cs:lnRef idx="0"/>
+    <cs:fillRef idx="0"/>
+    <cs:effectRef idx="0"/>
+    <cs:fontRef idx="minor">
+      <a:schemeClr val="tx1"/>
+    </cs:fontRef>
+    <cs:spPr>
+      <a:solidFill>
+        <a:schemeClr val="dk1">
+          <a:lumMod val="75000"/>
+          <a:lumOff val="25000"/>
+        </a:schemeClr>
+      </a:solidFill>
+      <a:ln w="9525" cap="flat" cmpd="sng" algn="ctr">
+        <a:solidFill>
+          <a:schemeClr val="tx1">
+            <a:lumMod val="65000"/>
+            <a:lumOff val="35000"/>
+          </a:schemeClr>
+        </a:solidFill>
+        <a:round/>
+      </a:ln>
+    </cs:spPr>
+  </cs:downBar>
+  <cs:dropLine>
+    <cs:lnRef idx="0"/>
+    <cs:fillRef idx="0"/>
+    <cs:effectRef idx="0"/>
+    <cs:fontRef idx="minor">
+      <a:schemeClr val="tx1"/>
+    </cs:fontRef>
+    <cs:spPr>
+      <a:ln w="9525" cap="flat" cmpd="sng" algn="ctr">
+        <a:solidFill>
+          <a:schemeClr val="tx1">
+            <a:lumMod val="35000"/>
+            <a:lumOff val="65000"/>
+          </a:schemeClr>
+        </a:solidFill>
+        <a:round/>
+      </a:ln>
+    </cs:spPr>
+  </cs:dropLine>
+  <cs:errorBar>
+    <cs:lnRef idx="0"/>
+    <cs:fillRef idx="0"/>
+    <cs:effectRef idx="0"/>
+    <cs:fontRef idx="minor">
+      <a:schemeClr val="tx1"/>
+    </cs:fontRef>
+    <cs:spPr>
+      <a:ln w="9525" cap="flat" cmpd="sng" algn="ctr">
+        <a:solidFill>
+          <a:schemeClr val="tx1">
+            <a:lumMod val="65000"/>
+            <a:lumOff val="35000"/>
+          </a:schemeClr>
+        </a:solidFill>
+        <a:round/>
+      </a:ln>
+    </cs:spPr>
+  </cs:errorBar>
+  <cs:floor>
+    <cs:lnRef idx="0"/>
+    <cs:fillRef idx="0"/>
+    <cs:effectRef idx="0"/>
+    <cs:fontRef idx="minor">
+      <a:schemeClr val="tx1"/>
+    </cs:fontRef>
+    <cs:spPr>
+      <a:noFill/>
+      <a:ln>
+        <a:noFill/>
+      </a:ln>
+    </cs:spPr>
+  </cs:floor>
+  <cs:gridlineMajor>
+    <cs:lnRef idx="0"/>
+    <cs:fillRef idx="0"/>
+    <cs:effectRef idx="0"/>
+    <cs:fontRef idx="minor">
+      <a:schemeClr val="tx1"/>
+    </cs:fontRef>
+    <cs:spPr>
+      <a:ln w="9525" cap="flat" cmpd="sng" algn="ctr">
+        <a:solidFill>
+          <a:schemeClr val="tx1">
+            <a:lumMod val="15000"/>
+            <a:lumOff val="85000"/>
+          </a:schemeClr>
+        </a:solidFill>
+        <a:round/>
+      </a:ln>
+    </cs:spPr>
+  </cs:gridlineMajor>
+  <cs:gridlineMinor>
+    <cs:lnRef idx="0"/>
+    <cs:fillRef idx="0"/>
+    <cs:effectRef idx="0"/>
+    <cs:fontRef idx="minor">
+      <a:schemeClr val="tx1"/>
+    </cs:fontRef>
+    <cs:spPr>
+      <a:ln w="9525" cap="flat" cmpd="sng" algn="ctr">
+        <a:solidFill>
+          <a:schemeClr val="tx1">
+            <a:lumMod val="5000"/>
+            <a:lumOff val="95000"/>
+          </a:schemeClr>
+        </a:solidFill>
+        <a:round/>
+      </a:ln>
+    </cs:spPr>
+  </cs:gridlineMinor>
+  <cs:hiLoLine>
+    <cs:lnRef idx="0"/>
+    <cs:fillRef idx="0"/>
+    <cs:effectRef idx="0"/>
+    <cs:fontRef idx="minor">
+      <a:schemeClr val="tx1"/>
+    </cs:fontRef>
+    <cs:spPr>
+      <a:ln w="9525" cap="flat" cmpd="sng" algn="ctr">
+        <a:solidFill>
+          <a:schemeClr val="tx1">
+            <a:lumMod val="50000"/>
+            <a:lumOff val="50000"/>
+          </a:schemeClr>
+        </a:solidFill>
+        <a:round/>
+      </a:ln>
+    </cs:spPr>
+  </cs:hiLoLine>
+  <cs:leaderLine>
+    <cs:lnRef idx="0"/>
+    <cs:fillRef idx="0"/>
+    <cs:effectRef idx="0"/>
+    <cs:fontRef idx="minor">
+      <a:schemeClr val="tx1"/>
+    </cs:fontRef>
+    <cs:spPr>
+      <a:ln w="9525" cap="flat" cmpd="sng" algn="ctr">
+        <a:solidFill>
+          <a:schemeClr val="tx1">
+            <a:lumMod val="35000"/>
+            <a:lumOff val="65000"/>
+          </a:schemeClr>
+        </a:solidFill>
+        <a:round/>
+      </a:ln>
+    </cs:spPr>
+  </cs:leaderLine>
+  <cs:legend>
+    <cs:lnRef idx="0"/>
+    <cs:fillRef idx="0"/>
+    <cs:effectRef idx="0"/>
+    <cs:fontRef idx="minor">
+      <a:schemeClr val="tx1">
+        <a:lumMod val="65000"/>
+        <a:lumOff val="35000"/>
+      </a:schemeClr>
+    </cs:fontRef>
+    <cs:defRPr sz="1197" kern="1200"/>
+  </cs:legend>
+  <cs:plotArea mods="allowNoFillOverride allowNoLineOverride">
+    <cs:lnRef idx="0"/>
+    <cs:fillRef idx="0"/>
+    <cs:effectRef idx="0"/>
+    <cs:fontRef idx="minor">
+      <a:schemeClr val="tx1"/>
+    </cs:fontRef>
+  </cs:plotArea>
+  <cs:plotArea3D mods="allowNoFillOverride allowNoLineOverride">
+    <cs:lnRef idx="0"/>
+    <cs:fillRef idx="0"/>
+    <cs:effectRef idx="0"/>
+    <cs:fontRef idx="minor">
+      <a:schemeClr val="tx1"/>
+    </cs:fontRef>
+  </cs:plotArea3D>
+  <cs:seriesAxis>
+    <cs:lnRef idx="0"/>
+    <cs:fillRef idx="0"/>
+    <cs:effectRef idx="0"/>
+    <cs:fontRef idx="minor">
+      <a:schemeClr val="tx1">
+        <a:lumMod val="65000"/>
+        <a:lumOff val="35000"/>
+      </a:schemeClr>
+    </cs:fontRef>
+    <cs:defRPr sz="1197" kern="1200"/>
+  </cs:seriesAxis>
+  <cs:seriesLine>
+    <cs:lnRef idx="0"/>
+    <cs:fillRef idx="0"/>
+    <cs:effectRef idx="0"/>
+    <cs:fontRef idx="minor">
+      <a:schemeClr val="tx1"/>
+    </cs:fontRef>
+    <cs:spPr>
+      <a:ln w="9525" cap="flat" cmpd="sng" algn="ctr">
+        <a:solidFill>
+          <a:schemeClr val="tx1">
+            <a:lumMod val="35000"/>
+            <a:lumOff val="65000"/>
+          </a:schemeClr>
+        </a:solidFill>
+        <a:round/>
+      </a:ln>
+    </cs:spPr>
+  </cs:seriesLine>
+  <cs:title>
+    <cs:lnRef idx="0"/>
+    <cs:fillRef idx="0"/>
+    <cs:effectRef idx="0"/>
+    <cs:fontRef idx="minor">
+      <a:schemeClr val="tx1">
+        <a:lumMod val="65000"/>
+        <a:lumOff val="35000"/>
+      </a:schemeClr>
+    </cs:fontRef>
+    <cs:defRPr sz="1862" b="0" kern="1200" spc="0" baseline="0"/>
+  </cs:title>
+  <cs:trendline>
+    <cs:lnRef idx="0">
+      <cs:styleClr val="auto"/>
+    </cs:lnRef>
+    <cs:fillRef idx="0"/>
+    <cs:effectRef idx="0"/>
+    <cs:fontRef idx="minor">
+      <a:schemeClr val="tx1"/>
+    </cs:fontRef>
+    <cs:spPr>
+      <a:ln w="19050" cap="rnd">
+        <a:solidFill>
+          <a:schemeClr val="phClr"/>
+        </a:solidFill>
+        <a:prstDash val="sysDot"/>
+      </a:ln>
+    </cs:spPr>
+  </cs:trendline>
+  <cs:trendlineLabel>
+    <cs:lnRef idx="0"/>
+    <cs:fillRef idx="0"/>
+    <cs:effectRef idx="0"/>
+    <cs:fontRef idx="minor">
+      <a:schemeClr val="tx1">
+        <a:lumMod val="65000"/>
+        <a:lumOff val="35000"/>
+      </a:schemeClr>
+    </cs:fontRef>
+    <cs:defRPr sz="1197" kern="1200"/>
+  </cs:trendlineLabel>
+  <cs:upBar>
+    <cs:lnRef idx="0"/>
+    <cs:fillRef idx="0"/>
+    <cs:effectRef idx="0"/>
+    <cs:fontRef idx="minor">
+      <a:schemeClr val="tx1"/>
+    </cs:fontRef>
+    <cs:spPr>
+      <a:solidFill>
+        <a:schemeClr val="lt1"/>
+      </a:solidFill>
+      <a:ln w="9525" cap="flat" cmpd="sng" algn="ctr">
+        <a:solidFill>
+          <a:schemeClr val="tx1">
+            <a:lumMod val="65000"/>
+            <a:lumOff val="35000"/>
+          </a:schemeClr>
+        </a:solidFill>
+        <a:round/>
+      </a:ln>
+    </cs:spPr>
+  </cs:upBar>
+  <cs:valueAxis>
+    <cs:lnRef idx="0"/>
+    <cs:fillRef idx="0"/>
+    <cs:effectRef idx="0"/>
+    <cs:fontRef idx="minor">
+      <a:schemeClr val="tx1">
+        <a:lumMod val="65000"/>
+        <a:lumOff val="35000"/>
+      </a:schemeClr>
+    </cs:fontRef>
+    <cs:defRPr sz="1197" kern="1200"/>
+  </cs:valueAxis>
+  <cs:wall>
+    <cs:lnRef idx="0"/>
+    <cs:fillRef idx="0"/>
+    <cs:effectRef idx="0"/>
+    <cs:fontRef idx="minor">
+      <a:schemeClr val="tx1"/>
+    </cs:fontRef>
+    <cs:spPr>
+      <a:noFill/>
+      <a:ln>
+        <a:noFill/>
+      </a:ln>
+    </cs:spPr>
+  </cs:wall>
+</cs:chartStyle>
+</file>
+
+<file path=ppt/comments/comment1.xml><?xml version="1.0" encoding="utf-8"?>
+<p:cmLst xmlns:a="http://schemas.openxmlformats.org/drawingml/2006/main" xmlns:r="http://schemas.openxmlformats.org/officeDocument/2006/relationships" xmlns:p="http://schemas.openxmlformats.org/presentationml/2006/main">
+  <p:cm authorId="4" dt="2016-08-06T17:01:27.381" idx="1">
+    <p:pos x="6288" y="263"/>
+    <p:text>Should be searchable by name and email</p:text>
+    <p:extLst>
+      <p:ext uri="{C676402C-5697-4E1C-873F-D02D1690AC5C}">
+        <p15:threadingInfo xmlns:p15="http://schemas.microsoft.com/office/powerpoint/2012/main" timeZoneBias="-330"/>
+      </p:ext>
+    </p:extLst>
+  </p:cm>
+</p:cmLst>
+</file>
+
 <file path=ppt/notesMasters/notesMaster1.xml><?xml version="1.0" encoding="utf-8"?>
 <p:notesMaster xmlns:a="http://schemas.openxmlformats.org/drawingml/2006/main" xmlns:r="http://schemas.openxmlformats.org/officeDocument/2006/relationships" xmlns:p="http://schemas.openxmlformats.org/presentationml/2006/main">
   <p:cSld>
@@ -210,7 +4229,7 @@
           <a:p>
             <a:fld id="{C93EE249-CEB0-C346-A489-B69D045AAA0D}" type="datetimeFigureOut">
               <a:rPr lang="en-US" smtClean="0"/>
-              <a:t>7/28/16</a:t>
+              <a:t>8/6/16</a:t>
             </a:fld>
             <a:endParaRPr lang="en-US"/>
           </a:p>
@@ -1113,7 +5132,7 @@
           <a:p>
             <a:fld id="{59F2A290-BA2C-6643-BE95-B835D90E6F5C}" type="datetimeFigureOut">
               <a:rPr lang="en-US" smtClean="0"/>
-              <a:t>7/28/16</a:t>
+              <a:t>8/6/16</a:t>
             </a:fld>
             <a:endParaRPr lang="en-US"/>
           </a:p>
@@ -1283,7 +5302,7 @@
           <a:p>
             <a:fld id="{59F2A290-BA2C-6643-BE95-B835D90E6F5C}" type="datetimeFigureOut">
               <a:rPr lang="en-US" smtClean="0"/>
-              <a:t>7/28/16</a:t>
+              <a:t>8/6/16</a:t>
             </a:fld>
             <a:endParaRPr lang="en-US"/>
           </a:p>
@@ -1463,7 +5482,7 @@
           <a:p>
             <a:fld id="{59F2A290-BA2C-6643-BE95-B835D90E6F5C}" type="datetimeFigureOut">
               <a:rPr lang="en-US" smtClean="0"/>
-              <a:t>7/28/16</a:t>
+              <a:t>8/6/16</a:t>
             </a:fld>
             <a:endParaRPr lang="en-US"/>
           </a:p>
@@ -1633,7 +5652,7 @@
           <a:p>
             <a:fld id="{59F2A290-BA2C-6643-BE95-B835D90E6F5C}" type="datetimeFigureOut">
               <a:rPr lang="en-US" smtClean="0"/>
-              <a:t>7/28/16</a:t>
+              <a:t>8/6/16</a:t>
             </a:fld>
             <a:endParaRPr lang="en-US"/>
           </a:p>
@@ -1879,7 +5898,7 @@
           <a:p>
             <a:fld id="{59F2A290-BA2C-6643-BE95-B835D90E6F5C}" type="datetimeFigureOut">
               <a:rPr lang="en-US" smtClean="0"/>
-              <a:t>7/28/16</a:t>
+              <a:t>8/6/16</a:t>
             </a:fld>
             <a:endParaRPr lang="en-US"/>
           </a:p>
@@ -2111,7 +6130,7 @@
           <a:p>
             <a:fld id="{59F2A290-BA2C-6643-BE95-B835D90E6F5C}" type="datetimeFigureOut">
               <a:rPr lang="en-US" smtClean="0"/>
-              <a:t>7/28/16</a:t>
+              <a:t>8/6/16</a:t>
             </a:fld>
             <a:endParaRPr lang="en-US"/>
           </a:p>
@@ -2478,7 +6497,7 @@
           <a:p>
             <a:fld id="{59F2A290-BA2C-6643-BE95-B835D90E6F5C}" type="datetimeFigureOut">
               <a:rPr lang="en-US" smtClean="0"/>
-              <a:t>7/28/16</a:t>
+              <a:t>8/6/16</a:t>
             </a:fld>
             <a:endParaRPr lang="en-US"/>
           </a:p>
@@ -2596,7 +6615,7 @@
           <a:p>
             <a:fld id="{59F2A290-BA2C-6643-BE95-B835D90E6F5C}" type="datetimeFigureOut">
               <a:rPr lang="en-US" smtClean="0"/>
-              <a:t>7/28/16</a:t>
+              <a:t>8/6/16</a:t>
             </a:fld>
             <a:endParaRPr lang="en-US"/>
           </a:p>
@@ -2691,7 +6710,7 @@
           <a:p>
             <a:fld id="{59F2A290-BA2C-6643-BE95-B835D90E6F5C}" type="datetimeFigureOut">
               <a:rPr lang="en-US" smtClean="0"/>
-              <a:t>7/28/16</a:t>
+              <a:t>8/6/16</a:t>
             </a:fld>
             <a:endParaRPr lang="en-US"/>
           </a:p>
@@ -2968,7 +6987,7 @@
           <a:p>
             <a:fld id="{59F2A290-BA2C-6643-BE95-B835D90E6F5C}" type="datetimeFigureOut">
               <a:rPr lang="en-US" smtClean="0"/>
-              <a:t>7/28/16</a:t>
+              <a:t>8/6/16</a:t>
             </a:fld>
             <a:endParaRPr lang="en-US"/>
           </a:p>
@@ -3221,7 +7240,7 @@
           <a:p>
             <a:fld id="{59F2A290-BA2C-6643-BE95-B835D90E6F5C}" type="datetimeFigureOut">
               <a:rPr lang="en-US" smtClean="0"/>
-              <a:t>7/28/16</a:t>
+              <a:t>8/6/16</a:t>
             </a:fld>
             <a:endParaRPr lang="en-US"/>
           </a:p>
@@ -3434,7 +7453,7 @@
           <a:p>
             <a:fld id="{59F2A290-BA2C-6643-BE95-B835D90E6F5C}" type="datetimeFigureOut">
               <a:rPr lang="en-US" smtClean="0"/>
-              <a:t>7/28/16</a:t>
+              <a:t>8/6/16</a:t>
             </a:fld>
             <a:endParaRPr lang="en-US"/>
           </a:p>
@@ -10409,7 +14428,7 @@
           <p:nvPr>
             <p:extLst>
               <p:ext uri="{D42A27DB-BD31-4B8C-83A1-F6EECF244321}">
-                <p14:modId xmlns:p14="http://schemas.microsoft.com/office/powerpoint/2010/main" val="383622525"/>
+                <p14:modId xmlns:p14="http://schemas.microsoft.com/office/powerpoint/2010/main" val="1231505934"/>
               </p:ext>
             </p:extLst>
           </p:nvPr>
@@ -10426,8 +14445,8 @@
               </a:tblPr>
               <a:tblGrid>
                 <a:gridCol w="804856"/>
-                <a:gridCol w="3851811"/>
-                <a:gridCol w="1507066"/>
+                <a:gridCol w="3843723"/>
+                <a:gridCol w="1515154"/>
                 <a:gridCol w="863600"/>
                 <a:gridCol w="880534"/>
                 <a:gridCol w="982133"/>
@@ -13850,6 +17869,36 @@
           </a:p>
         </p:txBody>
       </p:sp>
+      <p:sp>
+        <p:nvSpPr>
+          <p:cNvPr id="19" name="TextBox 18"/>
+          <p:cNvSpPr txBox="1"/>
+          <p:nvPr/>
+        </p:nvSpPr>
+        <p:spPr>
+          <a:xfrm>
+            <a:off x="4571909" y="-5775"/>
+            <a:ext cx="2097947" cy="369332"/>
+          </a:xfrm>
+          <a:prstGeom prst="rect">
+            <a:avLst/>
+          </a:prstGeom>
+          <a:noFill/>
+        </p:spPr>
+        <p:txBody>
+          <a:bodyPr wrap="none" rtlCol="0">
+            <a:spAutoFit/>
+          </a:bodyPr>
+          <a:lstStyle/>
+          <a:p>
+            <a:r>
+              <a:rPr lang="en-US" dirty="0" smtClean="0"/>
+              <a:t>Manage Test paper </a:t>
+            </a:r>
+            <a:endParaRPr lang="en-US" dirty="0"/>
+          </a:p>
+        </p:txBody>
+      </p:sp>
     </p:spTree>
     <p:extLst>
       <p:ext uri="{BB962C8B-B14F-4D97-AF65-F5344CB8AC3E}">
@@ -13887,6 +17936,3417 @@
           <a:chExt cx="0" cy="0"/>
         </a:xfrm>
       </p:grpSpPr>
+      <p:graphicFrame>
+        <p:nvGraphicFramePr>
+          <p:cNvPr id="3" name="Table 2"/>
+          <p:cNvGraphicFramePr>
+            <a:graphicFrameLocks noGrp="1"/>
+          </p:cNvGraphicFramePr>
+          <p:nvPr>
+            <p:extLst>
+              <p:ext uri="{D42A27DB-BD31-4B8C-83A1-F6EECF244321}">
+                <p14:modId xmlns:p14="http://schemas.microsoft.com/office/powerpoint/2010/main" val="1279530425"/>
+              </p:ext>
+            </p:extLst>
+          </p:nvPr>
+        </p:nvGraphicFramePr>
+        <p:xfrm>
+          <a:off x="1192664" y="1476037"/>
+          <a:ext cx="8890000" cy="4450080"/>
+        </p:xfrm>
+        <a:graphic>
+          <a:graphicData uri="http://schemas.openxmlformats.org/drawingml/2006/table">
+            <a:tbl>
+              <a:tblPr firstRow="1" bandRow="1">
+                <a:tableStyleId>{69012ECD-51FC-41F1-AA8D-1B2483CD663E}</a:tableStyleId>
+              </a:tblPr>
+              <a:tblGrid>
+                <a:gridCol w="753729"/>
+                <a:gridCol w="4044973"/>
+                <a:gridCol w="982639"/>
+                <a:gridCol w="1364776"/>
+                <a:gridCol w="900753"/>
+                <a:gridCol w="843130"/>
+              </a:tblGrid>
+              <a:tr h="0">
+                <a:tc>
+                  <a:txBody>
+                    <a:bodyPr/>
+                    <a:lstStyle/>
+                    <a:p>
+                      <a:pPr algn="ctr"/>
+                      <a:r>
+                        <a:rPr lang="en-US" sz="1400" baseline="0" dirty="0" smtClean="0"/>
+                        <a:t>Q No</a:t>
+                      </a:r>
+                      <a:endParaRPr lang="en-US" sz="1400" dirty="0"/>
+                    </a:p>
+                  </a:txBody>
+                  <a:tcPr anchor="ctr">
+                    <a:lnL w="12700" cap="flat" cmpd="sng" algn="ctr">
+                      <a:solidFill>
+                        <a:schemeClr val="tx1"/>
+                      </a:solidFill>
+                      <a:prstDash val="solid"/>
+                      <a:round/>
+                      <a:headEnd type="none" w="med" len="med"/>
+                      <a:tailEnd type="none" w="med" len="med"/>
+                    </a:lnL>
+                    <a:lnR w="12700" cap="flat" cmpd="sng" algn="ctr">
+                      <a:solidFill>
+                        <a:schemeClr val="tx1"/>
+                      </a:solidFill>
+                      <a:prstDash val="solid"/>
+                      <a:round/>
+                      <a:headEnd type="none" w="med" len="med"/>
+                      <a:tailEnd type="none" w="med" len="med"/>
+                    </a:lnR>
+                    <a:lnT w="12700" cap="flat" cmpd="sng" algn="ctr">
+                      <a:solidFill>
+                        <a:schemeClr val="tx1"/>
+                      </a:solidFill>
+                      <a:prstDash val="solid"/>
+                      <a:round/>
+                      <a:headEnd type="none" w="med" len="med"/>
+                      <a:tailEnd type="none" w="med" len="med"/>
+                    </a:lnT>
+                    <a:lnB w="12700" cap="flat" cmpd="sng" algn="ctr">
+                      <a:solidFill>
+                        <a:schemeClr val="tx1"/>
+                      </a:solidFill>
+                      <a:prstDash val="solid"/>
+                      <a:round/>
+                      <a:headEnd type="none" w="med" len="med"/>
+                      <a:tailEnd type="none" w="med" len="med"/>
+                    </a:lnB>
+                  </a:tcPr>
+                </a:tc>
+                <a:tc>
+                  <a:txBody>
+                    <a:bodyPr/>
+                    <a:lstStyle/>
+                    <a:p>
+                      <a:pPr algn="ctr"/>
+                      <a:r>
+                        <a:rPr lang="en-US" sz="1400" baseline="0" dirty="0" smtClean="0"/>
+                        <a:t>Name</a:t>
+                      </a:r>
+                      <a:endParaRPr lang="en-US" sz="1400" dirty="0"/>
+                    </a:p>
+                  </a:txBody>
+                  <a:tcPr anchor="ctr">
+                    <a:lnL w="12700" cap="flat" cmpd="sng" algn="ctr">
+                      <a:solidFill>
+                        <a:schemeClr val="tx1"/>
+                      </a:solidFill>
+                      <a:prstDash val="solid"/>
+                      <a:round/>
+                      <a:headEnd type="none" w="med" len="med"/>
+                      <a:tailEnd type="none" w="med" len="med"/>
+                    </a:lnL>
+                    <a:lnR w="12700" cap="flat" cmpd="sng" algn="ctr">
+                      <a:solidFill>
+                        <a:schemeClr val="tx1"/>
+                      </a:solidFill>
+                      <a:prstDash val="solid"/>
+                      <a:round/>
+                      <a:headEnd type="none" w="med" len="med"/>
+                      <a:tailEnd type="none" w="med" len="med"/>
+                    </a:lnR>
+                    <a:lnT w="12700" cap="flat" cmpd="sng" algn="ctr">
+                      <a:solidFill>
+                        <a:schemeClr val="tx1"/>
+                      </a:solidFill>
+                      <a:prstDash val="solid"/>
+                      <a:round/>
+                      <a:headEnd type="none" w="med" len="med"/>
+                      <a:tailEnd type="none" w="med" len="med"/>
+                    </a:lnT>
+                    <a:lnB w="12700" cap="flat" cmpd="sng" algn="ctr">
+                      <a:solidFill>
+                        <a:schemeClr val="tx1"/>
+                      </a:solidFill>
+                      <a:prstDash val="solid"/>
+                      <a:round/>
+                      <a:headEnd type="none" w="med" len="med"/>
+                      <a:tailEnd type="none" w="med" len="med"/>
+                    </a:lnB>
+                  </a:tcPr>
+                </a:tc>
+                <a:tc>
+                  <a:txBody>
+                    <a:bodyPr/>
+                    <a:lstStyle/>
+                    <a:p>
+                      <a:pPr algn="ctr"/>
+                      <a:r>
+                        <a:rPr lang="en-US" sz="1400" dirty="0" smtClean="0"/>
+                        <a:t>Role</a:t>
+                      </a:r>
+                      <a:endParaRPr lang="en-US" sz="1400" dirty="0"/>
+                    </a:p>
+                  </a:txBody>
+                  <a:tcPr anchor="ctr">
+                    <a:lnL w="12700" cap="flat" cmpd="sng" algn="ctr">
+                      <a:solidFill>
+                        <a:schemeClr val="tx1"/>
+                      </a:solidFill>
+                      <a:prstDash val="solid"/>
+                      <a:round/>
+                      <a:headEnd type="none" w="med" len="med"/>
+                      <a:tailEnd type="none" w="med" len="med"/>
+                    </a:lnL>
+                    <a:lnR w="12700" cap="flat" cmpd="sng" algn="ctr">
+                      <a:solidFill>
+                        <a:schemeClr val="tx1"/>
+                      </a:solidFill>
+                      <a:prstDash val="solid"/>
+                      <a:round/>
+                      <a:headEnd type="none" w="med" len="med"/>
+                      <a:tailEnd type="none" w="med" len="med"/>
+                    </a:lnR>
+                    <a:lnT w="12700" cap="flat" cmpd="sng" algn="ctr">
+                      <a:solidFill>
+                        <a:schemeClr val="tx1"/>
+                      </a:solidFill>
+                      <a:prstDash val="solid"/>
+                      <a:round/>
+                      <a:headEnd type="none" w="med" len="med"/>
+                      <a:tailEnd type="none" w="med" len="med"/>
+                    </a:lnT>
+                    <a:lnB w="12700" cap="flat" cmpd="sng" algn="ctr">
+                      <a:solidFill>
+                        <a:schemeClr val="tx1"/>
+                      </a:solidFill>
+                      <a:prstDash val="solid"/>
+                      <a:round/>
+                      <a:headEnd type="none" w="med" len="med"/>
+                      <a:tailEnd type="none" w="med" len="med"/>
+                    </a:lnB>
+                  </a:tcPr>
+                </a:tc>
+                <a:tc>
+                  <a:txBody>
+                    <a:bodyPr/>
+                    <a:lstStyle/>
+                    <a:p>
+                      <a:pPr algn="ctr"/>
+                      <a:r>
+                        <a:rPr lang="en-US" sz="1400" dirty="0" smtClean="0"/>
+                        <a:t>Update on</a:t>
+                      </a:r>
+                      <a:endParaRPr lang="en-US" sz="1400" dirty="0" smtClean="0"/>
+                    </a:p>
+                  </a:txBody>
+                  <a:tcPr anchor="ctr">
+                    <a:lnL w="12700" cap="flat" cmpd="sng" algn="ctr">
+                      <a:solidFill>
+                        <a:schemeClr val="tx1"/>
+                      </a:solidFill>
+                      <a:prstDash val="solid"/>
+                      <a:round/>
+                      <a:headEnd type="none" w="med" len="med"/>
+                      <a:tailEnd type="none" w="med" len="med"/>
+                    </a:lnL>
+                    <a:lnR w="12700" cap="flat" cmpd="sng" algn="ctr">
+                      <a:solidFill>
+                        <a:schemeClr val="tx1"/>
+                      </a:solidFill>
+                      <a:prstDash val="solid"/>
+                      <a:round/>
+                      <a:headEnd type="none" w="med" len="med"/>
+                      <a:tailEnd type="none" w="med" len="med"/>
+                    </a:lnR>
+                    <a:lnT w="12700" cap="flat" cmpd="sng" algn="ctr">
+                      <a:solidFill>
+                        <a:schemeClr val="tx1"/>
+                      </a:solidFill>
+                      <a:prstDash val="solid"/>
+                      <a:round/>
+                      <a:headEnd type="none" w="med" len="med"/>
+                      <a:tailEnd type="none" w="med" len="med"/>
+                    </a:lnT>
+                    <a:lnB w="12700" cap="flat" cmpd="sng" algn="ctr">
+                      <a:solidFill>
+                        <a:schemeClr val="tx1"/>
+                      </a:solidFill>
+                      <a:prstDash val="solid"/>
+                      <a:round/>
+                      <a:headEnd type="none" w="med" len="med"/>
+                      <a:tailEnd type="none" w="med" len="med"/>
+                    </a:lnB>
+                  </a:tcPr>
+                </a:tc>
+                <a:tc>
+                  <a:txBody>
+                    <a:bodyPr/>
+                    <a:lstStyle/>
+                    <a:p>
+                      <a:pPr algn="ctr"/>
+                      <a:endParaRPr lang="en-US" sz="1400" dirty="0"/>
+                    </a:p>
+                  </a:txBody>
+                  <a:tcPr anchor="ctr">
+                    <a:lnL w="12700" cap="flat" cmpd="sng" algn="ctr">
+                      <a:solidFill>
+                        <a:schemeClr val="tx1"/>
+                      </a:solidFill>
+                      <a:prstDash val="solid"/>
+                      <a:round/>
+                      <a:headEnd type="none" w="med" len="med"/>
+                      <a:tailEnd type="none" w="med" len="med"/>
+                    </a:lnL>
+                    <a:lnR w="12700" cap="flat" cmpd="sng" algn="ctr">
+                      <a:solidFill>
+                        <a:schemeClr val="tx1"/>
+                      </a:solidFill>
+                      <a:prstDash val="solid"/>
+                      <a:round/>
+                      <a:headEnd type="none" w="med" len="med"/>
+                      <a:tailEnd type="none" w="med" len="med"/>
+                    </a:lnR>
+                    <a:lnT w="12700" cap="flat" cmpd="sng" algn="ctr">
+                      <a:solidFill>
+                        <a:schemeClr val="tx1"/>
+                      </a:solidFill>
+                      <a:prstDash val="solid"/>
+                      <a:round/>
+                      <a:headEnd type="none" w="med" len="med"/>
+                      <a:tailEnd type="none" w="med" len="med"/>
+                    </a:lnT>
+                    <a:lnB w="12700" cap="flat" cmpd="sng" algn="ctr">
+                      <a:solidFill>
+                        <a:schemeClr val="tx1"/>
+                      </a:solidFill>
+                      <a:prstDash val="solid"/>
+                      <a:round/>
+                      <a:headEnd type="none" w="med" len="med"/>
+                      <a:tailEnd type="none" w="med" len="med"/>
+                    </a:lnB>
+                  </a:tcPr>
+                </a:tc>
+                <a:tc>
+                  <a:txBody>
+                    <a:bodyPr/>
+                    <a:lstStyle/>
+                    <a:p>
+                      <a:pPr algn="ctr"/>
+                      <a:endParaRPr lang="en-US" sz="1400" dirty="0"/>
+                    </a:p>
+                  </a:txBody>
+                  <a:tcPr anchor="ctr">
+                    <a:lnL w="12700" cap="flat" cmpd="sng" algn="ctr">
+                      <a:solidFill>
+                        <a:schemeClr val="tx1"/>
+                      </a:solidFill>
+                      <a:prstDash val="solid"/>
+                      <a:round/>
+                      <a:headEnd type="none" w="med" len="med"/>
+                      <a:tailEnd type="none" w="med" len="med"/>
+                    </a:lnL>
+                    <a:lnR w="12700" cap="flat" cmpd="sng" algn="ctr">
+                      <a:solidFill>
+                        <a:schemeClr val="tx1"/>
+                      </a:solidFill>
+                      <a:prstDash val="solid"/>
+                      <a:round/>
+                      <a:headEnd type="none" w="med" len="med"/>
+                      <a:tailEnd type="none" w="med" len="med"/>
+                    </a:lnR>
+                    <a:lnT w="12700" cap="flat" cmpd="sng" algn="ctr">
+                      <a:solidFill>
+                        <a:schemeClr val="tx1"/>
+                      </a:solidFill>
+                      <a:prstDash val="solid"/>
+                      <a:round/>
+                      <a:headEnd type="none" w="med" len="med"/>
+                      <a:tailEnd type="none" w="med" len="med"/>
+                    </a:lnT>
+                    <a:lnB w="12700" cap="flat" cmpd="sng" algn="ctr">
+                      <a:solidFill>
+                        <a:schemeClr val="tx1"/>
+                      </a:solidFill>
+                      <a:prstDash val="solid"/>
+                      <a:round/>
+                      <a:headEnd type="none" w="med" len="med"/>
+                      <a:tailEnd type="none" w="med" len="med"/>
+                    </a:lnB>
+                  </a:tcPr>
+                </a:tc>
+              </a:tr>
+              <a:tr h="453091">
+                <a:tc>
+                  <a:txBody>
+                    <a:bodyPr/>
+                    <a:lstStyle/>
+                    <a:p>
+                      <a:pPr algn="ctr"/>
+                      <a:r>
+                        <a:rPr lang="en-US" sz="1400" dirty="0" smtClean="0"/>
+                        <a:t>1</a:t>
+                      </a:r>
+                      <a:endParaRPr lang="en-US" sz="1400" dirty="0"/>
+                    </a:p>
+                  </a:txBody>
+                  <a:tcPr anchor="ctr">
+                    <a:lnL w="12700" cap="flat" cmpd="sng" algn="ctr">
+                      <a:solidFill>
+                        <a:schemeClr val="tx1"/>
+                      </a:solidFill>
+                      <a:prstDash val="solid"/>
+                      <a:round/>
+                      <a:headEnd type="none" w="med" len="med"/>
+                      <a:tailEnd type="none" w="med" len="med"/>
+                    </a:lnL>
+                    <a:lnR w="12700" cap="flat" cmpd="sng" algn="ctr">
+                      <a:solidFill>
+                        <a:schemeClr val="tx1"/>
+                      </a:solidFill>
+                      <a:prstDash val="solid"/>
+                      <a:round/>
+                      <a:headEnd type="none" w="med" len="med"/>
+                      <a:tailEnd type="none" w="med" len="med"/>
+                    </a:lnR>
+                    <a:lnT w="12700" cap="flat" cmpd="sng" algn="ctr">
+                      <a:solidFill>
+                        <a:schemeClr val="tx1"/>
+                      </a:solidFill>
+                      <a:prstDash val="solid"/>
+                      <a:round/>
+                      <a:headEnd type="none" w="med" len="med"/>
+                      <a:tailEnd type="none" w="med" len="med"/>
+                    </a:lnT>
+                    <a:lnB w="12700" cap="flat" cmpd="sng" algn="ctr">
+                      <a:solidFill>
+                        <a:schemeClr val="tx1"/>
+                      </a:solidFill>
+                      <a:prstDash val="solid"/>
+                      <a:round/>
+                      <a:headEnd type="none" w="med" len="med"/>
+                      <a:tailEnd type="none" w="med" len="med"/>
+                    </a:lnB>
+                  </a:tcPr>
+                </a:tc>
+                <a:tc>
+                  <a:txBody>
+                    <a:bodyPr/>
+                    <a:lstStyle/>
+                    <a:p>
+                      <a:r>
+                        <a:rPr lang="en-US" sz="1400" dirty="0" smtClean="0"/>
+                        <a:t>Sakthi Dasan Sekar</a:t>
+                      </a:r>
+                    </a:p>
+                    <a:p>
+                      <a:r>
+                        <a:rPr lang="en-US" sz="1400" dirty="0" err="1" smtClean="0"/>
+                        <a:t>shakthydoss@gmail.com</a:t>
+                      </a:r>
+                      <a:endParaRPr lang="en-US" sz="1400" dirty="0"/>
+                    </a:p>
+                  </a:txBody>
+                  <a:tcPr anchor="ctr">
+                    <a:lnL w="12700" cap="flat" cmpd="sng" algn="ctr">
+                      <a:solidFill>
+                        <a:schemeClr val="tx1"/>
+                      </a:solidFill>
+                      <a:prstDash val="solid"/>
+                      <a:round/>
+                      <a:headEnd type="none" w="med" len="med"/>
+                      <a:tailEnd type="none" w="med" len="med"/>
+                    </a:lnL>
+                    <a:lnR w="12700" cap="flat" cmpd="sng" algn="ctr">
+                      <a:solidFill>
+                        <a:schemeClr val="tx1"/>
+                      </a:solidFill>
+                      <a:prstDash val="solid"/>
+                      <a:round/>
+                      <a:headEnd type="none" w="med" len="med"/>
+                      <a:tailEnd type="none" w="med" len="med"/>
+                    </a:lnR>
+                    <a:lnT w="12700" cap="flat" cmpd="sng" algn="ctr">
+                      <a:solidFill>
+                        <a:schemeClr val="tx1"/>
+                      </a:solidFill>
+                      <a:prstDash val="solid"/>
+                      <a:round/>
+                      <a:headEnd type="none" w="med" len="med"/>
+                      <a:tailEnd type="none" w="med" len="med"/>
+                    </a:lnT>
+                    <a:lnB w="12700" cap="flat" cmpd="sng" algn="ctr">
+                      <a:solidFill>
+                        <a:schemeClr val="tx1"/>
+                      </a:solidFill>
+                      <a:prstDash val="solid"/>
+                      <a:round/>
+                      <a:headEnd type="none" w="med" len="med"/>
+                      <a:tailEnd type="none" w="med" len="med"/>
+                    </a:lnB>
+                  </a:tcPr>
+                </a:tc>
+                <a:tc>
+                  <a:txBody>
+                    <a:bodyPr/>
+                    <a:lstStyle/>
+                    <a:p>
+                      <a:pPr algn="l"/>
+                      <a:r>
+                        <a:rPr lang="en-US" sz="1400" dirty="0" smtClean="0"/>
+                        <a:t>Admin</a:t>
+                      </a:r>
+                      <a:endParaRPr lang="en-US" sz="1400" dirty="0"/>
+                    </a:p>
+                  </a:txBody>
+                  <a:tcPr anchor="ctr">
+                    <a:lnL w="12700" cap="flat" cmpd="sng" algn="ctr">
+                      <a:solidFill>
+                        <a:schemeClr val="tx1"/>
+                      </a:solidFill>
+                      <a:prstDash val="solid"/>
+                      <a:round/>
+                      <a:headEnd type="none" w="med" len="med"/>
+                      <a:tailEnd type="none" w="med" len="med"/>
+                    </a:lnL>
+                    <a:lnR w="12700" cap="flat" cmpd="sng" algn="ctr">
+                      <a:solidFill>
+                        <a:schemeClr val="tx1"/>
+                      </a:solidFill>
+                      <a:prstDash val="solid"/>
+                      <a:round/>
+                      <a:headEnd type="none" w="med" len="med"/>
+                      <a:tailEnd type="none" w="med" len="med"/>
+                    </a:lnR>
+                    <a:lnT w="12700" cap="flat" cmpd="sng" algn="ctr">
+                      <a:solidFill>
+                        <a:schemeClr val="tx1"/>
+                      </a:solidFill>
+                      <a:prstDash val="solid"/>
+                      <a:round/>
+                      <a:headEnd type="none" w="med" len="med"/>
+                      <a:tailEnd type="none" w="med" len="med"/>
+                    </a:lnT>
+                    <a:lnB w="12700" cap="flat" cmpd="sng" algn="ctr">
+                      <a:solidFill>
+                        <a:schemeClr val="tx1"/>
+                      </a:solidFill>
+                      <a:prstDash val="solid"/>
+                      <a:round/>
+                      <a:headEnd type="none" w="med" len="med"/>
+                      <a:tailEnd type="none" w="med" len="med"/>
+                    </a:lnB>
+                  </a:tcPr>
+                </a:tc>
+                <a:tc>
+                  <a:txBody>
+                    <a:bodyPr/>
+                    <a:lstStyle/>
+                    <a:p>
+                      <a:pPr algn="l"/>
+                      <a:r>
+                        <a:rPr lang="en-US" sz="1400" dirty="0" smtClean="0"/>
+                        <a:t>Jun</a:t>
+                      </a:r>
+                      <a:r>
+                        <a:rPr lang="en-US" sz="1400" baseline="0" dirty="0" smtClean="0"/>
+                        <a:t> 25, 2012</a:t>
+                      </a:r>
+                      <a:endParaRPr lang="en-US" sz="1400" dirty="0"/>
+                    </a:p>
+                  </a:txBody>
+                  <a:tcPr anchor="ctr">
+                    <a:lnL w="12700" cap="flat" cmpd="sng" algn="ctr">
+                      <a:solidFill>
+                        <a:schemeClr val="tx1"/>
+                      </a:solidFill>
+                      <a:prstDash val="solid"/>
+                      <a:round/>
+                      <a:headEnd type="none" w="med" len="med"/>
+                      <a:tailEnd type="none" w="med" len="med"/>
+                    </a:lnL>
+                    <a:lnR w="12700" cap="flat" cmpd="sng" algn="ctr">
+                      <a:solidFill>
+                        <a:schemeClr val="tx1"/>
+                      </a:solidFill>
+                      <a:prstDash val="solid"/>
+                      <a:round/>
+                      <a:headEnd type="none" w="med" len="med"/>
+                      <a:tailEnd type="none" w="med" len="med"/>
+                    </a:lnR>
+                    <a:lnT w="12700" cap="flat" cmpd="sng" algn="ctr">
+                      <a:solidFill>
+                        <a:schemeClr val="tx1"/>
+                      </a:solidFill>
+                      <a:prstDash val="solid"/>
+                      <a:round/>
+                      <a:headEnd type="none" w="med" len="med"/>
+                      <a:tailEnd type="none" w="med" len="med"/>
+                    </a:lnT>
+                    <a:lnB w="12700" cap="flat" cmpd="sng" algn="ctr">
+                      <a:solidFill>
+                        <a:schemeClr val="tx1"/>
+                      </a:solidFill>
+                      <a:prstDash val="solid"/>
+                      <a:round/>
+                      <a:headEnd type="none" w="med" len="med"/>
+                      <a:tailEnd type="none" w="med" len="med"/>
+                    </a:lnB>
+                  </a:tcPr>
+                </a:tc>
+                <a:tc>
+                  <a:txBody>
+                    <a:bodyPr/>
+                    <a:lstStyle/>
+                    <a:p>
+                      <a:pPr algn="ctr"/>
+                      <a:r>
+                        <a:rPr lang="en-US" sz="1400" u="sng" dirty="0" smtClean="0">
+                          <a:solidFill>
+                            <a:schemeClr val="accent1"/>
+                          </a:solidFill>
+                        </a:rPr>
+                        <a:t>Edit</a:t>
+                      </a:r>
+                      <a:endParaRPr lang="en-US" sz="1400" u="sng" dirty="0">
+                        <a:solidFill>
+                          <a:schemeClr val="accent1"/>
+                        </a:solidFill>
+                      </a:endParaRPr>
+                    </a:p>
+                  </a:txBody>
+                  <a:tcPr anchor="ctr">
+                    <a:lnL w="12700" cap="flat" cmpd="sng" algn="ctr">
+                      <a:solidFill>
+                        <a:schemeClr val="tx1"/>
+                      </a:solidFill>
+                      <a:prstDash val="solid"/>
+                      <a:round/>
+                      <a:headEnd type="none" w="med" len="med"/>
+                      <a:tailEnd type="none" w="med" len="med"/>
+                    </a:lnL>
+                    <a:lnR w="12700" cap="flat" cmpd="sng" algn="ctr">
+                      <a:solidFill>
+                        <a:schemeClr val="tx1"/>
+                      </a:solidFill>
+                      <a:prstDash val="solid"/>
+                      <a:round/>
+                      <a:headEnd type="none" w="med" len="med"/>
+                      <a:tailEnd type="none" w="med" len="med"/>
+                    </a:lnR>
+                    <a:lnT w="12700" cap="flat" cmpd="sng" algn="ctr">
+                      <a:solidFill>
+                        <a:schemeClr val="tx1"/>
+                      </a:solidFill>
+                      <a:prstDash val="solid"/>
+                      <a:round/>
+                      <a:headEnd type="none" w="med" len="med"/>
+                      <a:tailEnd type="none" w="med" len="med"/>
+                    </a:lnT>
+                    <a:lnB w="12700" cap="flat" cmpd="sng" algn="ctr">
+                      <a:solidFill>
+                        <a:schemeClr val="tx1"/>
+                      </a:solidFill>
+                      <a:prstDash val="solid"/>
+                      <a:round/>
+                      <a:headEnd type="none" w="med" len="med"/>
+                      <a:tailEnd type="none" w="med" len="med"/>
+                    </a:lnB>
+                  </a:tcPr>
+                </a:tc>
+                <a:tc>
+                  <a:txBody>
+                    <a:bodyPr/>
+                    <a:lstStyle/>
+                    <a:p>
+                      <a:pPr algn="ctr"/>
+                      <a:r>
+                        <a:rPr lang="en-US" sz="1400" u="sng" dirty="0" smtClean="0">
+                          <a:solidFill>
+                            <a:schemeClr val="accent1"/>
+                          </a:solidFill>
+                        </a:rPr>
+                        <a:t>Delete</a:t>
+                      </a:r>
+                      <a:endParaRPr lang="en-US" sz="1400" u="sng" dirty="0">
+                        <a:solidFill>
+                          <a:schemeClr val="accent1"/>
+                        </a:solidFill>
+                      </a:endParaRPr>
+                    </a:p>
+                  </a:txBody>
+                  <a:tcPr anchor="ctr">
+                    <a:lnL w="12700" cap="flat" cmpd="sng" algn="ctr">
+                      <a:solidFill>
+                        <a:schemeClr val="tx1"/>
+                      </a:solidFill>
+                      <a:prstDash val="solid"/>
+                      <a:round/>
+                      <a:headEnd type="none" w="med" len="med"/>
+                      <a:tailEnd type="none" w="med" len="med"/>
+                    </a:lnL>
+                    <a:lnR w="12700" cap="flat" cmpd="sng" algn="ctr">
+                      <a:solidFill>
+                        <a:schemeClr val="tx1"/>
+                      </a:solidFill>
+                      <a:prstDash val="solid"/>
+                      <a:round/>
+                      <a:headEnd type="none" w="med" len="med"/>
+                      <a:tailEnd type="none" w="med" len="med"/>
+                    </a:lnR>
+                    <a:lnT w="12700" cap="flat" cmpd="sng" algn="ctr">
+                      <a:solidFill>
+                        <a:schemeClr val="tx1"/>
+                      </a:solidFill>
+                      <a:prstDash val="solid"/>
+                      <a:round/>
+                      <a:headEnd type="none" w="med" len="med"/>
+                      <a:tailEnd type="none" w="med" len="med"/>
+                    </a:lnT>
+                    <a:lnB w="12700" cap="flat" cmpd="sng" algn="ctr">
+                      <a:solidFill>
+                        <a:schemeClr val="tx1"/>
+                      </a:solidFill>
+                      <a:prstDash val="solid"/>
+                      <a:round/>
+                      <a:headEnd type="none" w="med" len="med"/>
+                      <a:tailEnd type="none" w="med" len="med"/>
+                    </a:lnB>
+                  </a:tcPr>
+                </a:tc>
+              </a:tr>
+              <a:tr h="453091">
+                <a:tc>
+                  <a:txBody>
+                    <a:bodyPr/>
+                    <a:lstStyle/>
+                    <a:p>
+                      <a:pPr algn="ctr"/>
+                      <a:r>
+                        <a:rPr lang="en-US" sz="1400" dirty="0" smtClean="0"/>
+                        <a:t>2</a:t>
+                      </a:r>
+                      <a:endParaRPr lang="en-US" sz="1400" dirty="0"/>
+                    </a:p>
+                  </a:txBody>
+                  <a:tcPr anchor="ctr">
+                    <a:lnL w="12700" cap="flat" cmpd="sng" algn="ctr">
+                      <a:solidFill>
+                        <a:schemeClr val="tx1"/>
+                      </a:solidFill>
+                      <a:prstDash val="solid"/>
+                      <a:round/>
+                      <a:headEnd type="none" w="med" len="med"/>
+                      <a:tailEnd type="none" w="med" len="med"/>
+                    </a:lnL>
+                    <a:lnR w="12700" cap="flat" cmpd="sng" algn="ctr">
+                      <a:solidFill>
+                        <a:schemeClr val="tx1"/>
+                      </a:solidFill>
+                      <a:prstDash val="solid"/>
+                      <a:round/>
+                      <a:headEnd type="none" w="med" len="med"/>
+                      <a:tailEnd type="none" w="med" len="med"/>
+                    </a:lnR>
+                    <a:lnT w="12700" cap="flat" cmpd="sng" algn="ctr">
+                      <a:solidFill>
+                        <a:schemeClr val="tx1"/>
+                      </a:solidFill>
+                      <a:prstDash val="solid"/>
+                      <a:round/>
+                      <a:headEnd type="none" w="med" len="med"/>
+                      <a:tailEnd type="none" w="med" len="med"/>
+                    </a:lnT>
+                    <a:lnB w="12700" cap="flat" cmpd="sng" algn="ctr">
+                      <a:solidFill>
+                        <a:schemeClr val="tx1"/>
+                      </a:solidFill>
+                      <a:prstDash val="solid"/>
+                      <a:round/>
+                      <a:headEnd type="none" w="med" len="med"/>
+                      <a:tailEnd type="none" w="med" len="med"/>
+                    </a:lnB>
+                  </a:tcPr>
+                </a:tc>
+                <a:tc>
+                  <a:txBody>
+                    <a:bodyPr/>
+                    <a:lstStyle/>
+                    <a:p>
+                      <a:r>
+                        <a:rPr lang="en-US" sz="1400" dirty="0" err="1" smtClean="0"/>
+                        <a:t>Jhon</a:t>
+                      </a:r>
+                      <a:r>
+                        <a:rPr lang="en-US" sz="1400" baseline="0" dirty="0" smtClean="0"/>
+                        <a:t> pipe</a:t>
+                      </a:r>
+                    </a:p>
+                    <a:p>
+                      <a:r>
+                        <a:rPr lang="en-US" sz="1400" baseline="0" dirty="0" err="1" smtClean="0"/>
+                        <a:t>jhonpip@gmail.com</a:t>
+                      </a:r>
+                      <a:endParaRPr lang="en-US" sz="1400" dirty="0"/>
+                    </a:p>
+                  </a:txBody>
+                  <a:tcPr anchor="ctr">
+                    <a:lnL w="12700" cap="flat" cmpd="sng" algn="ctr">
+                      <a:solidFill>
+                        <a:schemeClr val="tx1"/>
+                      </a:solidFill>
+                      <a:prstDash val="solid"/>
+                      <a:round/>
+                      <a:headEnd type="none" w="med" len="med"/>
+                      <a:tailEnd type="none" w="med" len="med"/>
+                    </a:lnL>
+                    <a:lnR w="12700" cap="flat" cmpd="sng" algn="ctr">
+                      <a:solidFill>
+                        <a:schemeClr val="tx1"/>
+                      </a:solidFill>
+                      <a:prstDash val="solid"/>
+                      <a:round/>
+                      <a:headEnd type="none" w="med" len="med"/>
+                      <a:tailEnd type="none" w="med" len="med"/>
+                    </a:lnR>
+                    <a:lnT w="12700" cap="flat" cmpd="sng" algn="ctr">
+                      <a:solidFill>
+                        <a:schemeClr val="tx1"/>
+                      </a:solidFill>
+                      <a:prstDash val="solid"/>
+                      <a:round/>
+                      <a:headEnd type="none" w="med" len="med"/>
+                      <a:tailEnd type="none" w="med" len="med"/>
+                    </a:lnT>
+                    <a:lnB w="12700" cap="flat" cmpd="sng" algn="ctr">
+                      <a:solidFill>
+                        <a:schemeClr val="tx1"/>
+                      </a:solidFill>
+                      <a:prstDash val="solid"/>
+                      <a:round/>
+                      <a:headEnd type="none" w="med" len="med"/>
+                      <a:tailEnd type="none" w="med" len="med"/>
+                    </a:lnB>
+                  </a:tcPr>
+                </a:tc>
+                <a:tc>
+                  <a:txBody>
+                    <a:bodyPr/>
+                    <a:lstStyle/>
+                    <a:p>
+                      <a:pPr algn="l"/>
+                      <a:r>
+                        <a:rPr lang="en-US" sz="1400" dirty="0" smtClean="0"/>
+                        <a:t>Admin</a:t>
+                      </a:r>
+                      <a:endParaRPr lang="en-US" sz="1400" dirty="0"/>
+                    </a:p>
+                  </a:txBody>
+                  <a:tcPr anchor="ctr">
+                    <a:lnL w="12700" cap="flat" cmpd="sng" algn="ctr">
+                      <a:solidFill>
+                        <a:schemeClr val="tx1"/>
+                      </a:solidFill>
+                      <a:prstDash val="solid"/>
+                      <a:round/>
+                      <a:headEnd type="none" w="med" len="med"/>
+                      <a:tailEnd type="none" w="med" len="med"/>
+                    </a:lnL>
+                    <a:lnR w="12700" cap="flat" cmpd="sng" algn="ctr">
+                      <a:solidFill>
+                        <a:schemeClr val="tx1"/>
+                      </a:solidFill>
+                      <a:prstDash val="solid"/>
+                      <a:round/>
+                      <a:headEnd type="none" w="med" len="med"/>
+                      <a:tailEnd type="none" w="med" len="med"/>
+                    </a:lnR>
+                    <a:lnT w="12700" cap="flat" cmpd="sng" algn="ctr">
+                      <a:solidFill>
+                        <a:schemeClr val="tx1"/>
+                      </a:solidFill>
+                      <a:prstDash val="solid"/>
+                      <a:round/>
+                      <a:headEnd type="none" w="med" len="med"/>
+                      <a:tailEnd type="none" w="med" len="med"/>
+                    </a:lnT>
+                    <a:lnB w="12700" cap="flat" cmpd="sng" algn="ctr">
+                      <a:solidFill>
+                        <a:schemeClr val="tx1"/>
+                      </a:solidFill>
+                      <a:prstDash val="solid"/>
+                      <a:round/>
+                      <a:headEnd type="none" w="med" len="med"/>
+                      <a:tailEnd type="none" w="med" len="med"/>
+                    </a:lnB>
+                  </a:tcPr>
+                </a:tc>
+                <a:tc>
+                  <a:txBody>
+                    <a:bodyPr/>
+                    <a:lstStyle/>
+                    <a:p>
+                      <a:pPr algn="l"/>
+                      <a:r>
+                        <a:rPr lang="en-US" sz="1400" dirty="0" smtClean="0"/>
+                        <a:t>Jun 20, 2012</a:t>
+                      </a:r>
+                      <a:endParaRPr lang="en-US" sz="1400" dirty="0"/>
+                    </a:p>
+                  </a:txBody>
+                  <a:tcPr anchor="ctr">
+                    <a:lnL w="12700" cap="flat" cmpd="sng" algn="ctr">
+                      <a:solidFill>
+                        <a:schemeClr val="tx1"/>
+                      </a:solidFill>
+                      <a:prstDash val="solid"/>
+                      <a:round/>
+                      <a:headEnd type="none" w="med" len="med"/>
+                      <a:tailEnd type="none" w="med" len="med"/>
+                    </a:lnL>
+                    <a:lnR w="12700" cap="flat" cmpd="sng" algn="ctr">
+                      <a:solidFill>
+                        <a:schemeClr val="tx1"/>
+                      </a:solidFill>
+                      <a:prstDash val="solid"/>
+                      <a:round/>
+                      <a:headEnd type="none" w="med" len="med"/>
+                      <a:tailEnd type="none" w="med" len="med"/>
+                    </a:lnR>
+                    <a:lnT w="12700" cap="flat" cmpd="sng" algn="ctr">
+                      <a:solidFill>
+                        <a:schemeClr val="tx1"/>
+                      </a:solidFill>
+                      <a:prstDash val="solid"/>
+                      <a:round/>
+                      <a:headEnd type="none" w="med" len="med"/>
+                      <a:tailEnd type="none" w="med" len="med"/>
+                    </a:lnT>
+                    <a:lnB w="12700" cap="flat" cmpd="sng" algn="ctr">
+                      <a:solidFill>
+                        <a:schemeClr val="tx1"/>
+                      </a:solidFill>
+                      <a:prstDash val="solid"/>
+                      <a:round/>
+                      <a:headEnd type="none" w="med" len="med"/>
+                      <a:tailEnd type="none" w="med" len="med"/>
+                    </a:lnB>
+                  </a:tcPr>
+                </a:tc>
+                <a:tc>
+                  <a:txBody>
+                    <a:bodyPr/>
+                    <a:lstStyle/>
+                    <a:p>
+                      <a:pPr algn="ctr"/>
+                      <a:r>
+                        <a:rPr lang="en-US" sz="1400" u="sng" dirty="0" smtClean="0">
+                          <a:solidFill>
+                            <a:schemeClr val="accent1"/>
+                          </a:solidFill>
+                        </a:rPr>
+                        <a:t>Edit</a:t>
+                      </a:r>
+                      <a:endParaRPr lang="en-US" sz="1400" u="sng" dirty="0">
+                        <a:solidFill>
+                          <a:schemeClr val="accent1"/>
+                        </a:solidFill>
+                      </a:endParaRPr>
+                    </a:p>
+                  </a:txBody>
+                  <a:tcPr anchor="ctr">
+                    <a:lnL w="12700" cap="flat" cmpd="sng" algn="ctr">
+                      <a:solidFill>
+                        <a:schemeClr val="tx1"/>
+                      </a:solidFill>
+                      <a:prstDash val="solid"/>
+                      <a:round/>
+                      <a:headEnd type="none" w="med" len="med"/>
+                      <a:tailEnd type="none" w="med" len="med"/>
+                    </a:lnL>
+                    <a:lnR w="12700" cap="flat" cmpd="sng" algn="ctr">
+                      <a:solidFill>
+                        <a:schemeClr val="tx1"/>
+                      </a:solidFill>
+                      <a:prstDash val="solid"/>
+                      <a:round/>
+                      <a:headEnd type="none" w="med" len="med"/>
+                      <a:tailEnd type="none" w="med" len="med"/>
+                    </a:lnR>
+                    <a:lnT w="12700" cap="flat" cmpd="sng" algn="ctr">
+                      <a:solidFill>
+                        <a:schemeClr val="tx1"/>
+                      </a:solidFill>
+                      <a:prstDash val="solid"/>
+                      <a:round/>
+                      <a:headEnd type="none" w="med" len="med"/>
+                      <a:tailEnd type="none" w="med" len="med"/>
+                    </a:lnT>
+                    <a:lnB w="12700" cap="flat" cmpd="sng" algn="ctr">
+                      <a:solidFill>
+                        <a:schemeClr val="tx1"/>
+                      </a:solidFill>
+                      <a:prstDash val="solid"/>
+                      <a:round/>
+                      <a:headEnd type="none" w="med" len="med"/>
+                      <a:tailEnd type="none" w="med" len="med"/>
+                    </a:lnB>
+                  </a:tcPr>
+                </a:tc>
+                <a:tc>
+                  <a:txBody>
+                    <a:bodyPr/>
+                    <a:lstStyle/>
+                    <a:p>
+                      <a:pPr algn="ctr"/>
+                      <a:r>
+                        <a:rPr lang="en-US" sz="1400" u="sng" dirty="0" smtClean="0">
+                          <a:solidFill>
+                            <a:schemeClr val="accent1"/>
+                          </a:solidFill>
+                        </a:rPr>
+                        <a:t>Delete</a:t>
+                      </a:r>
+                      <a:endParaRPr lang="en-US" sz="1400" u="sng" dirty="0">
+                        <a:solidFill>
+                          <a:schemeClr val="accent1"/>
+                        </a:solidFill>
+                      </a:endParaRPr>
+                    </a:p>
+                  </a:txBody>
+                  <a:tcPr anchor="ctr">
+                    <a:lnL w="12700" cap="flat" cmpd="sng" algn="ctr">
+                      <a:solidFill>
+                        <a:schemeClr val="tx1"/>
+                      </a:solidFill>
+                      <a:prstDash val="solid"/>
+                      <a:round/>
+                      <a:headEnd type="none" w="med" len="med"/>
+                      <a:tailEnd type="none" w="med" len="med"/>
+                    </a:lnL>
+                    <a:lnR w="12700" cap="flat" cmpd="sng" algn="ctr">
+                      <a:solidFill>
+                        <a:schemeClr val="tx1"/>
+                      </a:solidFill>
+                      <a:prstDash val="solid"/>
+                      <a:round/>
+                      <a:headEnd type="none" w="med" len="med"/>
+                      <a:tailEnd type="none" w="med" len="med"/>
+                    </a:lnR>
+                    <a:lnT w="12700" cap="flat" cmpd="sng" algn="ctr">
+                      <a:solidFill>
+                        <a:schemeClr val="tx1"/>
+                      </a:solidFill>
+                      <a:prstDash val="solid"/>
+                      <a:round/>
+                      <a:headEnd type="none" w="med" len="med"/>
+                      <a:tailEnd type="none" w="med" len="med"/>
+                    </a:lnT>
+                    <a:lnB w="12700" cap="flat" cmpd="sng" algn="ctr">
+                      <a:solidFill>
+                        <a:schemeClr val="tx1"/>
+                      </a:solidFill>
+                      <a:prstDash val="solid"/>
+                      <a:round/>
+                      <a:headEnd type="none" w="med" len="med"/>
+                      <a:tailEnd type="none" w="med" len="med"/>
+                    </a:lnB>
+                  </a:tcPr>
+                </a:tc>
+              </a:tr>
+              <a:tr h="453091">
+                <a:tc>
+                  <a:txBody>
+                    <a:bodyPr/>
+                    <a:lstStyle/>
+                    <a:p>
+                      <a:pPr algn="ctr"/>
+                      <a:r>
+                        <a:rPr lang="en-US" sz="1400" dirty="0" smtClean="0"/>
+                        <a:t>3</a:t>
+                      </a:r>
+                      <a:endParaRPr lang="en-US" sz="1400" dirty="0"/>
+                    </a:p>
+                  </a:txBody>
+                  <a:tcPr anchor="ctr">
+                    <a:lnL w="12700" cap="flat" cmpd="sng" algn="ctr">
+                      <a:solidFill>
+                        <a:schemeClr val="tx1"/>
+                      </a:solidFill>
+                      <a:prstDash val="solid"/>
+                      <a:round/>
+                      <a:headEnd type="none" w="med" len="med"/>
+                      <a:tailEnd type="none" w="med" len="med"/>
+                    </a:lnL>
+                    <a:lnR w="12700" cap="flat" cmpd="sng" algn="ctr">
+                      <a:solidFill>
+                        <a:schemeClr val="tx1"/>
+                      </a:solidFill>
+                      <a:prstDash val="solid"/>
+                      <a:round/>
+                      <a:headEnd type="none" w="med" len="med"/>
+                      <a:tailEnd type="none" w="med" len="med"/>
+                    </a:lnR>
+                    <a:lnT w="12700" cap="flat" cmpd="sng" algn="ctr">
+                      <a:solidFill>
+                        <a:schemeClr val="tx1"/>
+                      </a:solidFill>
+                      <a:prstDash val="solid"/>
+                      <a:round/>
+                      <a:headEnd type="none" w="med" len="med"/>
+                      <a:tailEnd type="none" w="med" len="med"/>
+                    </a:lnT>
+                    <a:lnB w="12700" cap="flat" cmpd="sng" algn="ctr">
+                      <a:solidFill>
+                        <a:schemeClr val="tx1"/>
+                      </a:solidFill>
+                      <a:prstDash val="solid"/>
+                      <a:round/>
+                      <a:headEnd type="none" w="med" len="med"/>
+                      <a:tailEnd type="none" w="med" len="med"/>
+                    </a:lnB>
+                  </a:tcPr>
+                </a:tc>
+                <a:tc>
+                  <a:txBody>
+                    <a:bodyPr/>
+                    <a:lstStyle/>
+                    <a:p>
+                      <a:r>
+                        <a:rPr lang="en-US" sz="1400" dirty="0" smtClean="0"/>
+                        <a:t>Adam </a:t>
+                      </a:r>
+                    </a:p>
+                    <a:p>
+                      <a:r>
+                        <a:rPr lang="en-US" sz="1400" dirty="0" err="1" smtClean="0"/>
+                        <a:t>adam@gmail.com</a:t>
+                      </a:r>
+                      <a:endParaRPr lang="en-US" sz="1400" dirty="0"/>
+                    </a:p>
+                  </a:txBody>
+                  <a:tcPr anchor="ctr">
+                    <a:lnL w="12700" cap="flat" cmpd="sng" algn="ctr">
+                      <a:solidFill>
+                        <a:schemeClr val="tx1"/>
+                      </a:solidFill>
+                      <a:prstDash val="solid"/>
+                      <a:round/>
+                      <a:headEnd type="none" w="med" len="med"/>
+                      <a:tailEnd type="none" w="med" len="med"/>
+                    </a:lnL>
+                    <a:lnR w="12700" cap="flat" cmpd="sng" algn="ctr">
+                      <a:solidFill>
+                        <a:schemeClr val="tx1"/>
+                      </a:solidFill>
+                      <a:prstDash val="solid"/>
+                      <a:round/>
+                      <a:headEnd type="none" w="med" len="med"/>
+                      <a:tailEnd type="none" w="med" len="med"/>
+                    </a:lnR>
+                    <a:lnT w="12700" cap="flat" cmpd="sng" algn="ctr">
+                      <a:solidFill>
+                        <a:schemeClr val="tx1"/>
+                      </a:solidFill>
+                      <a:prstDash val="solid"/>
+                      <a:round/>
+                      <a:headEnd type="none" w="med" len="med"/>
+                      <a:tailEnd type="none" w="med" len="med"/>
+                    </a:lnT>
+                    <a:lnB w="12700" cap="flat" cmpd="sng" algn="ctr">
+                      <a:solidFill>
+                        <a:schemeClr val="tx1"/>
+                      </a:solidFill>
+                      <a:prstDash val="solid"/>
+                      <a:round/>
+                      <a:headEnd type="none" w="med" len="med"/>
+                      <a:tailEnd type="none" w="med" len="med"/>
+                    </a:lnB>
+                  </a:tcPr>
+                </a:tc>
+                <a:tc>
+                  <a:txBody>
+                    <a:bodyPr/>
+                    <a:lstStyle/>
+                    <a:p>
+                      <a:pPr algn="l"/>
+                      <a:r>
+                        <a:rPr lang="en-US" sz="1400" dirty="0" smtClean="0"/>
+                        <a:t>Tutor</a:t>
+                      </a:r>
+                      <a:endParaRPr lang="en-US" sz="1400" dirty="0"/>
+                    </a:p>
+                  </a:txBody>
+                  <a:tcPr anchor="ctr">
+                    <a:lnL w="12700" cap="flat" cmpd="sng" algn="ctr">
+                      <a:solidFill>
+                        <a:schemeClr val="tx1"/>
+                      </a:solidFill>
+                      <a:prstDash val="solid"/>
+                      <a:round/>
+                      <a:headEnd type="none" w="med" len="med"/>
+                      <a:tailEnd type="none" w="med" len="med"/>
+                    </a:lnL>
+                    <a:lnR w="12700" cap="flat" cmpd="sng" algn="ctr">
+                      <a:solidFill>
+                        <a:schemeClr val="tx1"/>
+                      </a:solidFill>
+                      <a:prstDash val="solid"/>
+                      <a:round/>
+                      <a:headEnd type="none" w="med" len="med"/>
+                      <a:tailEnd type="none" w="med" len="med"/>
+                    </a:lnR>
+                    <a:lnT w="12700" cap="flat" cmpd="sng" algn="ctr">
+                      <a:solidFill>
+                        <a:schemeClr val="tx1"/>
+                      </a:solidFill>
+                      <a:prstDash val="solid"/>
+                      <a:round/>
+                      <a:headEnd type="none" w="med" len="med"/>
+                      <a:tailEnd type="none" w="med" len="med"/>
+                    </a:lnT>
+                    <a:lnB w="12700" cap="flat" cmpd="sng" algn="ctr">
+                      <a:solidFill>
+                        <a:schemeClr val="tx1"/>
+                      </a:solidFill>
+                      <a:prstDash val="solid"/>
+                      <a:round/>
+                      <a:headEnd type="none" w="med" len="med"/>
+                      <a:tailEnd type="none" w="med" len="med"/>
+                    </a:lnB>
+                  </a:tcPr>
+                </a:tc>
+                <a:tc>
+                  <a:txBody>
+                    <a:bodyPr/>
+                    <a:lstStyle/>
+                    <a:p>
+                      <a:pPr marL="0" marR="0" indent="0" algn="l" defTabSz="914400" rtl="0" eaLnBrk="1" fontAlgn="auto" latinLnBrk="0" hangingPunct="1">
+                        <a:lnSpc>
+                          <a:spcPct val="100000"/>
+                        </a:lnSpc>
+                        <a:spcBef>
+                          <a:spcPts val="0"/>
+                        </a:spcBef>
+                        <a:spcAft>
+                          <a:spcPts val="0"/>
+                        </a:spcAft>
+                        <a:buClrTx/>
+                        <a:buSzTx/>
+                        <a:buFontTx/>
+                        <a:buNone/>
+                        <a:tabLst/>
+                        <a:defRPr/>
+                      </a:pPr>
+                      <a:r>
+                        <a:rPr lang="en-US" sz="1400" dirty="0" smtClean="0"/>
+                        <a:t>Feb 20, 2011</a:t>
+                      </a:r>
+                    </a:p>
+                  </a:txBody>
+                  <a:tcPr anchor="ctr">
+                    <a:lnL w="12700" cap="flat" cmpd="sng" algn="ctr">
+                      <a:solidFill>
+                        <a:schemeClr val="tx1"/>
+                      </a:solidFill>
+                      <a:prstDash val="solid"/>
+                      <a:round/>
+                      <a:headEnd type="none" w="med" len="med"/>
+                      <a:tailEnd type="none" w="med" len="med"/>
+                    </a:lnL>
+                    <a:lnR w="12700" cap="flat" cmpd="sng" algn="ctr">
+                      <a:solidFill>
+                        <a:schemeClr val="tx1"/>
+                      </a:solidFill>
+                      <a:prstDash val="solid"/>
+                      <a:round/>
+                      <a:headEnd type="none" w="med" len="med"/>
+                      <a:tailEnd type="none" w="med" len="med"/>
+                    </a:lnR>
+                    <a:lnT w="12700" cap="flat" cmpd="sng" algn="ctr">
+                      <a:solidFill>
+                        <a:schemeClr val="tx1"/>
+                      </a:solidFill>
+                      <a:prstDash val="solid"/>
+                      <a:round/>
+                      <a:headEnd type="none" w="med" len="med"/>
+                      <a:tailEnd type="none" w="med" len="med"/>
+                    </a:lnT>
+                    <a:lnB w="12700" cap="flat" cmpd="sng" algn="ctr">
+                      <a:solidFill>
+                        <a:schemeClr val="tx1"/>
+                      </a:solidFill>
+                      <a:prstDash val="solid"/>
+                      <a:round/>
+                      <a:headEnd type="none" w="med" len="med"/>
+                      <a:tailEnd type="none" w="med" len="med"/>
+                    </a:lnB>
+                  </a:tcPr>
+                </a:tc>
+                <a:tc>
+                  <a:txBody>
+                    <a:bodyPr/>
+                    <a:lstStyle/>
+                    <a:p>
+                      <a:pPr algn="ctr"/>
+                      <a:r>
+                        <a:rPr lang="en-US" sz="1400" u="sng" dirty="0" smtClean="0">
+                          <a:solidFill>
+                            <a:schemeClr val="accent1"/>
+                          </a:solidFill>
+                        </a:rPr>
+                        <a:t>Edit</a:t>
+                      </a:r>
+                      <a:endParaRPr lang="en-US" sz="1400" u="sng" dirty="0">
+                        <a:solidFill>
+                          <a:schemeClr val="accent1"/>
+                        </a:solidFill>
+                      </a:endParaRPr>
+                    </a:p>
+                  </a:txBody>
+                  <a:tcPr anchor="ctr">
+                    <a:lnL w="12700" cap="flat" cmpd="sng" algn="ctr">
+                      <a:solidFill>
+                        <a:schemeClr val="tx1"/>
+                      </a:solidFill>
+                      <a:prstDash val="solid"/>
+                      <a:round/>
+                      <a:headEnd type="none" w="med" len="med"/>
+                      <a:tailEnd type="none" w="med" len="med"/>
+                    </a:lnL>
+                    <a:lnR w="12700" cap="flat" cmpd="sng" algn="ctr">
+                      <a:solidFill>
+                        <a:schemeClr val="tx1"/>
+                      </a:solidFill>
+                      <a:prstDash val="solid"/>
+                      <a:round/>
+                      <a:headEnd type="none" w="med" len="med"/>
+                      <a:tailEnd type="none" w="med" len="med"/>
+                    </a:lnR>
+                    <a:lnT w="12700" cap="flat" cmpd="sng" algn="ctr">
+                      <a:solidFill>
+                        <a:schemeClr val="tx1"/>
+                      </a:solidFill>
+                      <a:prstDash val="solid"/>
+                      <a:round/>
+                      <a:headEnd type="none" w="med" len="med"/>
+                      <a:tailEnd type="none" w="med" len="med"/>
+                    </a:lnT>
+                    <a:lnB w="12700" cap="flat" cmpd="sng" algn="ctr">
+                      <a:solidFill>
+                        <a:schemeClr val="tx1"/>
+                      </a:solidFill>
+                      <a:prstDash val="solid"/>
+                      <a:round/>
+                      <a:headEnd type="none" w="med" len="med"/>
+                      <a:tailEnd type="none" w="med" len="med"/>
+                    </a:lnB>
+                  </a:tcPr>
+                </a:tc>
+                <a:tc>
+                  <a:txBody>
+                    <a:bodyPr/>
+                    <a:lstStyle/>
+                    <a:p>
+                      <a:pPr algn="ctr"/>
+                      <a:r>
+                        <a:rPr lang="en-US" sz="1400" u="sng" dirty="0" smtClean="0">
+                          <a:solidFill>
+                            <a:schemeClr val="accent1"/>
+                          </a:solidFill>
+                        </a:rPr>
+                        <a:t>Delete</a:t>
+                      </a:r>
+                      <a:endParaRPr lang="en-US" sz="1400" u="sng" dirty="0">
+                        <a:solidFill>
+                          <a:schemeClr val="accent1"/>
+                        </a:solidFill>
+                      </a:endParaRPr>
+                    </a:p>
+                  </a:txBody>
+                  <a:tcPr anchor="ctr">
+                    <a:lnL w="12700" cap="flat" cmpd="sng" algn="ctr">
+                      <a:solidFill>
+                        <a:schemeClr val="tx1"/>
+                      </a:solidFill>
+                      <a:prstDash val="solid"/>
+                      <a:round/>
+                      <a:headEnd type="none" w="med" len="med"/>
+                      <a:tailEnd type="none" w="med" len="med"/>
+                    </a:lnL>
+                    <a:lnR w="12700" cap="flat" cmpd="sng" algn="ctr">
+                      <a:solidFill>
+                        <a:schemeClr val="tx1"/>
+                      </a:solidFill>
+                      <a:prstDash val="solid"/>
+                      <a:round/>
+                      <a:headEnd type="none" w="med" len="med"/>
+                      <a:tailEnd type="none" w="med" len="med"/>
+                    </a:lnR>
+                    <a:lnT w="12700" cap="flat" cmpd="sng" algn="ctr">
+                      <a:solidFill>
+                        <a:schemeClr val="tx1"/>
+                      </a:solidFill>
+                      <a:prstDash val="solid"/>
+                      <a:round/>
+                      <a:headEnd type="none" w="med" len="med"/>
+                      <a:tailEnd type="none" w="med" len="med"/>
+                    </a:lnT>
+                    <a:lnB w="12700" cap="flat" cmpd="sng" algn="ctr">
+                      <a:solidFill>
+                        <a:schemeClr val="tx1"/>
+                      </a:solidFill>
+                      <a:prstDash val="solid"/>
+                      <a:round/>
+                      <a:headEnd type="none" w="med" len="med"/>
+                      <a:tailEnd type="none" w="med" len="med"/>
+                    </a:lnB>
+                  </a:tcPr>
+                </a:tc>
+              </a:tr>
+              <a:tr h="453091">
+                <a:tc>
+                  <a:txBody>
+                    <a:bodyPr/>
+                    <a:lstStyle/>
+                    <a:p>
+                      <a:pPr algn="ctr"/>
+                      <a:r>
+                        <a:rPr lang="en-US" sz="1400" dirty="0" smtClean="0"/>
+                        <a:t>4</a:t>
+                      </a:r>
+                      <a:endParaRPr lang="en-US" sz="1400" dirty="0"/>
+                    </a:p>
+                  </a:txBody>
+                  <a:tcPr anchor="ctr">
+                    <a:lnL w="12700" cap="flat" cmpd="sng" algn="ctr">
+                      <a:solidFill>
+                        <a:schemeClr val="tx1"/>
+                      </a:solidFill>
+                      <a:prstDash val="solid"/>
+                      <a:round/>
+                      <a:headEnd type="none" w="med" len="med"/>
+                      <a:tailEnd type="none" w="med" len="med"/>
+                    </a:lnL>
+                    <a:lnR w="12700" cap="flat" cmpd="sng" algn="ctr">
+                      <a:solidFill>
+                        <a:schemeClr val="tx1"/>
+                      </a:solidFill>
+                      <a:prstDash val="solid"/>
+                      <a:round/>
+                      <a:headEnd type="none" w="med" len="med"/>
+                      <a:tailEnd type="none" w="med" len="med"/>
+                    </a:lnR>
+                    <a:lnT w="12700" cap="flat" cmpd="sng" algn="ctr">
+                      <a:solidFill>
+                        <a:schemeClr val="tx1"/>
+                      </a:solidFill>
+                      <a:prstDash val="solid"/>
+                      <a:round/>
+                      <a:headEnd type="none" w="med" len="med"/>
+                      <a:tailEnd type="none" w="med" len="med"/>
+                    </a:lnT>
+                    <a:lnB w="12700" cap="flat" cmpd="sng" algn="ctr">
+                      <a:solidFill>
+                        <a:schemeClr val="tx1"/>
+                      </a:solidFill>
+                      <a:prstDash val="solid"/>
+                      <a:round/>
+                      <a:headEnd type="none" w="med" len="med"/>
+                      <a:tailEnd type="none" w="med" len="med"/>
+                    </a:lnB>
+                  </a:tcPr>
+                </a:tc>
+                <a:tc>
+                  <a:txBody>
+                    <a:bodyPr/>
+                    <a:lstStyle/>
+                    <a:p>
+                      <a:r>
+                        <a:rPr lang="en-US" sz="1400" dirty="0" smtClean="0"/>
+                        <a:t>Clay</a:t>
+                      </a:r>
+                    </a:p>
+                    <a:p>
+                      <a:r>
+                        <a:rPr lang="en-US" sz="1400" dirty="0" err="1" smtClean="0"/>
+                        <a:t>clay@gmail.com</a:t>
+                      </a:r>
+                      <a:endParaRPr lang="en-US" sz="1400" dirty="0"/>
+                    </a:p>
+                  </a:txBody>
+                  <a:tcPr anchor="ctr">
+                    <a:lnL w="12700" cap="flat" cmpd="sng" algn="ctr">
+                      <a:solidFill>
+                        <a:schemeClr val="tx1"/>
+                      </a:solidFill>
+                      <a:prstDash val="solid"/>
+                      <a:round/>
+                      <a:headEnd type="none" w="med" len="med"/>
+                      <a:tailEnd type="none" w="med" len="med"/>
+                    </a:lnL>
+                    <a:lnR w="12700" cap="flat" cmpd="sng" algn="ctr">
+                      <a:solidFill>
+                        <a:schemeClr val="tx1"/>
+                      </a:solidFill>
+                      <a:prstDash val="solid"/>
+                      <a:round/>
+                      <a:headEnd type="none" w="med" len="med"/>
+                      <a:tailEnd type="none" w="med" len="med"/>
+                    </a:lnR>
+                    <a:lnT w="12700" cap="flat" cmpd="sng" algn="ctr">
+                      <a:solidFill>
+                        <a:schemeClr val="tx1"/>
+                      </a:solidFill>
+                      <a:prstDash val="solid"/>
+                      <a:round/>
+                      <a:headEnd type="none" w="med" len="med"/>
+                      <a:tailEnd type="none" w="med" len="med"/>
+                    </a:lnT>
+                    <a:lnB w="12700" cap="flat" cmpd="sng" algn="ctr">
+                      <a:solidFill>
+                        <a:schemeClr val="tx1"/>
+                      </a:solidFill>
+                      <a:prstDash val="solid"/>
+                      <a:round/>
+                      <a:headEnd type="none" w="med" len="med"/>
+                      <a:tailEnd type="none" w="med" len="med"/>
+                    </a:lnB>
+                  </a:tcPr>
+                </a:tc>
+                <a:tc>
+                  <a:txBody>
+                    <a:bodyPr/>
+                    <a:lstStyle/>
+                    <a:p>
+                      <a:pPr algn="l"/>
+                      <a:r>
+                        <a:rPr lang="en-US" sz="1400" dirty="0" smtClean="0"/>
+                        <a:t>Tutor</a:t>
+                      </a:r>
+                      <a:endParaRPr lang="en-US" sz="1400" dirty="0"/>
+                    </a:p>
+                  </a:txBody>
+                  <a:tcPr anchor="ctr">
+                    <a:lnL w="12700" cap="flat" cmpd="sng" algn="ctr">
+                      <a:solidFill>
+                        <a:schemeClr val="tx1"/>
+                      </a:solidFill>
+                      <a:prstDash val="solid"/>
+                      <a:round/>
+                      <a:headEnd type="none" w="med" len="med"/>
+                      <a:tailEnd type="none" w="med" len="med"/>
+                    </a:lnL>
+                    <a:lnR w="12700" cap="flat" cmpd="sng" algn="ctr">
+                      <a:solidFill>
+                        <a:schemeClr val="tx1"/>
+                      </a:solidFill>
+                      <a:prstDash val="solid"/>
+                      <a:round/>
+                      <a:headEnd type="none" w="med" len="med"/>
+                      <a:tailEnd type="none" w="med" len="med"/>
+                    </a:lnR>
+                    <a:lnT w="12700" cap="flat" cmpd="sng" algn="ctr">
+                      <a:solidFill>
+                        <a:schemeClr val="tx1"/>
+                      </a:solidFill>
+                      <a:prstDash val="solid"/>
+                      <a:round/>
+                      <a:headEnd type="none" w="med" len="med"/>
+                      <a:tailEnd type="none" w="med" len="med"/>
+                    </a:lnT>
+                    <a:lnB w="12700" cap="flat" cmpd="sng" algn="ctr">
+                      <a:solidFill>
+                        <a:schemeClr val="tx1"/>
+                      </a:solidFill>
+                      <a:prstDash val="solid"/>
+                      <a:round/>
+                      <a:headEnd type="none" w="med" len="med"/>
+                      <a:tailEnd type="none" w="med" len="med"/>
+                    </a:lnB>
+                  </a:tcPr>
+                </a:tc>
+                <a:tc>
+                  <a:txBody>
+                    <a:bodyPr/>
+                    <a:lstStyle/>
+                    <a:p>
+                      <a:pPr marL="0" marR="0" indent="0" algn="l" defTabSz="914400" rtl="0" eaLnBrk="1" fontAlgn="auto" latinLnBrk="0" hangingPunct="1">
+                        <a:lnSpc>
+                          <a:spcPct val="100000"/>
+                        </a:lnSpc>
+                        <a:spcBef>
+                          <a:spcPts val="0"/>
+                        </a:spcBef>
+                        <a:spcAft>
+                          <a:spcPts val="0"/>
+                        </a:spcAft>
+                        <a:buClrTx/>
+                        <a:buSzTx/>
+                        <a:buFontTx/>
+                        <a:buNone/>
+                        <a:tabLst/>
+                        <a:defRPr/>
+                      </a:pPr>
+                      <a:r>
+                        <a:rPr lang="en-US" sz="1400" dirty="0" smtClean="0"/>
+                        <a:t>Feb 20, 2011</a:t>
+                      </a:r>
+                    </a:p>
+                  </a:txBody>
+                  <a:tcPr anchor="ctr">
+                    <a:lnL w="12700" cap="flat" cmpd="sng" algn="ctr">
+                      <a:solidFill>
+                        <a:schemeClr val="tx1"/>
+                      </a:solidFill>
+                      <a:prstDash val="solid"/>
+                      <a:round/>
+                      <a:headEnd type="none" w="med" len="med"/>
+                      <a:tailEnd type="none" w="med" len="med"/>
+                    </a:lnL>
+                    <a:lnR w="12700" cap="flat" cmpd="sng" algn="ctr">
+                      <a:solidFill>
+                        <a:schemeClr val="tx1"/>
+                      </a:solidFill>
+                      <a:prstDash val="solid"/>
+                      <a:round/>
+                      <a:headEnd type="none" w="med" len="med"/>
+                      <a:tailEnd type="none" w="med" len="med"/>
+                    </a:lnR>
+                    <a:lnT w="12700" cap="flat" cmpd="sng" algn="ctr">
+                      <a:solidFill>
+                        <a:schemeClr val="tx1"/>
+                      </a:solidFill>
+                      <a:prstDash val="solid"/>
+                      <a:round/>
+                      <a:headEnd type="none" w="med" len="med"/>
+                      <a:tailEnd type="none" w="med" len="med"/>
+                    </a:lnT>
+                    <a:lnB w="12700" cap="flat" cmpd="sng" algn="ctr">
+                      <a:solidFill>
+                        <a:schemeClr val="tx1"/>
+                      </a:solidFill>
+                      <a:prstDash val="solid"/>
+                      <a:round/>
+                      <a:headEnd type="none" w="med" len="med"/>
+                      <a:tailEnd type="none" w="med" len="med"/>
+                    </a:lnB>
+                  </a:tcPr>
+                </a:tc>
+                <a:tc>
+                  <a:txBody>
+                    <a:bodyPr/>
+                    <a:lstStyle/>
+                    <a:p>
+                      <a:pPr algn="ctr"/>
+                      <a:r>
+                        <a:rPr lang="en-US" sz="1400" u="sng" dirty="0" smtClean="0">
+                          <a:solidFill>
+                            <a:schemeClr val="accent1"/>
+                          </a:solidFill>
+                        </a:rPr>
+                        <a:t>Edit</a:t>
+                      </a:r>
+                      <a:endParaRPr lang="en-US" sz="1400" u="sng" dirty="0">
+                        <a:solidFill>
+                          <a:schemeClr val="accent1"/>
+                        </a:solidFill>
+                      </a:endParaRPr>
+                    </a:p>
+                  </a:txBody>
+                  <a:tcPr anchor="ctr">
+                    <a:lnL w="12700" cap="flat" cmpd="sng" algn="ctr">
+                      <a:solidFill>
+                        <a:schemeClr val="tx1"/>
+                      </a:solidFill>
+                      <a:prstDash val="solid"/>
+                      <a:round/>
+                      <a:headEnd type="none" w="med" len="med"/>
+                      <a:tailEnd type="none" w="med" len="med"/>
+                    </a:lnL>
+                    <a:lnR w="12700" cap="flat" cmpd="sng" algn="ctr">
+                      <a:solidFill>
+                        <a:schemeClr val="tx1"/>
+                      </a:solidFill>
+                      <a:prstDash val="solid"/>
+                      <a:round/>
+                      <a:headEnd type="none" w="med" len="med"/>
+                      <a:tailEnd type="none" w="med" len="med"/>
+                    </a:lnR>
+                    <a:lnT w="12700" cap="flat" cmpd="sng" algn="ctr">
+                      <a:solidFill>
+                        <a:schemeClr val="tx1"/>
+                      </a:solidFill>
+                      <a:prstDash val="solid"/>
+                      <a:round/>
+                      <a:headEnd type="none" w="med" len="med"/>
+                      <a:tailEnd type="none" w="med" len="med"/>
+                    </a:lnT>
+                    <a:lnB w="12700" cap="flat" cmpd="sng" algn="ctr">
+                      <a:solidFill>
+                        <a:schemeClr val="tx1"/>
+                      </a:solidFill>
+                      <a:prstDash val="solid"/>
+                      <a:round/>
+                      <a:headEnd type="none" w="med" len="med"/>
+                      <a:tailEnd type="none" w="med" len="med"/>
+                    </a:lnB>
+                  </a:tcPr>
+                </a:tc>
+                <a:tc>
+                  <a:txBody>
+                    <a:bodyPr/>
+                    <a:lstStyle/>
+                    <a:p>
+                      <a:pPr algn="ctr"/>
+                      <a:r>
+                        <a:rPr lang="en-US" sz="1400" u="sng" dirty="0" smtClean="0">
+                          <a:solidFill>
+                            <a:schemeClr val="accent1"/>
+                          </a:solidFill>
+                        </a:rPr>
+                        <a:t>Delete</a:t>
+                      </a:r>
+                      <a:endParaRPr lang="en-US" sz="1400" u="sng" dirty="0">
+                        <a:solidFill>
+                          <a:schemeClr val="accent1"/>
+                        </a:solidFill>
+                      </a:endParaRPr>
+                    </a:p>
+                  </a:txBody>
+                  <a:tcPr anchor="ctr">
+                    <a:lnL w="12700" cap="flat" cmpd="sng" algn="ctr">
+                      <a:solidFill>
+                        <a:schemeClr val="tx1"/>
+                      </a:solidFill>
+                      <a:prstDash val="solid"/>
+                      <a:round/>
+                      <a:headEnd type="none" w="med" len="med"/>
+                      <a:tailEnd type="none" w="med" len="med"/>
+                    </a:lnL>
+                    <a:lnR w="12700" cap="flat" cmpd="sng" algn="ctr">
+                      <a:solidFill>
+                        <a:schemeClr val="tx1"/>
+                      </a:solidFill>
+                      <a:prstDash val="solid"/>
+                      <a:round/>
+                      <a:headEnd type="none" w="med" len="med"/>
+                      <a:tailEnd type="none" w="med" len="med"/>
+                    </a:lnR>
+                    <a:lnT w="12700" cap="flat" cmpd="sng" algn="ctr">
+                      <a:solidFill>
+                        <a:schemeClr val="tx1"/>
+                      </a:solidFill>
+                      <a:prstDash val="solid"/>
+                      <a:round/>
+                      <a:headEnd type="none" w="med" len="med"/>
+                      <a:tailEnd type="none" w="med" len="med"/>
+                    </a:lnT>
+                    <a:lnB w="12700" cap="flat" cmpd="sng" algn="ctr">
+                      <a:solidFill>
+                        <a:schemeClr val="tx1"/>
+                      </a:solidFill>
+                      <a:prstDash val="solid"/>
+                      <a:round/>
+                      <a:headEnd type="none" w="med" len="med"/>
+                      <a:tailEnd type="none" w="med" len="med"/>
+                    </a:lnB>
+                  </a:tcPr>
+                </a:tc>
+              </a:tr>
+              <a:tr h="453091">
+                <a:tc>
+                  <a:txBody>
+                    <a:bodyPr/>
+                    <a:lstStyle/>
+                    <a:p>
+                      <a:pPr algn="ctr"/>
+                      <a:r>
+                        <a:rPr lang="en-US" sz="1400" dirty="0" smtClean="0"/>
+                        <a:t>5</a:t>
+                      </a:r>
+                      <a:endParaRPr lang="en-US" sz="1400" dirty="0"/>
+                    </a:p>
+                  </a:txBody>
+                  <a:tcPr anchor="ctr">
+                    <a:lnL w="12700" cap="flat" cmpd="sng" algn="ctr">
+                      <a:solidFill>
+                        <a:schemeClr val="tx1"/>
+                      </a:solidFill>
+                      <a:prstDash val="solid"/>
+                      <a:round/>
+                      <a:headEnd type="none" w="med" len="med"/>
+                      <a:tailEnd type="none" w="med" len="med"/>
+                    </a:lnL>
+                    <a:lnR w="12700" cap="flat" cmpd="sng" algn="ctr">
+                      <a:solidFill>
+                        <a:schemeClr val="tx1"/>
+                      </a:solidFill>
+                      <a:prstDash val="solid"/>
+                      <a:round/>
+                      <a:headEnd type="none" w="med" len="med"/>
+                      <a:tailEnd type="none" w="med" len="med"/>
+                    </a:lnR>
+                    <a:lnT w="12700" cap="flat" cmpd="sng" algn="ctr">
+                      <a:solidFill>
+                        <a:schemeClr val="tx1"/>
+                      </a:solidFill>
+                      <a:prstDash val="solid"/>
+                      <a:round/>
+                      <a:headEnd type="none" w="med" len="med"/>
+                      <a:tailEnd type="none" w="med" len="med"/>
+                    </a:lnT>
+                    <a:lnB w="12700" cap="flat" cmpd="sng" algn="ctr">
+                      <a:solidFill>
+                        <a:schemeClr val="tx1"/>
+                      </a:solidFill>
+                      <a:prstDash val="solid"/>
+                      <a:round/>
+                      <a:headEnd type="none" w="med" len="med"/>
+                      <a:tailEnd type="none" w="med" len="med"/>
+                    </a:lnB>
+                  </a:tcPr>
+                </a:tc>
+                <a:tc>
+                  <a:txBody>
+                    <a:bodyPr/>
+                    <a:lstStyle/>
+                    <a:p>
+                      <a:pPr marL="0" marR="0" indent="0" algn="l" defTabSz="914400" rtl="0" eaLnBrk="1" fontAlgn="auto" latinLnBrk="0" hangingPunct="1">
+                        <a:lnSpc>
+                          <a:spcPct val="100000"/>
+                        </a:lnSpc>
+                        <a:spcBef>
+                          <a:spcPts val="0"/>
+                        </a:spcBef>
+                        <a:spcAft>
+                          <a:spcPts val="0"/>
+                        </a:spcAft>
+                        <a:buClrTx/>
+                        <a:buSzTx/>
+                        <a:buFontTx/>
+                        <a:buNone/>
+                        <a:tabLst/>
+                        <a:defRPr/>
+                      </a:pPr>
+                      <a:r>
+                        <a:rPr lang="en-US" sz="1400" dirty="0" smtClean="0"/>
+                        <a:t>Ayn Rand</a:t>
+                      </a:r>
+                    </a:p>
+                    <a:p>
+                      <a:pPr marL="0" marR="0" indent="0" algn="l" defTabSz="914400" rtl="0" eaLnBrk="1" fontAlgn="auto" latinLnBrk="0" hangingPunct="1">
+                        <a:lnSpc>
+                          <a:spcPct val="100000"/>
+                        </a:lnSpc>
+                        <a:spcBef>
+                          <a:spcPts val="0"/>
+                        </a:spcBef>
+                        <a:spcAft>
+                          <a:spcPts val="0"/>
+                        </a:spcAft>
+                        <a:buClrTx/>
+                        <a:buSzTx/>
+                        <a:buFontTx/>
+                        <a:buNone/>
+                        <a:tabLst/>
+                        <a:defRPr/>
+                      </a:pPr>
+                      <a:r>
+                        <a:rPr lang="en-US" sz="1400" dirty="0" err="1" smtClean="0"/>
+                        <a:t>aynrand@gmail.com</a:t>
+                      </a:r>
+                      <a:endParaRPr lang="en-US" sz="1400" dirty="0" smtClean="0"/>
+                    </a:p>
+                  </a:txBody>
+                  <a:tcPr anchor="ctr">
+                    <a:lnL w="12700" cap="flat" cmpd="sng" algn="ctr">
+                      <a:solidFill>
+                        <a:schemeClr val="tx1"/>
+                      </a:solidFill>
+                      <a:prstDash val="solid"/>
+                      <a:round/>
+                      <a:headEnd type="none" w="med" len="med"/>
+                      <a:tailEnd type="none" w="med" len="med"/>
+                    </a:lnL>
+                    <a:lnR w="12700" cap="flat" cmpd="sng" algn="ctr">
+                      <a:solidFill>
+                        <a:schemeClr val="tx1"/>
+                      </a:solidFill>
+                      <a:prstDash val="solid"/>
+                      <a:round/>
+                      <a:headEnd type="none" w="med" len="med"/>
+                      <a:tailEnd type="none" w="med" len="med"/>
+                    </a:lnR>
+                    <a:lnT w="12700" cap="flat" cmpd="sng" algn="ctr">
+                      <a:solidFill>
+                        <a:schemeClr val="tx1"/>
+                      </a:solidFill>
+                      <a:prstDash val="solid"/>
+                      <a:round/>
+                      <a:headEnd type="none" w="med" len="med"/>
+                      <a:tailEnd type="none" w="med" len="med"/>
+                    </a:lnT>
+                    <a:lnB w="12700" cap="flat" cmpd="sng" algn="ctr">
+                      <a:solidFill>
+                        <a:schemeClr val="tx1"/>
+                      </a:solidFill>
+                      <a:prstDash val="solid"/>
+                      <a:round/>
+                      <a:headEnd type="none" w="med" len="med"/>
+                      <a:tailEnd type="none" w="med" len="med"/>
+                    </a:lnB>
+                  </a:tcPr>
+                </a:tc>
+                <a:tc>
+                  <a:txBody>
+                    <a:bodyPr/>
+                    <a:lstStyle/>
+                    <a:p>
+                      <a:pPr algn="l"/>
+                      <a:r>
+                        <a:rPr lang="en-US" sz="1400" dirty="0" smtClean="0"/>
+                        <a:t>Student</a:t>
+                      </a:r>
+                      <a:endParaRPr lang="en-US" sz="1400" dirty="0"/>
+                    </a:p>
+                  </a:txBody>
+                  <a:tcPr anchor="ctr">
+                    <a:lnL w="12700" cap="flat" cmpd="sng" algn="ctr">
+                      <a:solidFill>
+                        <a:schemeClr val="tx1"/>
+                      </a:solidFill>
+                      <a:prstDash val="solid"/>
+                      <a:round/>
+                      <a:headEnd type="none" w="med" len="med"/>
+                      <a:tailEnd type="none" w="med" len="med"/>
+                    </a:lnL>
+                    <a:lnR w="12700" cap="flat" cmpd="sng" algn="ctr">
+                      <a:solidFill>
+                        <a:schemeClr val="tx1"/>
+                      </a:solidFill>
+                      <a:prstDash val="solid"/>
+                      <a:round/>
+                      <a:headEnd type="none" w="med" len="med"/>
+                      <a:tailEnd type="none" w="med" len="med"/>
+                    </a:lnR>
+                    <a:lnT w="12700" cap="flat" cmpd="sng" algn="ctr">
+                      <a:solidFill>
+                        <a:schemeClr val="tx1"/>
+                      </a:solidFill>
+                      <a:prstDash val="solid"/>
+                      <a:round/>
+                      <a:headEnd type="none" w="med" len="med"/>
+                      <a:tailEnd type="none" w="med" len="med"/>
+                    </a:lnT>
+                    <a:lnB w="12700" cap="flat" cmpd="sng" algn="ctr">
+                      <a:solidFill>
+                        <a:schemeClr val="tx1"/>
+                      </a:solidFill>
+                      <a:prstDash val="solid"/>
+                      <a:round/>
+                      <a:headEnd type="none" w="med" len="med"/>
+                      <a:tailEnd type="none" w="med" len="med"/>
+                    </a:lnB>
+                  </a:tcPr>
+                </a:tc>
+                <a:tc>
+                  <a:txBody>
+                    <a:bodyPr/>
+                    <a:lstStyle/>
+                    <a:p>
+                      <a:pPr algn="l"/>
+                      <a:r>
+                        <a:rPr lang="en-US" sz="1400" dirty="0" smtClean="0"/>
+                        <a:t>Jan 12, 201</a:t>
+                      </a:r>
+                      <a:r>
+                        <a:rPr lang="en-US" sz="1400" baseline="0" dirty="0" smtClean="0"/>
+                        <a:t>1</a:t>
+                      </a:r>
+                      <a:endParaRPr lang="en-US" sz="1400" dirty="0"/>
+                    </a:p>
+                  </a:txBody>
+                  <a:tcPr anchor="ctr">
+                    <a:lnL w="12700" cap="flat" cmpd="sng" algn="ctr">
+                      <a:solidFill>
+                        <a:schemeClr val="tx1"/>
+                      </a:solidFill>
+                      <a:prstDash val="solid"/>
+                      <a:round/>
+                      <a:headEnd type="none" w="med" len="med"/>
+                      <a:tailEnd type="none" w="med" len="med"/>
+                    </a:lnL>
+                    <a:lnR w="12700" cap="flat" cmpd="sng" algn="ctr">
+                      <a:solidFill>
+                        <a:schemeClr val="tx1"/>
+                      </a:solidFill>
+                      <a:prstDash val="solid"/>
+                      <a:round/>
+                      <a:headEnd type="none" w="med" len="med"/>
+                      <a:tailEnd type="none" w="med" len="med"/>
+                    </a:lnR>
+                    <a:lnT w="12700" cap="flat" cmpd="sng" algn="ctr">
+                      <a:solidFill>
+                        <a:schemeClr val="tx1"/>
+                      </a:solidFill>
+                      <a:prstDash val="solid"/>
+                      <a:round/>
+                      <a:headEnd type="none" w="med" len="med"/>
+                      <a:tailEnd type="none" w="med" len="med"/>
+                    </a:lnT>
+                    <a:lnB w="12700" cap="flat" cmpd="sng" algn="ctr">
+                      <a:solidFill>
+                        <a:schemeClr val="tx1"/>
+                      </a:solidFill>
+                      <a:prstDash val="solid"/>
+                      <a:round/>
+                      <a:headEnd type="none" w="med" len="med"/>
+                      <a:tailEnd type="none" w="med" len="med"/>
+                    </a:lnB>
+                  </a:tcPr>
+                </a:tc>
+                <a:tc>
+                  <a:txBody>
+                    <a:bodyPr/>
+                    <a:lstStyle/>
+                    <a:p>
+                      <a:pPr algn="ctr"/>
+                      <a:r>
+                        <a:rPr lang="en-US" sz="1400" u="sng" dirty="0" smtClean="0">
+                          <a:solidFill>
+                            <a:schemeClr val="accent1"/>
+                          </a:solidFill>
+                        </a:rPr>
+                        <a:t>Edit</a:t>
+                      </a:r>
+                      <a:endParaRPr lang="en-US" sz="1400" u="sng" dirty="0">
+                        <a:solidFill>
+                          <a:schemeClr val="accent1"/>
+                        </a:solidFill>
+                      </a:endParaRPr>
+                    </a:p>
+                  </a:txBody>
+                  <a:tcPr anchor="ctr">
+                    <a:lnL w="12700" cap="flat" cmpd="sng" algn="ctr">
+                      <a:solidFill>
+                        <a:schemeClr val="tx1"/>
+                      </a:solidFill>
+                      <a:prstDash val="solid"/>
+                      <a:round/>
+                      <a:headEnd type="none" w="med" len="med"/>
+                      <a:tailEnd type="none" w="med" len="med"/>
+                    </a:lnL>
+                    <a:lnR w="12700" cap="flat" cmpd="sng" algn="ctr">
+                      <a:solidFill>
+                        <a:schemeClr val="tx1"/>
+                      </a:solidFill>
+                      <a:prstDash val="solid"/>
+                      <a:round/>
+                      <a:headEnd type="none" w="med" len="med"/>
+                      <a:tailEnd type="none" w="med" len="med"/>
+                    </a:lnR>
+                    <a:lnT w="12700" cap="flat" cmpd="sng" algn="ctr">
+                      <a:solidFill>
+                        <a:schemeClr val="tx1"/>
+                      </a:solidFill>
+                      <a:prstDash val="solid"/>
+                      <a:round/>
+                      <a:headEnd type="none" w="med" len="med"/>
+                      <a:tailEnd type="none" w="med" len="med"/>
+                    </a:lnT>
+                    <a:lnB w="12700" cap="flat" cmpd="sng" algn="ctr">
+                      <a:solidFill>
+                        <a:schemeClr val="tx1"/>
+                      </a:solidFill>
+                      <a:prstDash val="solid"/>
+                      <a:round/>
+                      <a:headEnd type="none" w="med" len="med"/>
+                      <a:tailEnd type="none" w="med" len="med"/>
+                    </a:lnB>
+                  </a:tcPr>
+                </a:tc>
+                <a:tc>
+                  <a:txBody>
+                    <a:bodyPr/>
+                    <a:lstStyle/>
+                    <a:p>
+                      <a:pPr algn="ctr"/>
+                      <a:r>
+                        <a:rPr lang="en-US" sz="1400" u="sng" dirty="0" smtClean="0">
+                          <a:solidFill>
+                            <a:schemeClr val="accent1"/>
+                          </a:solidFill>
+                        </a:rPr>
+                        <a:t>Delete</a:t>
+                      </a:r>
+                      <a:endParaRPr lang="en-US" sz="1400" u="sng" dirty="0">
+                        <a:solidFill>
+                          <a:schemeClr val="accent1"/>
+                        </a:solidFill>
+                      </a:endParaRPr>
+                    </a:p>
+                  </a:txBody>
+                  <a:tcPr anchor="ctr">
+                    <a:lnL w="12700" cap="flat" cmpd="sng" algn="ctr">
+                      <a:solidFill>
+                        <a:schemeClr val="tx1"/>
+                      </a:solidFill>
+                      <a:prstDash val="solid"/>
+                      <a:round/>
+                      <a:headEnd type="none" w="med" len="med"/>
+                      <a:tailEnd type="none" w="med" len="med"/>
+                    </a:lnL>
+                    <a:lnR w="12700" cap="flat" cmpd="sng" algn="ctr">
+                      <a:solidFill>
+                        <a:schemeClr val="tx1"/>
+                      </a:solidFill>
+                      <a:prstDash val="solid"/>
+                      <a:round/>
+                      <a:headEnd type="none" w="med" len="med"/>
+                      <a:tailEnd type="none" w="med" len="med"/>
+                    </a:lnR>
+                    <a:lnT w="12700" cap="flat" cmpd="sng" algn="ctr">
+                      <a:solidFill>
+                        <a:schemeClr val="tx1"/>
+                      </a:solidFill>
+                      <a:prstDash val="solid"/>
+                      <a:round/>
+                      <a:headEnd type="none" w="med" len="med"/>
+                      <a:tailEnd type="none" w="med" len="med"/>
+                    </a:lnT>
+                    <a:lnB w="12700" cap="flat" cmpd="sng" algn="ctr">
+                      <a:solidFill>
+                        <a:schemeClr val="tx1"/>
+                      </a:solidFill>
+                      <a:prstDash val="solid"/>
+                      <a:round/>
+                      <a:headEnd type="none" w="med" len="med"/>
+                      <a:tailEnd type="none" w="med" len="med"/>
+                    </a:lnB>
+                  </a:tcPr>
+                </a:tc>
+              </a:tr>
+              <a:tr h="453091">
+                <a:tc>
+                  <a:txBody>
+                    <a:bodyPr/>
+                    <a:lstStyle/>
+                    <a:p>
+                      <a:pPr algn="ctr"/>
+                      <a:r>
+                        <a:rPr lang="en-US" sz="1400" dirty="0" smtClean="0"/>
+                        <a:t>6</a:t>
+                      </a:r>
+                      <a:endParaRPr lang="en-US" sz="1400" dirty="0"/>
+                    </a:p>
+                  </a:txBody>
+                  <a:tcPr anchor="ctr">
+                    <a:lnL w="12700" cap="flat" cmpd="sng" algn="ctr">
+                      <a:solidFill>
+                        <a:schemeClr val="tx1"/>
+                      </a:solidFill>
+                      <a:prstDash val="solid"/>
+                      <a:round/>
+                      <a:headEnd type="none" w="med" len="med"/>
+                      <a:tailEnd type="none" w="med" len="med"/>
+                    </a:lnL>
+                    <a:lnR w="12700" cap="flat" cmpd="sng" algn="ctr">
+                      <a:solidFill>
+                        <a:schemeClr val="tx1"/>
+                      </a:solidFill>
+                      <a:prstDash val="solid"/>
+                      <a:round/>
+                      <a:headEnd type="none" w="med" len="med"/>
+                      <a:tailEnd type="none" w="med" len="med"/>
+                    </a:lnR>
+                    <a:lnT w="12700" cap="flat" cmpd="sng" algn="ctr">
+                      <a:solidFill>
+                        <a:schemeClr val="tx1"/>
+                      </a:solidFill>
+                      <a:prstDash val="solid"/>
+                      <a:round/>
+                      <a:headEnd type="none" w="med" len="med"/>
+                      <a:tailEnd type="none" w="med" len="med"/>
+                    </a:lnT>
+                    <a:lnB w="12700" cap="flat" cmpd="sng" algn="ctr">
+                      <a:solidFill>
+                        <a:schemeClr val="tx1"/>
+                      </a:solidFill>
+                      <a:prstDash val="solid"/>
+                      <a:round/>
+                      <a:headEnd type="none" w="med" len="med"/>
+                      <a:tailEnd type="none" w="med" len="med"/>
+                    </a:lnB>
+                  </a:tcPr>
+                </a:tc>
+                <a:tc>
+                  <a:txBody>
+                    <a:bodyPr/>
+                    <a:lstStyle/>
+                    <a:p>
+                      <a:pPr algn="l"/>
+                      <a:r>
+                        <a:rPr lang="en-US" sz="1400" dirty="0" smtClean="0"/>
+                        <a:t>Mario </a:t>
+                      </a:r>
+                      <a:r>
+                        <a:rPr lang="en-US" sz="1400" dirty="0" err="1" smtClean="0"/>
+                        <a:t>Puzo</a:t>
+                      </a:r>
+                      <a:endParaRPr lang="en-US" sz="1400" dirty="0" smtClean="0"/>
+                    </a:p>
+                    <a:p>
+                      <a:pPr algn="l"/>
+                      <a:r>
+                        <a:rPr lang="en-US" sz="1400" dirty="0" err="1" smtClean="0"/>
+                        <a:t>mariopuzo@gmail.com</a:t>
+                      </a:r>
+                      <a:endParaRPr lang="en-US" sz="1400" dirty="0"/>
+                    </a:p>
+                  </a:txBody>
+                  <a:tcPr anchor="ctr">
+                    <a:lnL w="12700" cap="flat" cmpd="sng" algn="ctr">
+                      <a:solidFill>
+                        <a:schemeClr val="tx1"/>
+                      </a:solidFill>
+                      <a:prstDash val="solid"/>
+                      <a:round/>
+                      <a:headEnd type="none" w="med" len="med"/>
+                      <a:tailEnd type="none" w="med" len="med"/>
+                    </a:lnL>
+                    <a:lnR w="12700" cap="flat" cmpd="sng" algn="ctr">
+                      <a:solidFill>
+                        <a:schemeClr val="tx1"/>
+                      </a:solidFill>
+                      <a:prstDash val="solid"/>
+                      <a:round/>
+                      <a:headEnd type="none" w="med" len="med"/>
+                      <a:tailEnd type="none" w="med" len="med"/>
+                    </a:lnR>
+                    <a:lnT w="12700" cap="flat" cmpd="sng" algn="ctr">
+                      <a:solidFill>
+                        <a:schemeClr val="tx1"/>
+                      </a:solidFill>
+                      <a:prstDash val="solid"/>
+                      <a:round/>
+                      <a:headEnd type="none" w="med" len="med"/>
+                      <a:tailEnd type="none" w="med" len="med"/>
+                    </a:lnT>
+                    <a:lnB w="12700" cap="flat" cmpd="sng" algn="ctr">
+                      <a:solidFill>
+                        <a:schemeClr val="tx1"/>
+                      </a:solidFill>
+                      <a:prstDash val="solid"/>
+                      <a:round/>
+                      <a:headEnd type="none" w="med" len="med"/>
+                      <a:tailEnd type="none" w="med" len="med"/>
+                    </a:lnB>
+                  </a:tcPr>
+                </a:tc>
+                <a:tc>
+                  <a:txBody>
+                    <a:bodyPr/>
+                    <a:lstStyle/>
+                    <a:p>
+                      <a:pPr algn="l"/>
+                      <a:r>
+                        <a:rPr lang="en-US" sz="1400" dirty="0" smtClean="0"/>
+                        <a:t>Student</a:t>
+                      </a:r>
+                      <a:endParaRPr lang="en-US" sz="1400" dirty="0"/>
+                    </a:p>
+                  </a:txBody>
+                  <a:tcPr anchor="ctr">
+                    <a:lnL w="12700" cap="flat" cmpd="sng" algn="ctr">
+                      <a:solidFill>
+                        <a:schemeClr val="tx1"/>
+                      </a:solidFill>
+                      <a:prstDash val="solid"/>
+                      <a:round/>
+                      <a:headEnd type="none" w="med" len="med"/>
+                      <a:tailEnd type="none" w="med" len="med"/>
+                    </a:lnL>
+                    <a:lnR w="12700" cap="flat" cmpd="sng" algn="ctr">
+                      <a:solidFill>
+                        <a:schemeClr val="tx1"/>
+                      </a:solidFill>
+                      <a:prstDash val="solid"/>
+                      <a:round/>
+                      <a:headEnd type="none" w="med" len="med"/>
+                      <a:tailEnd type="none" w="med" len="med"/>
+                    </a:lnR>
+                    <a:lnT w="12700" cap="flat" cmpd="sng" algn="ctr">
+                      <a:solidFill>
+                        <a:schemeClr val="tx1"/>
+                      </a:solidFill>
+                      <a:prstDash val="solid"/>
+                      <a:round/>
+                      <a:headEnd type="none" w="med" len="med"/>
+                      <a:tailEnd type="none" w="med" len="med"/>
+                    </a:lnT>
+                    <a:lnB w="12700" cap="flat" cmpd="sng" algn="ctr">
+                      <a:solidFill>
+                        <a:schemeClr val="tx1"/>
+                      </a:solidFill>
+                      <a:prstDash val="solid"/>
+                      <a:round/>
+                      <a:headEnd type="none" w="med" len="med"/>
+                      <a:tailEnd type="none" w="med" len="med"/>
+                    </a:lnB>
+                  </a:tcPr>
+                </a:tc>
+                <a:tc>
+                  <a:txBody>
+                    <a:bodyPr/>
+                    <a:lstStyle/>
+                    <a:p>
+                      <a:pPr algn="l"/>
+                      <a:r>
+                        <a:rPr lang="en-US" sz="1400" dirty="0" smtClean="0"/>
+                        <a:t>Jan 15, 2012</a:t>
+                      </a:r>
+                      <a:endParaRPr lang="en-US" sz="1400" dirty="0"/>
+                    </a:p>
+                  </a:txBody>
+                  <a:tcPr anchor="ctr">
+                    <a:lnL w="12700" cap="flat" cmpd="sng" algn="ctr">
+                      <a:solidFill>
+                        <a:schemeClr val="tx1"/>
+                      </a:solidFill>
+                      <a:prstDash val="solid"/>
+                      <a:round/>
+                      <a:headEnd type="none" w="med" len="med"/>
+                      <a:tailEnd type="none" w="med" len="med"/>
+                    </a:lnL>
+                    <a:lnR w="12700" cap="flat" cmpd="sng" algn="ctr">
+                      <a:solidFill>
+                        <a:schemeClr val="tx1"/>
+                      </a:solidFill>
+                      <a:prstDash val="solid"/>
+                      <a:round/>
+                      <a:headEnd type="none" w="med" len="med"/>
+                      <a:tailEnd type="none" w="med" len="med"/>
+                    </a:lnR>
+                    <a:lnT w="12700" cap="flat" cmpd="sng" algn="ctr">
+                      <a:solidFill>
+                        <a:schemeClr val="tx1"/>
+                      </a:solidFill>
+                      <a:prstDash val="solid"/>
+                      <a:round/>
+                      <a:headEnd type="none" w="med" len="med"/>
+                      <a:tailEnd type="none" w="med" len="med"/>
+                    </a:lnT>
+                    <a:lnB w="12700" cap="flat" cmpd="sng" algn="ctr">
+                      <a:solidFill>
+                        <a:schemeClr val="tx1"/>
+                      </a:solidFill>
+                      <a:prstDash val="solid"/>
+                      <a:round/>
+                      <a:headEnd type="none" w="med" len="med"/>
+                      <a:tailEnd type="none" w="med" len="med"/>
+                    </a:lnB>
+                  </a:tcPr>
+                </a:tc>
+                <a:tc>
+                  <a:txBody>
+                    <a:bodyPr/>
+                    <a:lstStyle/>
+                    <a:p>
+                      <a:pPr algn="ctr"/>
+                      <a:r>
+                        <a:rPr lang="en-US" sz="1400" u="sng" dirty="0" smtClean="0">
+                          <a:solidFill>
+                            <a:schemeClr val="accent1"/>
+                          </a:solidFill>
+                        </a:rPr>
+                        <a:t>Edit</a:t>
+                      </a:r>
+                      <a:endParaRPr lang="en-US" sz="1400" u="sng" dirty="0">
+                        <a:solidFill>
+                          <a:schemeClr val="accent1"/>
+                        </a:solidFill>
+                      </a:endParaRPr>
+                    </a:p>
+                  </a:txBody>
+                  <a:tcPr anchor="ctr">
+                    <a:lnL w="12700" cap="flat" cmpd="sng" algn="ctr">
+                      <a:solidFill>
+                        <a:schemeClr val="tx1"/>
+                      </a:solidFill>
+                      <a:prstDash val="solid"/>
+                      <a:round/>
+                      <a:headEnd type="none" w="med" len="med"/>
+                      <a:tailEnd type="none" w="med" len="med"/>
+                    </a:lnL>
+                    <a:lnR w="12700" cap="flat" cmpd="sng" algn="ctr">
+                      <a:solidFill>
+                        <a:schemeClr val="tx1"/>
+                      </a:solidFill>
+                      <a:prstDash val="solid"/>
+                      <a:round/>
+                      <a:headEnd type="none" w="med" len="med"/>
+                      <a:tailEnd type="none" w="med" len="med"/>
+                    </a:lnR>
+                    <a:lnT w="12700" cap="flat" cmpd="sng" algn="ctr">
+                      <a:solidFill>
+                        <a:schemeClr val="tx1"/>
+                      </a:solidFill>
+                      <a:prstDash val="solid"/>
+                      <a:round/>
+                      <a:headEnd type="none" w="med" len="med"/>
+                      <a:tailEnd type="none" w="med" len="med"/>
+                    </a:lnT>
+                    <a:lnB w="12700" cap="flat" cmpd="sng" algn="ctr">
+                      <a:solidFill>
+                        <a:schemeClr val="tx1"/>
+                      </a:solidFill>
+                      <a:prstDash val="solid"/>
+                      <a:round/>
+                      <a:headEnd type="none" w="med" len="med"/>
+                      <a:tailEnd type="none" w="med" len="med"/>
+                    </a:lnB>
+                  </a:tcPr>
+                </a:tc>
+                <a:tc>
+                  <a:txBody>
+                    <a:bodyPr/>
+                    <a:lstStyle/>
+                    <a:p>
+                      <a:pPr algn="ctr"/>
+                      <a:r>
+                        <a:rPr lang="en-US" sz="1400" u="sng" dirty="0" smtClean="0">
+                          <a:solidFill>
+                            <a:schemeClr val="accent1"/>
+                          </a:solidFill>
+                        </a:rPr>
+                        <a:t>Delete</a:t>
+                      </a:r>
+                      <a:endParaRPr lang="en-US" sz="1400" u="sng" dirty="0">
+                        <a:solidFill>
+                          <a:schemeClr val="accent1"/>
+                        </a:solidFill>
+                      </a:endParaRPr>
+                    </a:p>
+                  </a:txBody>
+                  <a:tcPr anchor="ctr">
+                    <a:lnL w="12700" cap="flat" cmpd="sng" algn="ctr">
+                      <a:solidFill>
+                        <a:schemeClr val="tx1"/>
+                      </a:solidFill>
+                      <a:prstDash val="solid"/>
+                      <a:round/>
+                      <a:headEnd type="none" w="med" len="med"/>
+                      <a:tailEnd type="none" w="med" len="med"/>
+                    </a:lnL>
+                    <a:lnR w="12700" cap="flat" cmpd="sng" algn="ctr">
+                      <a:solidFill>
+                        <a:schemeClr val="tx1"/>
+                      </a:solidFill>
+                      <a:prstDash val="solid"/>
+                      <a:round/>
+                      <a:headEnd type="none" w="med" len="med"/>
+                      <a:tailEnd type="none" w="med" len="med"/>
+                    </a:lnR>
+                    <a:lnT w="12700" cap="flat" cmpd="sng" algn="ctr">
+                      <a:solidFill>
+                        <a:schemeClr val="tx1"/>
+                      </a:solidFill>
+                      <a:prstDash val="solid"/>
+                      <a:round/>
+                      <a:headEnd type="none" w="med" len="med"/>
+                      <a:tailEnd type="none" w="med" len="med"/>
+                    </a:lnT>
+                    <a:lnB w="12700" cap="flat" cmpd="sng" algn="ctr">
+                      <a:solidFill>
+                        <a:schemeClr val="tx1"/>
+                      </a:solidFill>
+                      <a:prstDash val="solid"/>
+                      <a:round/>
+                      <a:headEnd type="none" w="med" len="med"/>
+                      <a:tailEnd type="none" w="med" len="med"/>
+                    </a:lnB>
+                  </a:tcPr>
+                </a:tc>
+              </a:tr>
+              <a:tr h="453091">
+                <a:tc>
+                  <a:txBody>
+                    <a:bodyPr/>
+                    <a:lstStyle/>
+                    <a:p>
+                      <a:pPr algn="ctr"/>
+                      <a:r>
+                        <a:rPr lang="en-US" sz="1400" dirty="0" smtClean="0"/>
+                        <a:t>7</a:t>
+                      </a:r>
+                      <a:endParaRPr lang="en-US" sz="1400" dirty="0"/>
+                    </a:p>
+                  </a:txBody>
+                  <a:tcPr anchor="ctr">
+                    <a:lnL w="12700" cap="flat" cmpd="sng" algn="ctr">
+                      <a:solidFill>
+                        <a:schemeClr val="tx1"/>
+                      </a:solidFill>
+                      <a:prstDash val="solid"/>
+                      <a:round/>
+                      <a:headEnd type="none" w="med" len="med"/>
+                      <a:tailEnd type="none" w="med" len="med"/>
+                    </a:lnL>
+                    <a:lnR w="12700" cap="flat" cmpd="sng" algn="ctr">
+                      <a:solidFill>
+                        <a:schemeClr val="tx1"/>
+                      </a:solidFill>
+                      <a:prstDash val="solid"/>
+                      <a:round/>
+                      <a:headEnd type="none" w="med" len="med"/>
+                      <a:tailEnd type="none" w="med" len="med"/>
+                    </a:lnR>
+                    <a:lnT w="12700" cap="flat" cmpd="sng" algn="ctr">
+                      <a:solidFill>
+                        <a:schemeClr val="tx1"/>
+                      </a:solidFill>
+                      <a:prstDash val="solid"/>
+                      <a:round/>
+                      <a:headEnd type="none" w="med" len="med"/>
+                      <a:tailEnd type="none" w="med" len="med"/>
+                    </a:lnT>
+                    <a:lnB w="12700" cap="flat" cmpd="sng" algn="ctr">
+                      <a:solidFill>
+                        <a:schemeClr val="tx1"/>
+                      </a:solidFill>
+                      <a:prstDash val="solid"/>
+                      <a:round/>
+                      <a:headEnd type="none" w="med" len="med"/>
+                      <a:tailEnd type="none" w="med" len="med"/>
+                    </a:lnB>
+                  </a:tcPr>
+                </a:tc>
+                <a:tc>
+                  <a:txBody>
+                    <a:bodyPr/>
+                    <a:lstStyle/>
+                    <a:p>
+                      <a:pPr algn="l"/>
+                      <a:r>
+                        <a:rPr lang="en-US" sz="1400" dirty="0" smtClean="0"/>
+                        <a:t>Dale Carnegie</a:t>
+                      </a:r>
+                    </a:p>
+                    <a:p>
+                      <a:pPr algn="l"/>
+                      <a:r>
+                        <a:rPr lang="en-US" sz="1400" dirty="0" err="1" smtClean="0"/>
+                        <a:t>dalecarnegie@gmail.com</a:t>
+                      </a:r>
+                      <a:endParaRPr lang="en-US" sz="1400" dirty="0"/>
+                    </a:p>
+                  </a:txBody>
+                  <a:tcPr anchor="ctr">
+                    <a:lnL w="12700" cap="flat" cmpd="sng" algn="ctr">
+                      <a:solidFill>
+                        <a:schemeClr val="tx1"/>
+                      </a:solidFill>
+                      <a:prstDash val="solid"/>
+                      <a:round/>
+                      <a:headEnd type="none" w="med" len="med"/>
+                      <a:tailEnd type="none" w="med" len="med"/>
+                    </a:lnL>
+                    <a:lnR w="12700" cap="flat" cmpd="sng" algn="ctr">
+                      <a:solidFill>
+                        <a:schemeClr val="tx1"/>
+                      </a:solidFill>
+                      <a:prstDash val="solid"/>
+                      <a:round/>
+                      <a:headEnd type="none" w="med" len="med"/>
+                      <a:tailEnd type="none" w="med" len="med"/>
+                    </a:lnR>
+                    <a:lnT w="12700" cap="flat" cmpd="sng" algn="ctr">
+                      <a:solidFill>
+                        <a:schemeClr val="tx1"/>
+                      </a:solidFill>
+                      <a:prstDash val="solid"/>
+                      <a:round/>
+                      <a:headEnd type="none" w="med" len="med"/>
+                      <a:tailEnd type="none" w="med" len="med"/>
+                    </a:lnT>
+                    <a:lnB w="12700" cap="flat" cmpd="sng" algn="ctr">
+                      <a:solidFill>
+                        <a:schemeClr val="tx1"/>
+                      </a:solidFill>
+                      <a:prstDash val="solid"/>
+                      <a:round/>
+                      <a:headEnd type="none" w="med" len="med"/>
+                      <a:tailEnd type="none" w="med" len="med"/>
+                    </a:lnB>
+                  </a:tcPr>
+                </a:tc>
+                <a:tc>
+                  <a:txBody>
+                    <a:bodyPr/>
+                    <a:lstStyle/>
+                    <a:p>
+                      <a:pPr algn="l"/>
+                      <a:r>
+                        <a:rPr lang="en-US" sz="1400" dirty="0" smtClean="0"/>
+                        <a:t>Student</a:t>
+                      </a:r>
+                      <a:endParaRPr lang="en-US" sz="1400" dirty="0"/>
+                    </a:p>
+                  </a:txBody>
+                  <a:tcPr anchor="ctr">
+                    <a:lnL w="12700" cap="flat" cmpd="sng" algn="ctr">
+                      <a:solidFill>
+                        <a:schemeClr val="tx1"/>
+                      </a:solidFill>
+                      <a:prstDash val="solid"/>
+                      <a:round/>
+                      <a:headEnd type="none" w="med" len="med"/>
+                      <a:tailEnd type="none" w="med" len="med"/>
+                    </a:lnL>
+                    <a:lnR w="12700" cap="flat" cmpd="sng" algn="ctr">
+                      <a:solidFill>
+                        <a:schemeClr val="tx1"/>
+                      </a:solidFill>
+                      <a:prstDash val="solid"/>
+                      <a:round/>
+                      <a:headEnd type="none" w="med" len="med"/>
+                      <a:tailEnd type="none" w="med" len="med"/>
+                    </a:lnR>
+                    <a:lnT w="12700" cap="flat" cmpd="sng" algn="ctr">
+                      <a:solidFill>
+                        <a:schemeClr val="tx1"/>
+                      </a:solidFill>
+                      <a:prstDash val="solid"/>
+                      <a:round/>
+                      <a:headEnd type="none" w="med" len="med"/>
+                      <a:tailEnd type="none" w="med" len="med"/>
+                    </a:lnT>
+                    <a:lnB w="12700" cap="flat" cmpd="sng" algn="ctr">
+                      <a:solidFill>
+                        <a:schemeClr val="tx1"/>
+                      </a:solidFill>
+                      <a:prstDash val="solid"/>
+                      <a:round/>
+                      <a:headEnd type="none" w="med" len="med"/>
+                      <a:tailEnd type="none" w="med" len="med"/>
+                    </a:lnB>
+                  </a:tcPr>
+                </a:tc>
+                <a:tc>
+                  <a:txBody>
+                    <a:bodyPr/>
+                    <a:lstStyle/>
+                    <a:p>
+                      <a:pPr algn="l"/>
+                      <a:r>
+                        <a:rPr lang="en-US" sz="1400" dirty="0" smtClean="0"/>
+                        <a:t>Dec 09,</a:t>
+                      </a:r>
+                      <a:r>
+                        <a:rPr lang="en-US" sz="1400" baseline="0" dirty="0" smtClean="0"/>
+                        <a:t> 2010</a:t>
+                      </a:r>
+                      <a:endParaRPr lang="en-US" sz="1400" dirty="0"/>
+                    </a:p>
+                  </a:txBody>
+                  <a:tcPr anchor="ctr">
+                    <a:lnL w="12700" cap="flat" cmpd="sng" algn="ctr">
+                      <a:solidFill>
+                        <a:schemeClr val="tx1"/>
+                      </a:solidFill>
+                      <a:prstDash val="solid"/>
+                      <a:round/>
+                      <a:headEnd type="none" w="med" len="med"/>
+                      <a:tailEnd type="none" w="med" len="med"/>
+                    </a:lnL>
+                    <a:lnR w="12700" cap="flat" cmpd="sng" algn="ctr">
+                      <a:solidFill>
+                        <a:schemeClr val="tx1"/>
+                      </a:solidFill>
+                      <a:prstDash val="solid"/>
+                      <a:round/>
+                      <a:headEnd type="none" w="med" len="med"/>
+                      <a:tailEnd type="none" w="med" len="med"/>
+                    </a:lnR>
+                    <a:lnT w="12700" cap="flat" cmpd="sng" algn="ctr">
+                      <a:solidFill>
+                        <a:schemeClr val="tx1"/>
+                      </a:solidFill>
+                      <a:prstDash val="solid"/>
+                      <a:round/>
+                      <a:headEnd type="none" w="med" len="med"/>
+                      <a:tailEnd type="none" w="med" len="med"/>
+                    </a:lnT>
+                    <a:lnB w="12700" cap="flat" cmpd="sng" algn="ctr">
+                      <a:solidFill>
+                        <a:schemeClr val="tx1"/>
+                      </a:solidFill>
+                      <a:prstDash val="solid"/>
+                      <a:round/>
+                      <a:headEnd type="none" w="med" len="med"/>
+                      <a:tailEnd type="none" w="med" len="med"/>
+                    </a:lnB>
+                  </a:tcPr>
+                </a:tc>
+                <a:tc>
+                  <a:txBody>
+                    <a:bodyPr/>
+                    <a:lstStyle/>
+                    <a:p>
+                      <a:pPr algn="ctr"/>
+                      <a:r>
+                        <a:rPr lang="en-US" sz="1400" u="sng" dirty="0" smtClean="0">
+                          <a:solidFill>
+                            <a:schemeClr val="accent1"/>
+                          </a:solidFill>
+                        </a:rPr>
+                        <a:t>Edit</a:t>
+                      </a:r>
+                      <a:endParaRPr lang="en-US" sz="1400" u="sng" dirty="0">
+                        <a:solidFill>
+                          <a:schemeClr val="accent1"/>
+                        </a:solidFill>
+                      </a:endParaRPr>
+                    </a:p>
+                  </a:txBody>
+                  <a:tcPr anchor="ctr">
+                    <a:lnL w="12700" cap="flat" cmpd="sng" algn="ctr">
+                      <a:solidFill>
+                        <a:schemeClr val="tx1"/>
+                      </a:solidFill>
+                      <a:prstDash val="solid"/>
+                      <a:round/>
+                      <a:headEnd type="none" w="med" len="med"/>
+                      <a:tailEnd type="none" w="med" len="med"/>
+                    </a:lnL>
+                    <a:lnR w="12700" cap="flat" cmpd="sng" algn="ctr">
+                      <a:solidFill>
+                        <a:schemeClr val="tx1"/>
+                      </a:solidFill>
+                      <a:prstDash val="solid"/>
+                      <a:round/>
+                      <a:headEnd type="none" w="med" len="med"/>
+                      <a:tailEnd type="none" w="med" len="med"/>
+                    </a:lnR>
+                    <a:lnT w="12700" cap="flat" cmpd="sng" algn="ctr">
+                      <a:solidFill>
+                        <a:schemeClr val="tx1"/>
+                      </a:solidFill>
+                      <a:prstDash val="solid"/>
+                      <a:round/>
+                      <a:headEnd type="none" w="med" len="med"/>
+                      <a:tailEnd type="none" w="med" len="med"/>
+                    </a:lnT>
+                    <a:lnB w="12700" cap="flat" cmpd="sng" algn="ctr">
+                      <a:solidFill>
+                        <a:schemeClr val="tx1"/>
+                      </a:solidFill>
+                      <a:prstDash val="solid"/>
+                      <a:round/>
+                      <a:headEnd type="none" w="med" len="med"/>
+                      <a:tailEnd type="none" w="med" len="med"/>
+                    </a:lnB>
+                  </a:tcPr>
+                </a:tc>
+                <a:tc>
+                  <a:txBody>
+                    <a:bodyPr/>
+                    <a:lstStyle/>
+                    <a:p>
+                      <a:pPr algn="ctr"/>
+                      <a:r>
+                        <a:rPr lang="en-US" sz="1400" u="sng" dirty="0" smtClean="0">
+                          <a:solidFill>
+                            <a:schemeClr val="accent1"/>
+                          </a:solidFill>
+                        </a:rPr>
+                        <a:t>Delete</a:t>
+                      </a:r>
+                      <a:endParaRPr lang="en-US" sz="1400" u="sng" dirty="0">
+                        <a:solidFill>
+                          <a:schemeClr val="accent1"/>
+                        </a:solidFill>
+                      </a:endParaRPr>
+                    </a:p>
+                  </a:txBody>
+                  <a:tcPr anchor="ctr">
+                    <a:lnL w="12700" cap="flat" cmpd="sng" algn="ctr">
+                      <a:solidFill>
+                        <a:schemeClr val="tx1"/>
+                      </a:solidFill>
+                      <a:prstDash val="solid"/>
+                      <a:round/>
+                      <a:headEnd type="none" w="med" len="med"/>
+                      <a:tailEnd type="none" w="med" len="med"/>
+                    </a:lnL>
+                    <a:lnR w="12700" cap="flat" cmpd="sng" algn="ctr">
+                      <a:solidFill>
+                        <a:schemeClr val="tx1"/>
+                      </a:solidFill>
+                      <a:prstDash val="solid"/>
+                      <a:round/>
+                      <a:headEnd type="none" w="med" len="med"/>
+                      <a:tailEnd type="none" w="med" len="med"/>
+                    </a:lnR>
+                    <a:lnT w="12700" cap="flat" cmpd="sng" algn="ctr">
+                      <a:solidFill>
+                        <a:schemeClr val="tx1"/>
+                      </a:solidFill>
+                      <a:prstDash val="solid"/>
+                      <a:round/>
+                      <a:headEnd type="none" w="med" len="med"/>
+                      <a:tailEnd type="none" w="med" len="med"/>
+                    </a:lnT>
+                    <a:lnB w="12700" cap="flat" cmpd="sng" algn="ctr">
+                      <a:solidFill>
+                        <a:schemeClr val="tx1"/>
+                      </a:solidFill>
+                      <a:prstDash val="solid"/>
+                      <a:round/>
+                      <a:headEnd type="none" w="med" len="med"/>
+                      <a:tailEnd type="none" w="med" len="med"/>
+                    </a:lnB>
+                  </a:tcPr>
+                </a:tc>
+              </a:tr>
+              <a:tr h="453091">
+                <a:tc>
+                  <a:txBody>
+                    <a:bodyPr/>
+                    <a:lstStyle/>
+                    <a:p>
+                      <a:pPr algn="ctr"/>
+                      <a:r>
+                        <a:rPr lang="en-US" sz="1400" dirty="0" smtClean="0"/>
+                        <a:t>8</a:t>
+                      </a:r>
+                      <a:endParaRPr lang="en-US" sz="1400" dirty="0"/>
+                    </a:p>
+                  </a:txBody>
+                  <a:tcPr anchor="ctr">
+                    <a:lnL w="12700" cap="flat" cmpd="sng" algn="ctr">
+                      <a:solidFill>
+                        <a:schemeClr val="tx1"/>
+                      </a:solidFill>
+                      <a:prstDash val="solid"/>
+                      <a:round/>
+                      <a:headEnd type="none" w="med" len="med"/>
+                      <a:tailEnd type="none" w="med" len="med"/>
+                    </a:lnL>
+                    <a:lnR w="12700" cap="flat" cmpd="sng" algn="ctr">
+                      <a:solidFill>
+                        <a:schemeClr val="tx1"/>
+                      </a:solidFill>
+                      <a:prstDash val="solid"/>
+                      <a:round/>
+                      <a:headEnd type="none" w="med" len="med"/>
+                      <a:tailEnd type="none" w="med" len="med"/>
+                    </a:lnR>
+                    <a:lnT w="12700" cap="flat" cmpd="sng" algn="ctr">
+                      <a:solidFill>
+                        <a:schemeClr val="tx1"/>
+                      </a:solidFill>
+                      <a:prstDash val="solid"/>
+                      <a:round/>
+                      <a:headEnd type="none" w="med" len="med"/>
+                      <a:tailEnd type="none" w="med" len="med"/>
+                    </a:lnT>
+                    <a:lnB w="12700" cap="flat" cmpd="sng" algn="ctr">
+                      <a:solidFill>
+                        <a:schemeClr val="tx1"/>
+                      </a:solidFill>
+                      <a:prstDash val="solid"/>
+                      <a:round/>
+                      <a:headEnd type="none" w="med" len="med"/>
+                      <a:tailEnd type="none" w="med" len="med"/>
+                    </a:lnB>
+                  </a:tcPr>
+                </a:tc>
+                <a:tc>
+                  <a:txBody>
+                    <a:bodyPr/>
+                    <a:lstStyle/>
+                    <a:p>
+                      <a:pPr algn="l"/>
+                      <a:r>
+                        <a:rPr lang="en-US" sz="1400" dirty="0" smtClean="0"/>
+                        <a:t>Mitch </a:t>
+                      </a:r>
+                      <a:r>
+                        <a:rPr lang="en-US" sz="1400" dirty="0" err="1" smtClean="0"/>
+                        <a:t>Aldom</a:t>
+                      </a:r>
+                      <a:endParaRPr lang="en-US" sz="1400" dirty="0" smtClean="0"/>
+                    </a:p>
+                    <a:p>
+                      <a:pPr algn="l"/>
+                      <a:r>
+                        <a:rPr lang="en-US" sz="1400" dirty="0" err="1" smtClean="0"/>
+                        <a:t>mitchaldom@gmail.com</a:t>
+                      </a:r>
+                      <a:endParaRPr lang="en-US" sz="1400" dirty="0"/>
+                    </a:p>
+                  </a:txBody>
+                  <a:tcPr anchor="ctr">
+                    <a:lnL w="12700" cap="flat" cmpd="sng" algn="ctr">
+                      <a:solidFill>
+                        <a:schemeClr val="tx1"/>
+                      </a:solidFill>
+                      <a:prstDash val="solid"/>
+                      <a:round/>
+                      <a:headEnd type="none" w="med" len="med"/>
+                      <a:tailEnd type="none" w="med" len="med"/>
+                    </a:lnL>
+                    <a:lnR w="12700" cap="flat" cmpd="sng" algn="ctr">
+                      <a:solidFill>
+                        <a:schemeClr val="tx1"/>
+                      </a:solidFill>
+                      <a:prstDash val="solid"/>
+                      <a:round/>
+                      <a:headEnd type="none" w="med" len="med"/>
+                      <a:tailEnd type="none" w="med" len="med"/>
+                    </a:lnR>
+                    <a:lnT w="12700" cap="flat" cmpd="sng" algn="ctr">
+                      <a:solidFill>
+                        <a:schemeClr val="tx1"/>
+                      </a:solidFill>
+                      <a:prstDash val="solid"/>
+                      <a:round/>
+                      <a:headEnd type="none" w="med" len="med"/>
+                      <a:tailEnd type="none" w="med" len="med"/>
+                    </a:lnT>
+                    <a:lnB w="12700" cap="flat" cmpd="sng" algn="ctr">
+                      <a:solidFill>
+                        <a:schemeClr val="tx1"/>
+                      </a:solidFill>
+                      <a:prstDash val="solid"/>
+                      <a:round/>
+                      <a:headEnd type="none" w="med" len="med"/>
+                      <a:tailEnd type="none" w="med" len="med"/>
+                    </a:lnB>
+                  </a:tcPr>
+                </a:tc>
+                <a:tc>
+                  <a:txBody>
+                    <a:bodyPr/>
+                    <a:lstStyle/>
+                    <a:p>
+                      <a:pPr algn="l"/>
+                      <a:r>
+                        <a:rPr lang="en-US" sz="1400" dirty="0" smtClean="0"/>
+                        <a:t>Student</a:t>
+                      </a:r>
+                      <a:endParaRPr lang="en-US" sz="1400" dirty="0"/>
+                    </a:p>
+                  </a:txBody>
+                  <a:tcPr anchor="ctr">
+                    <a:lnL w="12700" cap="flat" cmpd="sng" algn="ctr">
+                      <a:solidFill>
+                        <a:schemeClr val="tx1"/>
+                      </a:solidFill>
+                      <a:prstDash val="solid"/>
+                      <a:round/>
+                      <a:headEnd type="none" w="med" len="med"/>
+                      <a:tailEnd type="none" w="med" len="med"/>
+                    </a:lnL>
+                    <a:lnR w="12700" cap="flat" cmpd="sng" algn="ctr">
+                      <a:solidFill>
+                        <a:schemeClr val="tx1"/>
+                      </a:solidFill>
+                      <a:prstDash val="solid"/>
+                      <a:round/>
+                      <a:headEnd type="none" w="med" len="med"/>
+                      <a:tailEnd type="none" w="med" len="med"/>
+                    </a:lnR>
+                    <a:lnT w="12700" cap="flat" cmpd="sng" algn="ctr">
+                      <a:solidFill>
+                        <a:schemeClr val="tx1"/>
+                      </a:solidFill>
+                      <a:prstDash val="solid"/>
+                      <a:round/>
+                      <a:headEnd type="none" w="med" len="med"/>
+                      <a:tailEnd type="none" w="med" len="med"/>
+                    </a:lnT>
+                    <a:lnB w="12700" cap="flat" cmpd="sng" algn="ctr">
+                      <a:solidFill>
+                        <a:schemeClr val="tx1"/>
+                      </a:solidFill>
+                      <a:prstDash val="solid"/>
+                      <a:round/>
+                      <a:headEnd type="none" w="med" len="med"/>
+                      <a:tailEnd type="none" w="med" len="med"/>
+                    </a:lnB>
+                  </a:tcPr>
+                </a:tc>
+                <a:tc>
+                  <a:txBody>
+                    <a:bodyPr/>
+                    <a:lstStyle/>
+                    <a:p>
+                      <a:pPr marL="0" marR="0" indent="0" algn="l" defTabSz="914400" rtl="0" eaLnBrk="1" fontAlgn="auto" latinLnBrk="0" hangingPunct="1">
+                        <a:lnSpc>
+                          <a:spcPct val="100000"/>
+                        </a:lnSpc>
+                        <a:spcBef>
+                          <a:spcPts val="0"/>
+                        </a:spcBef>
+                        <a:spcAft>
+                          <a:spcPts val="0"/>
+                        </a:spcAft>
+                        <a:buClrTx/>
+                        <a:buSzTx/>
+                        <a:buFontTx/>
+                        <a:buNone/>
+                        <a:tabLst/>
+                        <a:defRPr/>
+                      </a:pPr>
+                      <a:r>
+                        <a:rPr lang="en-US" sz="1400" dirty="0" smtClean="0"/>
+                        <a:t>Dec 09,</a:t>
+                      </a:r>
+                      <a:r>
+                        <a:rPr lang="en-US" sz="1400" baseline="0" dirty="0" smtClean="0"/>
+                        <a:t> 2010</a:t>
+                      </a:r>
+                      <a:endParaRPr lang="en-US" sz="1400" dirty="0" smtClean="0"/>
+                    </a:p>
+                  </a:txBody>
+                  <a:tcPr anchor="ctr">
+                    <a:lnL w="12700" cap="flat" cmpd="sng" algn="ctr">
+                      <a:solidFill>
+                        <a:schemeClr val="tx1"/>
+                      </a:solidFill>
+                      <a:prstDash val="solid"/>
+                      <a:round/>
+                      <a:headEnd type="none" w="med" len="med"/>
+                      <a:tailEnd type="none" w="med" len="med"/>
+                    </a:lnL>
+                    <a:lnR w="12700" cap="flat" cmpd="sng" algn="ctr">
+                      <a:solidFill>
+                        <a:schemeClr val="tx1"/>
+                      </a:solidFill>
+                      <a:prstDash val="solid"/>
+                      <a:round/>
+                      <a:headEnd type="none" w="med" len="med"/>
+                      <a:tailEnd type="none" w="med" len="med"/>
+                    </a:lnR>
+                    <a:lnT w="12700" cap="flat" cmpd="sng" algn="ctr">
+                      <a:solidFill>
+                        <a:schemeClr val="tx1"/>
+                      </a:solidFill>
+                      <a:prstDash val="solid"/>
+                      <a:round/>
+                      <a:headEnd type="none" w="med" len="med"/>
+                      <a:tailEnd type="none" w="med" len="med"/>
+                    </a:lnT>
+                    <a:lnB w="12700" cap="flat" cmpd="sng" algn="ctr">
+                      <a:solidFill>
+                        <a:schemeClr val="tx1"/>
+                      </a:solidFill>
+                      <a:prstDash val="solid"/>
+                      <a:round/>
+                      <a:headEnd type="none" w="med" len="med"/>
+                      <a:tailEnd type="none" w="med" len="med"/>
+                    </a:lnB>
+                  </a:tcPr>
+                </a:tc>
+                <a:tc>
+                  <a:txBody>
+                    <a:bodyPr/>
+                    <a:lstStyle/>
+                    <a:p>
+                      <a:pPr algn="ctr"/>
+                      <a:r>
+                        <a:rPr lang="en-US" sz="1400" u="sng" dirty="0" smtClean="0">
+                          <a:solidFill>
+                            <a:schemeClr val="accent1"/>
+                          </a:solidFill>
+                        </a:rPr>
+                        <a:t>Edit</a:t>
+                      </a:r>
+                      <a:endParaRPr lang="en-US" sz="1400" u="sng" dirty="0">
+                        <a:solidFill>
+                          <a:schemeClr val="accent1"/>
+                        </a:solidFill>
+                      </a:endParaRPr>
+                    </a:p>
+                  </a:txBody>
+                  <a:tcPr anchor="ctr">
+                    <a:lnL w="12700" cap="flat" cmpd="sng" algn="ctr">
+                      <a:solidFill>
+                        <a:schemeClr val="tx1"/>
+                      </a:solidFill>
+                      <a:prstDash val="solid"/>
+                      <a:round/>
+                      <a:headEnd type="none" w="med" len="med"/>
+                      <a:tailEnd type="none" w="med" len="med"/>
+                    </a:lnL>
+                    <a:lnR w="12700" cap="flat" cmpd="sng" algn="ctr">
+                      <a:solidFill>
+                        <a:schemeClr val="tx1"/>
+                      </a:solidFill>
+                      <a:prstDash val="solid"/>
+                      <a:round/>
+                      <a:headEnd type="none" w="med" len="med"/>
+                      <a:tailEnd type="none" w="med" len="med"/>
+                    </a:lnR>
+                    <a:lnT w="12700" cap="flat" cmpd="sng" algn="ctr">
+                      <a:solidFill>
+                        <a:schemeClr val="tx1"/>
+                      </a:solidFill>
+                      <a:prstDash val="solid"/>
+                      <a:round/>
+                      <a:headEnd type="none" w="med" len="med"/>
+                      <a:tailEnd type="none" w="med" len="med"/>
+                    </a:lnT>
+                    <a:lnB w="12700" cap="flat" cmpd="sng" algn="ctr">
+                      <a:solidFill>
+                        <a:schemeClr val="tx1"/>
+                      </a:solidFill>
+                      <a:prstDash val="solid"/>
+                      <a:round/>
+                      <a:headEnd type="none" w="med" len="med"/>
+                      <a:tailEnd type="none" w="med" len="med"/>
+                    </a:lnB>
+                  </a:tcPr>
+                </a:tc>
+                <a:tc>
+                  <a:txBody>
+                    <a:bodyPr/>
+                    <a:lstStyle/>
+                    <a:p>
+                      <a:pPr algn="ctr"/>
+                      <a:r>
+                        <a:rPr lang="en-US" sz="1400" u="sng" dirty="0" smtClean="0">
+                          <a:solidFill>
+                            <a:schemeClr val="accent1"/>
+                          </a:solidFill>
+                        </a:rPr>
+                        <a:t>Delete</a:t>
+                      </a:r>
+                      <a:endParaRPr lang="en-US" sz="1400" u="sng" dirty="0">
+                        <a:solidFill>
+                          <a:schemeClr val="accent1"/>
+                        </a:solidFill>
+                      </a:endParaRPr>
+                    </a:p>
+                  </a:txBody>
+                  <a:tcPr anchor="ctr">
+                    <a:lnL w="12700" cap="flat" cmpd="sng" algn="ctr">
+                      <a:solidFill>
+                        <a:schemeClr val="tx1"/>
+                      </a:solidFill>
+                      <a:prstDash val="solid"/>
+                      <a:round/>
+                      <a:headEnd type="none" w="med" len="med"/>
+                      <a:tailEnd type="none" w="med" len="med"/>
+                    </a:lnL>
+                    <a:lnR w="12700" cap="flat" cmpd="sng" algn="ctr">
+                      <a:solidFill>
+                        <a:schemeClr val="tx1"/>
+                      </a:solidFill>
+                      <a:prstDash val="solid"/>
+                      <a:round/>
+                      <a:headEnd type="none" w="med" len="med"/>
+                      <a:tailEnd type="none" w="med" len="med"/>
+                    </a:lnR>
+                    <a:lnT w="12700" cap="flat" cmpd="sng" algn="ctr">
+                      <a:solidFill>
+                        <a:schemeClr val="tx1"/>
+                      </a:solidFill>
+                      <a:prstDash val="solid"/>
+                      <a:round/>
+                      <a:headEnd type="none" w="med" len="med"/>
+                      <a:tailEnd type="none" w="med" len="med"/>
+                    </a:lnT>
+                    <a:lnB w="12700" cap="flat" cmpd="sng" algn="ctr">
+                      <a:solidFill>
+                        <a:schemeClr val="tx1"/>
+                      </a:solidFill>
+                      <a:prstDash val="solid"/>
+                      <a:round/>
+                      <a:headEnd type="none" w="med" len="med"/>
+                      <a:tailEnd type="none" w="med" len="med"/>
+                    </a:lnB>
+                  </a:tcPr>
+                </a:tc>
+              </a:tr>
+            </a:tbl>
+          </a:graphicData>
+        </a:graphic>
+      </p:graphicFrame>
+      <p:sp>
+        <p:nvSpPr>
+          <p:cNvPr id="4" name="TextBox 3"/>
+          <p:cNvSpPr txBox="1"/>
+          <p:nvPr/>
+        </p:nvSpPr>
+        <p:spPr>
+          <a:xfrm>
+            <a:off x="4674337" y="906581"/>
+            <a:ext cx="813043" cy="369332"/>
+          </a:xfrm>
+          <a:prstGeom prst="rect">
+            <a:avLst/>
+          </a:prstGeom>
+          <a:noFill/>
+        </p:spPr>
+        <p:txBody>
+          <a:bodyPr wrap="none" rtlCol="0">
+            <a:spAutoFit/>
+          </a:bodyPr>
+          <a:lstStyle/>
+          <a:p>
+            <a:r>
+              <a:rPr lang="en-US" dirty="0" smtClean="0"/>
+              <a:t>Search</a:t>
+            </a:r>
+            <a:endParaRPr lang="en-US" dirty="0"/>
+          </a:p>
+        </p:txBody>
+      </p:sp>
+      <p:sp>
+        <p:nvSpPr>
+          <p:cNvPr id="5" name="Rectangle 4"/>
+          <p:cNvSpPr/>
+          <p:nvPr/>
+        </p:nvSpPr>
+        <p:spPr>
+          <a:xfrm>
+            <a:off x="5650172" y="890018"/>
+            <a:ext cx="4432492" cy="437739"/>
+          </a:xfrm>
+          <a:prstGeom prst="rect">
+            <a:avLst/>
+          </a:prstGeom>
+          <a:ln>
+            <a:solidFill>
+              <a:schemeClr val="tx1"/>
+            </a:solidFill>
+          </a:ln>
+        </p:spPr>
+        <p:style>
+          <a:lnRef idx="2">
+            <a:schemeClr val="accent6"/>
+          </a:lnRef>
+          <a:fillRef idx="1">
+            <a:schemeClr val="lt1"/>
+          </a:fillRef>
+          <a:effectRef idx="0">
+            <a:schemeClr val="accent6"/>
+          </a:effectRef>
+          <a:fontRef idx="minor">
+            <a:schemeClr val="dk1"/>
+          </a:fontRef>
+        </p:style>
+        <p:txBody>
+          <a:bodyPr rtlCol="0" anchor="ctr"/>
+          <a:lstStyle/>
+          <a:p>
+            <a:endParaRPr lang="en-US" dirty="0"/>
+          </a:p>
+        </p:txBody>
+      </p:sp>
+      <p:sp>
+        <p:nvSpPr>
+          <p:cNvPr id="6" name="Rectangle 5"/>
+          <p:cNvSpPr/>
+          <p:nvPr/>
+        </p:nvSpPr>
+        <p:spPr>
+          <a:xfrm>
+            <a:off x="1691374" y="6118977"/>
+            <a:ext cx="383087" cy="258721"/>
+          </a:xfrm>
+          <a:prstGeom prst="rect">
+            <a:avLst/>
+          </a:prstGeom>
+        </p:spPr>
+        <p:style>
+          <a:lnRef idx="2">
+            <a:schemeClr val="accent1"/>
+          </a:lnRef>
+          <a:fillRef idx="1">
+            <a:schemeClr val="lt1"/>
+          </a:fillRef>
+          <a:effectRef idx="0">
+            <a:schemeClr val="accent1"/>
+          </a:effectRef>
+          <a:fontRef idx="minor">
+            <a:schemeClr val="dk1"/>
+          </a:fontRef>
+        </p:style>
+        <p:txBody>
+          <a:bodyPr rtlCol="0" anchor="ctr"/>
+          <a:lstStyle/>
+          <a:p>
+            <a:pPr algn="ctr"/>
+            <a:r>
+              <a:rPr lang="en-US" dirty="0" smtClean="0"/>
+              <a:t>2</a:t>
+            </a:r>
+            <a:endParaRPr lang="en-US" dirty="0"/>
+          </a:p>
+        </p:txBody>
+      </p:sp>
+      <p:sp>
+        <p:nvSpPr>
+          <p:cNvPr id="7" name="Rectangle 6"/>
+          <p:cNvSpPr/>
+          <p:nvPr/>
+        </p:nvSpPr>
+        <p:spPr>
+          <a:xfrm>
+            <a:off x="1192664" y="6118977"/>
+            <a:ext cx="364630" cy="258721"/>
+          </a:xfrm>
+          <a:prstGeom prst="rect">
+            <a:avLst/>
+          </a:prstGeom>
+        </p:spPr>
+        <p:style>
+          <a:lnRef idx="2">
+            <a:schemeClr val="accent1">
+              <a:shade val="50000"/>
+            </a:schemeClr>
+          </a:lnRef>
+          <a:fillRef idx="1">
+            <a:schemeClr val="accent1"/>
+          </a:fillRef>
+          <a:effectRef idx="0">
+            <a:schemeClr val="accent1"/>
+          </a:effectRef>
+          <a:fontRef idx="minor">
+            <a:schemeClr val="lt1"/>
+          </a:fontRef>
+        </p:style>
+        <p:txBody>
+          <a:bodyPr rtlCol="0" anchor="ctr"/>
+          <a:lstStyle/>
+          <a:p>
+            <a:pPr algn="ctr"/>
+            <a:r>
+              <a:rPr lang="en-US" dirty="0" smtClean="0"/>
+              <a:t>1</a:t>
+            </a:r>
+            <a:endParaRPr lang="en-US" dirty="0"/>
+          </a:p>
+        </p:txBody>
+      </p:sp>
+      <p:sp>
+        <p:nvSpPr>
+          <p:cNvPr id="8" name="Rectangle 7"/>
+          <p:cNvSpPr/>
+          <p:nvPr/>
+        </p:nvSpPr>
+        <p:spPr>
+          <a:xfrm>
+            <a:off x="2181245" y="6126241"/>
+            <a:ext cx="383087" cy="258721"/>
+          </a:xfrm>
+          <a:prstGeom prst="rect">
+            <a:avLst/>
+          </a:prstGeom>
+        </p:spPr>
+        <p:style>
+          <a:lnRef idx="2">
+            <a:schemeClr val="accent1"/>
+          </a:lnRef>
+          <a:fillRef idx="1">
+            <a:schemeClr val="lt1"/>
+          </a:fillRef>
+          <a:effectRef idx="0">
+            <a:schemeClr val="accent1"/>
+          </a:effectRef>
+          <a:fontRef idx="minor">
+            <a:schemeClr val="dk1"/>
+          </a:fontRef>
+        </p:style>
+        <p:txBody>
+          <a:bodyPr rtlCol="0" anchor="ctr"/>
+          <a:lstStyle/>
+          <a:p>
+            <a:pPr algn="ctr"/>
+            <a:r>
+              <a:rPr lang="en-US" dirty="0"/>
+              <a:t>3</a:t>
+            </a:r>
+          </a:p>
+        </p:txBody>
+      </p:sp>
+      <p:sp>
+        <p:nvSpPr>
+          <p:cNvPr id="9" name="Rectangle 8"/>
+          <p:cNvSpPr/>
+          <p:nvPr/>
+        </p:nvSpPr>
+        <p:spPr>
+          <a:xfrm>
+            <a:off x="10230078" y="1476037"/>
+            <a:ext cx="1549203" cy="437740"/>
+          </a:xfrm>
+          <a:prstGeom prst="rect">
+            <a:avLst/>
+          </a:prstGeom>
+        </p:spPr>
+        <p:style>
+          <a:lnRef idx="2">
+            <a:schemeClr val="accent1">
+              <a:shade val="50000"/>
+            </a:schemeClr>
+          </a:lnRef>
+          <a:fillRef idx="1">
+            <a:schemeClr val="accent1"/>
+          </a:fillRef>
+          <a:effectRef idx="0">
+            <a:schemeClr val="accent1"/>
+          </a:effectRef>
+          <a:fontRef idx="minor">
+            <a:schemeClr val="lt1"/>
+          </a:fontRef>
+        </p:style>
+        <p:txBody>
+          <a:bodyPr rtlCol="0" anchor="ctr"/>
+          <a:lstStyle/>
+          <a:p>
+            <a:pPr algn="ctr"/>
+            <a:r>
+              <a:rPr lang="en-US" dirty="0" smtClean="0"/>
+              <a:t>Add User</a:t>
+            </a:r>
+            <a:endParaRPr lang="en-US" dirty="0"/>
+          </a:p>
+        </p:txBody>
+      </p:sp>
+      <p:sp>
+        <p:nvSpPr>
+          <p:cNvPr id="12" name="TextBox 11"/>
+          <p:cNvSpPr txBox="1"/>
+          <p:nvPr/>
+        </p:nvSpPr>
+        <p:spPr>
+          <a:xfrm>
+            <a:off x="4674337" y="235958"/>
+            <a:ext cx="2056397" cy="369332"/>
+          </a:xfrm>
+          <a:prstGeom prst="rect">
+            <a:avLst/>
+          </a:prstGeom>
+          <a:noFill/>
+        </p:spPr>
+        <p:txBody>
+          <a:bodyPr wrap="none" rtlCol="0">
+            <a:spAutoFit/>
+          </a:bodyPr>
+          <a:lstStyle/>
+          <a:p>
+            <a:r>
+              <a:rPr lang="en-US" dirty="0" smtClean="0"/>
+              <a:t>Manage User - Page</a:t>
+            </a:r>
+            <a:endParaRPr lang="en-US" dirty="0"/>
+          </a:p>
+        </p:txBody>
+      </p:sp>
     </p:spTree>
     <p:extLst>
       <p:ext uri="{BB962C8B-B14F-4D97-AF65-F5344CB8AC3E}">
@@ -13897,6 +21357,1283 @@
   <p:clrMapOvr>
     <a:masterClrMapping/>
   </p:clrMapOvr>
+</p:sld>
+</file>
+
+<file path=ppt/slides/slide15.xml><?xml version="1.0" encoding="utf-8"?>
+<p:sld xmlns:a="http://schemas.openxmlformats.org/drawingml/2006/main" xmlns:r="http://schemas.openxmlformats.org/officeDocument/2006/relationships" xmlns:p="http://schemas.openxmlformats.org/presentationml/2006/main">
+  <p:cSld>
+    <p:spTree>
+      <p:nvGrpSpPr>
+        <p:cNvPr id="1" name=""/>
+        <p:cNvGrpSpPr/>
+        <p:nvPr/>
+      </p:nvGrpSpPr>
+      <p:grpSpPr>
+        <a:xfrm>
+          <a:off x="0" y="0"/>
+          <a:ext cx="0" cy="0"/>
+          <a:chOff x="0" y="0"/>
+          <a:chExt cx="0" cy="0"/>
+        </a:xfrm>
+      </p:grpSpPr>
+      <p:sp>
+        <p:nvSpPr>
+          <p:cNvPr id="4" name="TextBox 3"/>
+          <p:cNvSpPr txBox="1"/>
+          <p:nvPr/>
+        </p:nvSpPr>
+        <p:spPr>
+          <a:xfrm>
+            <a:off x="1224484" y="1797682"/>
+            <a:ext cx="744114" cy="369332"/>
+          </a:xfrm>
+          <a:prstGeom prst="rect">
+            <a:avLst/>
+          </a:prstGeom>
+          <a:noFill/>
+        </p:spPr>
+        <p:txBody>
+          <a:bodyPr wrap="none" rtlCol="0">
+            <a:spAutoFit/>
+          </a:bodyPr>
+          <a:lstStyle/>
+          <a:p>
+            <a:r>
+              <a:rPr lang="en-US" smtClean="0"/>
+              <a:t>Name</a:t>
+            </a:r>
+            <a:endParaRPr lang="en-US" dirty="0"/>
+          </a:p>
+        </p:txBody>
+      </p:sp>
+      <p:sp>
+        <p:nvSpPr>
+          <p:cNvPr id="5" name="Rectangle 4"/>
+          <p:cNvSpPr/>
+          <p:nvPr/>
+        </p:nvSpPr>
+        <p:spPr>
+          <a:xfrm>
+            <a:off x="2262589" y="1763479"/>
+            <a:ext cx="4684121" cy="437739"/>
+          </a:xfrm>
+          <a:prstGeom prst="rect">
+            <a:avLst/>
+          </a:prstGeom>
+          <a:ln>
+            <a:solidFill>
+              <a:schemeClr val="tx1"/>
+            </a:solidFill>
+          </a:ln>
+        </p:spPr>
+        <p:style>
+          <a:lnRef idx="2">
+            <a:schemeClr val="accent6"/>
+          </a:lnRef>
+          <a:fillRef idx="1">
+            <a:schemeClr val="lt1"/>
+          </a:fillRef>
+          <a:effectRef idx="0">
+            <a:schemeClr val="accent6"/>
+          </a:effectRef>
+          <a:fontRef idx="minor">
+            <a:schemeClr val="dk1"/>
+          </a:fontRef>
+        </p:style>
+        <p:txBody>
+          <a:bodyPr rtlCol="0" anchor="ctr"/>
+          <a:lstStyle/>
+          <a:p>
+            <a:endParaRPr lang="en-US" dirty="0"/>
+          </a:p>
+        </p:txBody>
+      </p:sp>
+      <p:sp>
+        <p:nvSpPr>
+          <p:cNvPr id="6" name="TextBox 5"/>
+          <p:cNvSpPr txBox="1"/>
+          <p:nvPr/>
+        </p:nvSpPr>
+        <p:spPr>
+          <a:xfrm>
+            <a:off x="1224484" y="2468697"/>
+            <a:ext cx="697627" cy="369332"/>
+          </a:xfrm>
+          <a:prstGeom prst="rect">
+            <a:avLst/>
+          </a:prstGeom>
+          <a:noFill/>
+        </p:spPr>
+        <p:txBody>
+          <a:bodyPr wrap="none" rtlCol="0">
+            <a:spAutoFit/>
+          </a:bodyPr>
+          <a:lstStyle/>
+          <a:p>
+            <a:r>
+              <a:rPr lang="en-US" dirty="0" smtClean="0"/>
+              <a:t>Email</a:t>
+            </a:r>
+            <a:endParaRPr lang="en-US" dirty="0"/>
+          </a:p>
+        </p:txBody>
+      </p:sp>
+      <p:sp>
+        <p:nvSpPr>
+          <p:cNvPr id="7" name="Rectangle 6"/>
+          <p:cNvSpPr/>
+          <p:nvPr/>
+        </p:nvSpPr>
+        <p:spPr>
+          <a:xfrm>
+            <a:off x="2262589" y="2434494"/>
+            <a:ext cx="4684121" cy="437739"/>
+          </a:xfrm>
+          <a:prstGeom prst="rect">
+            <a:avLst/>
+          </a:prstGeom>
+          <a:ln>
+            <a:solidFill>
+              <a:schemeClr val="tx1"/>
+            </a:solidFill>
+          </a:ln>
+        </p:spPr>
+        <p:style>
+          <a:lnRef idx="2">
+            <a:schemeClr val="accent6"/>
+          </a:lnRef>
+          <a:fillRef idx="1">
+            <a:schemeClr val="lt1"/>
+          </a:fillRef>
+          <a:effectRef idx="0">
+            <a:schemeClr val="accent6"/>
+          </a:effectRef>
+          <a:fontRef idx="minor">
+            <a:schemeClr val="dk1"/>
+          </a:fontRef>
+        </p:style>
+        <p:txBody>
+          <a:bodyPr rtlCol="0" anchor="ctr"/>
+          <a:lstStyle/>
+          <a:p>
+            <a:endParaRPr lang="en-US" dirty="0"/>
+          </a:p>
+        </p:txBody>
+      </p:sp>
+      <p:sp>
+        <p:nvSpPr>
+          <p:cNvPr id="8" name="TextBox 7"/>
+          <p:cNvSpPr txBox="1"/>
+          <p:nvPr/>
+        </p:nvSpPr>
+        <p:spPr>
+          <a:xfrm>
+            <a:off x="1224484" y="3153527"/>
+            <a:ext cx="1071512" cy="369332"/>
+          </a:xfrm>
+          <a:prstGeom prst="rect">
+            <a:avLst/>
+          </a:prstGeom>
+          <a:noFill/>
+        </p:spPr>
+        <p:txBody>
+          <a:bodyPr wrap="none" rtlCol="0">
+            <a:spAutoFit/>
+          </a:bodyPr>
+          <a:lstStyle/>
+          <a:p>
+            <a:r>
+              <a:rPr lang="en-US" dirty="0" smtClean="0"/>
+              <a:t>Password</a:t>
+            </a:r>
+            <a:endParaRPr lang="en-US" dirty="0"/>
+          </a:p>
+        </p:txBody>
+      </p:sp>
+      <p:sp>
+        <p:nvSpPr>
+          <p:cNvPr id="9" name="Rectangle 8"/>
+          <p:cNvSpPr/>
+          <p:nvPr/>
+        </p:nvSpPr>
+        <p:spPr>
+          <a:xfrm>
+            <a:off x="2262589" y="3119324"/>
+            <a:ext cx="4684121" cy="437739"/>
+          </a:xfrm>
+          <a:prstGeom prst="rect">
+            <a:avLst/>
+          </a:prstGeom>
+          <a:ln>
+            <a:solidFill>
+              <a:schemeClr val="tx1"/>
+            </a:solidFill>
+          </a:ln>
+        </p:spPr>
+        <p:style>
+          <a:lnRef idx="2">
+            <a:schemeClr val="accent6"/>
+          </a:lnRef>
+          <a:fillRef idx="1">
+            <a:schemeClr val="lt1"/>
+          </a:fillRef>
+          <a:effectRef idx="0">
+            <a:schemeClr val="accent6"/>
+          </a:effectRef>
+          <a:fontRef idx="minor">
+            <a:schemeClr val="dk1"/>
+          </a:fontRef>
+        </p:style>
+        <p:txBody>
+          <a:bodyPr rtlCol="0" anchor="ctr"/>
+          <a:lstStyle/>
+          <a:p>
+            <a:endParaRPr lang="en-US" dirty="0"/>
+          </a:p>
+        </p:txBody>
+      </p:sp>
+      <p:sp>
+        <p:nvSpPr>
+          <p:cNvPr id="10" name="TextBox 9"/>
+          <p:cNvSpPr txBox="1"/>
+          <p:nvPr/>
+        </p:nvSpPr>
+        <p:spPr>
+          <a:xfrm>
+            <a:off x="1224484" y="3892949"/>
+            <a:ext cx="595228" cy="369332"/>
+          </a:xfrm>
+          <a:prstGeom prst="rect">
+            <a:avLst/>
+          </a:prstGeom>
+          <a:noFill/>
+        </p:spPr>
+        <p:txBody>
+          <a:bodyPr wrap="none" rtlCol="0">
+            <a:spAutoFit/>
+          </a:bodyPr>
+          <a:lstStyle/>
+          <a:p>
+            <a:r>
+              <a:rPr lang="en-US" dirty="0" smtClean="0"/>
+              <a:t>Role</a:t>
+            </a:r>
+            <a:endParaRPr lang="en-US" dirty="0"/>
+          </a:p>
+        </p:txBody>
+      </p:sp>
+      <p:sp>
+        <p:nvSpPr>
+          <p:cNvPr id="12" name="Rectangle 11"/>
+          <p:cNvSpPr/>
+          <p:nvPr/>
+        </p:nvSpPr>
+        <p:spPr>
+          <a:xfrm>
+            <a:off x="2295996" y="3804153"/>
+            <a:ext cx="1048818" cy="437739"/>
+          </a:xfrm>
+          <a:prstGeom prst="rect">
+            <a:avLst/>
+          </a:prstGeom>
+          <a:ln>
+            <a:solidFill>
+              <a:schemeClr val="tx1"/>
+            </a:solidFill>
+          </a:ln>
+        </p:spPr>
+        <p:style>
+          <a:lnRef idx="2">
+            <a:schemeClr val="accent6"/>
+          </a:lnRef>
+          <a:fillRef idx="1">
+            <a:schemeClr val="lt1"/>
+          </a:fillRef>
+          <a:effectRef idx="0">
+            <a:schemeClr val="accent6"/>
+          </a:effectRef>
+          <a:fontRef idx="minor">
+            <a:schemeClr val="dk1"/>
+          </a:fontRef>
+        </p:style>
+        <p:txBody>
+          <a:bodyPr rtlCol="0" anchor="ctr"/>
+          <a:lstStyle/>
+          <a:p>
+            <a:r>
+              <a:rPr lang="en-US" dirty="0" smtClean="0"/>
+              <a:t>Admin</a:t>
+            </a:r>
+            <a:endParaRPr lang="en-US" dirty="0"/>
+          </a:p>
+        </p:txBody>
+      </p:sp>
+      <p:sp>
+        <p:nvSpPr>
+          <p:cNvPr id="13" name="Triangle 12"/>
+          <p:cNvSpPr/>
+          <p:nvPr/>
+        </p:nvSpPr>
+        <p:spPr>
+          <a:xfrm rot="10800000">
+            <a:off x="3087703" y="3973824"/>
+            <a:ext cx="101600" cy="101600"/>
+          </a:xfrm>
+          <a:prstGeom prst="triangle">
+            <a:avLst/>
+          </a:prstGeom>
+        </p:spPr>
+        <p:style>
+          <a:lnRef idx="2">
+            <a:schemeClr val="dk1">
+              <a:shade val="50000"/>
+            </a:schemeClr>
+          </a:lnRef>
+          <a:fillRef idx="1">
+            <a:schemeClr val="dk1"/>
+          </a:fillRef>
+          <a:effectRef idx="0">
+            <a:schemeClr val="dk1"/>
+          </a:effectRef>
+          <a:fontRef idx="minor">
+            <a:schemeClr val="lt1"/>
+          </a:fontRef>
+        </p:style>
+        <p:txBody>
+          <a:bodyPr rtlCol="0" anchor="ctr"/>
+          <a:lstStyle/>
+          <a:p>
+            <a:pPr algn="ctr"/>
+            <a:endParaRPr lang="en-US"/>
+          </a:p>
+        </p:txBody>
+      </p:sp>
+      <p:sp>
+        <p:nvSpPr>
+          <p:cNvPr id="14" name="Rectangle 13"/>
+          <p:cNvSpPr/>
+          <p:nvPr/>
+        </p:nvSpPr>
+        <p:spPr>
+          <a:xfrm>
+            <a:off x="2262589" y="4543576"/>
+            <a:ext cx="1163939" cy="437740"/>
+          </a:xfrm>
+          <a:prstGeom prst="rect">
+            <a:avLst/>
+          </a:prstGeom>
+        </p:spPr>
+        <p:style>
+          <a:lnRef idx="2">
+            <a:schemeClr val="accent1">
+              <a:shade val="50000"/>
+            </a:schemeClr>
+          </a:lnRef>
+          <a:fillRef idx="1">
+            <a:schemeClr val="accent1"/>
+          </a:fillRef>
+          <a:effectRef idx="0">
+            <a:schemeClr val="accent1"/>
+          </a:effectRef>
+          <a:fontRef idx="minor">
+            <a:schemeClr val="lt1"/>
+          </a:fontRef>
+        </p:style>
+        <p:txBody>
+          <a:bodyPr rtlCol="0" anchor="ctr"/>
+          <a:lstStyle/>
+          <a:p>
+            <a:pPr algn="ctr"/>
+            <a:r>
+              <a:rPr lang="en-US" dirty="0" smtClean="0"/>
+              <a:t>Add User</a:t>
+            </a:r>
+            <a:endParaRPr lang="en-US" dirty="0"/>
+          </a:p>
+        </p:txBody>
+      </p:sp>
+      <p:sp>
+        <p:nvSpPr>
+          <p:cNvPr id="15" name="TextBox 14"/>
+          <p:cNvSpPr txBox="1"/>
+          <p:nvPr/>
+        </p:nvSpPr>
+        <p:spPr>
+          <a:xfrm>
+            <a:off x="5581934" y="341194"/>
+            <a:ext cx="1776192" cy="369332"/>
+          </a:xfrm>
+          <a:prstGeom prst="rect">
+            <a:avLst/>
+          </a:prstGeom>
+          <a:noFill/>
+        </p:spPr>
+        <p:txBody>
+          <a:bodyPr wrap="none" rtlCol="0">
+            <a:spAutoFit/>
+          </a:bodyPr>
+          <a:lstStyle/>
+          <a:p>
+            <a:r>
+              <a:rPr lang="en-US" dirty="0" smtClean="0"/>
+              <a:t>Add User – page </a:t>
+            </a:r>
+            <a:endParaRPr lang="en-US" dirty="0"/>
+          </a:p>
+        </p:txBody>
+      </p:sp>
+    </p:spTree>
+    <p:extLst>
+      <p:ext uri="{BB962C8B-B14F-4D97-AF65-F5344CB8AC3E}">
+        <p14:creationId xmlns:p14="http://schemas.microsoft.com/office/powerpoint/2010/main" val="96991796"/>
+      </p:ext>
+    </p:extLst>
+  </p:cSld>
+  <p:clrMapOvr>
+    <a:masterClrMapping/>
+  </p:clrMapOvr>
+</p:sld>
+</file>
+
+<file path=ppt/slides/slide16.xml><?xml version="1.0" encoding="utf-8"?>
+<p:sld xmlns:a="http://schemas.openxmlformats.org/drawingml/2006/main" xmlns:r="http://schemas.openxmlformats.org/officeDocument/2006/relationships" xmlns:p="http://schemas.openxmlformats.org/presentationml/2006/main">
+  <p:cSld>
+    <p:spTree>
+      <p:nvGrpSpPr>
+        <p:cNvPr id="1" name=""/>
+        <p:cNvGrpSpPr/>
+        <p:nvPr/>
+      </p:nvGrpSpPr>
+      <p:grpSpPr>
+        <a:xfrm>
+          <a:off x="0" y="0"/>
+          <a:ext cx="0" cy="0"/>
+          <a:chOff x="0" y="0"/>
+          <a:chExt cx="0" cy="0"/>
+        </a:xfrm>
+      </p:grpSpPr>
+      <p:sp>
+        <p:nvSpPr>
+          <p:cNvPr id="4" name="TextBox 3"/>
+          <p:cNvSpPr txBox="1"/>
+          <p:nvPr/>
+        </p:nvSpPr>
+        <p:spPr>
+          <a:xfrm>
+            <a:off x="1224484" y="1797682"/>
+            <a:ext cx="744114" cy="369332"/>
+          </a:xfrm>
+          <a:prstGeom prst="rect">
+            <a:avLst/>
+          </a:prstGeom>
+          <a:noFill/>
+        </p:spPr>
+        <p:txBody>
+          <a:bodyPr wrap="none" rtlCol="0">
+            <a:spAutoFit/>
+          </a:bodyPr>
+          <a:lstStyle/>
+          <a:p>
+            <a:r>
+              <a:rPr lang="en-US" smtClean="0"/>
+              <a:t>Name</a:t>
+            </a:r>
+            <a:endParaRPr lang="en-US" dirty="0"/>
+          </a:p>
+        </p:txBody>
+      </p:sp>
+      <p:sp>
+        <p:nvSpPr>
+          <p:cNvPr id="5" name="Rectangle 4"/>
+          <p:cNvSpPr/>
+          <p:nvPr/>
+        </p:nvSpPr>
+        <p:spPr>
+          <a:xfrm>
+            <a:off x="2262589" y="1763479"/>
+            <a:ext cx="4684121" cy="437739"/>
+          </a:xfrm>
+          <a:prstGeom prst="rect">
+            <a:avLst/>
+          </a:prstGeom>
+          <a:ln>
+            <a:solidFill>
+              <a:schemeClr val="tx1"/>
+            </a:solidFill>
+          </a:ln>
+        </p:spPr>
+        <p:style>
+          <a:lnRef idx="2">
+            <a:schemeClr val="accent6"/>
+          </a:lnRef>
+          <a:fillRef idx="1">
+            <a:schemeClr val="lt1"/>
+          </a:fillRef>
+          <a:effectRef idx="0">
+            <a:schemeClr val="accent6"/>
+          </a:effectRef>
+          <a:fontRef idx="minor">
+            <a:schemeClr val="dk1"/>
+          </a:fontRef>
+        </p:style>
+        <p:txBody>
+          <a:bodyPr rtlCol="0" anchor="ctr"/>
+          <a:lstStyle/>
+          <a:p>
+            <a:r>
+              <a:rPr lang="en-US" dirty="0" smtClean="0"/>
+              <a:t>Sakthi Dasan Sekar</a:t>
+            </a:r>
+            <a:endParaRPr lang="en-US" dirty="0"/>
+          </a:p>
+        </p:txBody>
+      </p:sp>
+      <p:sp>
+        <p:nvSpPr>
+          <p:cNvPr id="6" name="TextBox 5"/>
+          <p:cNvSpPr txBox="1"/>
+          <p:nvPr/>
+        </p:nvSpPr>
+        <p:spPr>
+          <a:xfrm>
+            <a:off x="1224484" y="2468697"/>
+            <a:ext cx="697627" cy="369332"/>
+          </a:xfrm>
+          <a:prstGeom prst="rect">
+            <a:avLst/>
+          </a:prstGeom>
+          <a:noFill/>
+        </p:spPr>
+        <p:txBody>
+          <a:bodyPr wrap="none" rtlCol="0">
+            <a:spAutoFit/>
+          </a:bodyPr>
+          <a:lstStyle/>
+          <a:p>
+            <a:r>
+              <a:rPr lang="en-US" dirty="0" smtClean="0"/>
+              <a:t>Email</a:t>
+            </a:r>
+            <a:endParaRPr lang="en-US" dirty="0"/>
+          </a:p>
+        </p:txBody>
+      </p:sp>
+      <p:sp>
+        <p:nvSpPr>
+          <p:cNvPr id="7" name="Rectangle 6"/>
+          <p:cNvSpPr/>
+          <p:nvPr/>
+        </p:nvSpPr>
+        <p:spPr>
+          <a:xfrm>
+            <a:off x="2262589" y="2434494"/>
+            <a:ext cx="4684121" cy="437739"/>
+          </a:xfrm>
+          <a:prstGeom prst="rect">
+            <a:avLst/>
+          </a:prstGeom>
+          <a:ln>
+            <a:solidFill>
+              <a:schemeClr val="tx1"/>
+            </a:solidFill>
+          </a:ln>
+        </p:spPr>
+        <p:style>
+          <a:lnRef idx="2">
+            <a:schemeClr val="accent6"/>
+          </a:lnRef>
+          <a:fillRef idx="1">
+            <a:schemeClr val="lt1"/>
+          </a:fillRef>
+          <a:effectRef idx="0">
+            <a:schemeClr val="accent6"/>
+          </a:effectRef>
+          <a:fontRef idx="minor">
+            <a:schemeClr val="dk1"/>
+          </a:fontRef>
+        </p:style>
+        <p:txBody>
+          <a:bodyPr rtlCol="0" anchor="ctr"/>
+          <a:lstStyle/>
+          <a:p>
+            <a:r>
+              <a:rPr lang="en-US" dirty="0" err="1" smtClean="0"/>
+              <a:t>shakthydoss@gmail.com</a:t>
+            </a:r>
+            <a:endParaRPr lang="en-US" dirty="0"/>
+          </a:p>
+        </p:txBody>
+      </p:sp>
+      <p:sp>
+        <p:nvSpPr>
+          <p:cNvPr id="8" name="TextBox 7"/>
+          <p:cNvSpPr txBox="1"/>
+          <p:nvPr/>
+        </p:nvSpPr>
+        <p:spPr>
+          <a:xfrm>
+            <a:off x="1224484" y="3153527"/>
+            <a:ext cx="1071512" cy="369332"/>
+          </a:xfrm>
+          <a:prstGeom prst="rect">
+            <a:avLst/>
+          </a:prstGeom>
+          <a:noFill/>
+        </p:spPr>
+        <p:txBody>
+          <a:bodyPr wrap="none" rtlCol="0">
+            <a:spAutoFit/>
+          </a:bodyPr>
+          <a:lstStyle/>
+          <a:p>
+            <a:r>
+              <a:rPr lang="en-US" dirty="0" smtClean="0"/>
+              <a:t>Password</a:t>
+            </a:r>
+            <a:endParaRPr lang="en-US" dirty="0"/>
+          </a:p>
+        </p:txBody>
+      </p:sp>
+      <p:sp>
+        <p:nvSpPr>
+          <p:cNvPr id="9" name="Rectangle 8"/>
+          <p:cNvSpPr/>
+          <p:nvPr/>
+        </p:nvSpPr>
+        <p:spPr>
+          <a:xfrm>
+            <a:off x="2262589" y="3119324"/>
+            <a:ext cx="4684121" cy="437739"/>
+          </a:xfrm>
+          <a:prstGeom prst="rect">
+            <a:avLst/>
+          </a:prstGeom>
+          <a:solidFill>
+            <a:schemeClr val="bg2">
+              <a:lumMod val="90000"/>
+            </a:schemeClr>
+          </a:solidFill>
+          <a:ln>
+            <a:solidFill>
+              <a:schemeClr val="tx1"/>
+            </a:solidFill>
+          </a:ln>
+        </p:spPr>
+        <p:style>
+          <a:lnRef idx="2">
+            <a:schemeClr val="accent6"/>
+          </a:lnRef>
+          <a:fillRef idx="1">
+            <a:schemeClr val="lt1"/>
+          </a:fillRef>
+          <a:effectRef idx="0">
+            <a:schemeClr val="accent6"/>
+          </a:effectRef>
+          <a:fontRef idx="minor">
+            <a:schemeClr val="dk1"/>
+          </a:fontRef>
+        </p:style>
+        <p:txBody>
+          <a:bodyPr rtlCol="0" anchor="ctr"/>
+          <a:lstStyle/>
+          <a:p>
+            <a:endParaRPr lang="en-US" dirty="0"/>
+          </a:p>
+        </p:txBody>
+      </p:sp>
+      <p:sp>
+        <p:nvSpPr>
+          <p:cNvPr id="10" name="TextBox 9"/>
+          <p:cNvSpPr txBox="1"/>
+          <p:nvPr/>
+        </p:nvSpPr>
+        <p:spPr>
+          <a:xfrm>
+            <a:off x="1224484" y="3892949"/>
+            <a:ext cx="595228" cy="369332"/>
+          </a:xfrm>
+          <a:prstGeom prst="rect">
+            <a:avLst/>
+          </a:prstGeom>
+          <a:noFill/>
+        </p:spPr>
+        <p:txBody>
+          <a:bodyPr wrap="none" rtlCol="0">
+            <a:spAutoFit/>
+          </a:bodyPr>
+          <a:lstStyle/>
+          <a:p>
+            <a:r>
+              <a:rPr lang="en-US" dirty="0" smtClean="0"/>
+              <a:t>Role</a:t>
+            </a:r>
+            <a:endParaRPr lang="en-US" dirty="0"/>
+          </a:p>
+        </p:txBody>
+      </p:sp>
+      <p:sp>
+        <p:nvSpPr>
+          <p:cNvPr id="11" name="Rectangle 10"/>
+          <p:cNvSpPr/>
+          <p:nvPr/>
+        </p:nvSpPr>
+        <p:spPr>
+          <a:xfrm>
+            <a:off x="2295996" y="3804153"/>
+            <a:ext cx="1048818" cy="437739"/>
+          </a:xfrm>
+          <a:prstGeom prst="rect">
+            <a:avLst/>
+          </a:prstGeom>
+          <a:ln>
+            <a:solidFill>
+              <a:schemeClr val="tx1"/>
+            </a:solidFill>
+          </a:ln>
+        </p:spPr>
+        <p:style>
+          <a:lnRef idx="2">
+            <a:schemeClr val="accent6"/>
+          </a:lnRef>
+          <a:fillRef idx="1">
+            <a:schemeClr val="lt1"/>
+          </a:fillRef>
+          <a:effectRef idx="0">
+            <a:schemeClr val="accent6"/>
+          </a:effectRef>
+          <a:fontRef idx="minor">
+            <a:schemeClr val="dk1"/>
+          </a:fontRef>
+        </p:style>
+        <p:txBody>
+          <a:bodyPr rtlCol="0" anchor="ctr"/>
+          <a:lstStyle/>
+          <a:p>
+            <a:r>
+              <a:rPr lang="en-US" dirty="0" smtClean="0"/>
+              <a:t>Admin</a:t>
+            </a:r>
+            <a:endParaRPr lang="en-US" dirty="0"/>
+          </a:p>
+        </p:txBody>
+      </p:sp>
+      <p:sp>
+        <p:nvSpPr>
+          <p:cNvPr id="12" name="Triangle 11"/>
+          <p:cNvSpPr/>
+          <p:nvPr/>
+        </p:nvSpPr>
+        <p:spPr>
+          <a:xfrm rot="10800000">
+            <a:off x="3087703" y="3973824"/>
+            <a:ext cx="101600" cy="101600"/>
+          </a:xfrm>
+          <a:prstGeom prst="triangle">
+            <a:avLst/>
+          </a:prstGeom>
+        </p:spPr>
+        <p:style>
+          <a:lnRef idx="2">
+            <a:schemeClr val="dk1">
+              <a:shade val="50000"/>
+            </a:schemeClr>
+          </a:lnRef>
+          <a:fillRef idx="1">
+            <a:schemeClr val="dk1"/>
+          </a:fillRef>
+          <a:effectRef idx="0">
+            <a:schemeClr val="dk1"/>
+          </a:effectRef>
+          <a:fontRef idx="minor">
+            <a:schemeClr val="lt1"/>
+          </a:fontRef>
+        </p:style>
+        <p:txBody>
+          <a:bodyPr rtlCol="0" anchor="ctr"/>
+          <a:lstStyle/>
+          <a:p>
+            <a:pPr algn="ctr"/>
+            <a:endParaRPr lang="en-US"/>
+          </a:p>
+        </p:txBody>
+      </p:sp>
+      <p:sp>
+        <p:nvSpPr>
+          <p:cNvPr id="13" name="Rectangle 12"/>
+          <p:cNvSpPr/>
+          <p:nvPr/>
+        </p:nvSpPr>
+        <p:spPr>
+          <a:xfrm>
+            <a:off x="2262589" y="4543576"/>
+            <a:ext cx="1163939" cy="437740"/>
+          </a:xfrm>
+          <a:prstGeom prst="rect">
+            <a:avLst/>
+          </a:prstGeom>
+        </p:spPr>
+        <p:style>
+          <a:lnRef idx="2">
+            <a:schemeClr val="accent1">
+              <a:shade val="50000"/>
+            </a:schemeClr>
+          </a:lnRef>
+          <a:fillRef idx="1">
+            <a:schemeClr val="accent1"/>
+          </a:fillRef>
+          <a:effectRef idx="0">
+            <a:schemeClr val="accent1"/>
+          </a:effectRef>
+          <a:fontRef idx="minor">
+            <a:schemeClr val="lt1"/>
+          </a:fontRef>
+        </p:style>
+        <p:txBody>
+          <a:bodyPr rtlCol="0" anchor="ctr"/>
+          <a:lstStyle/>
+          <a:p>
+            <a:pPr algn="ctr"/>
+            <a:r>
+              <a:rPr lang="en-US" smtClean="0"/>
+              <a:t>Save</a:t>
+            </a:r>
+            <a:endParaRPr lang="en-US" dirty="0"/>
+          </a:p>
+        </p:txBody>
+      </p:sp>
+      <p:sp>
+        <p:nvSpPr>
+          <p:cNvPr id="14" name="TextBox 13"/>
+          <p:cNvSpPr txBox="1"/>
+          <p:nvPr/>
+        </p:nvSpPr>
+        <p:spPr>
+          <a:xfrm>
+            <a:off x="5581934" y="341194"/>
+            <a:ext cx="1760162" cy="369332"/>
+          </a:xfrm>
+          <a:prstGeom prst="rect">
+            <a:avLst/>
+          </a:prstGeom>
+          <a:noFill/>
+        </p:spPr>
+        <p:txBody>
+          <a:bodyPr wrap="none" rtlCol="0">
+            <a:spAutoFit/>
+          </a:bodyPr>
+          <a:lstStyle/>
+          <a:p>
+            <a:r>
+              <a:rPr lang="en-US" dirty="0" smtClean="0"/>
+              <a:t>Edit User – page </a:t>
+            </a:r>
+            <a:endParaRPr lang="en-US" dirty="0"/>
+          </a:p>
+        </p:txBody>
+      </p:sp>
+      <p:sp>
+        <p:nvSpPr>
+          <p:cNvPr id="15" name="Rectangle 14"/>
+          <p:cNvSpPr/>
+          <p:nvPr/>
+        </p:nvSpPr>
+        <p:spPr>
+          <a:xfrm>
+            <a:off x="7072004" y="3119323"/>
+            <a:ext cx="1704123" cy="437740"/>
+          </a:xfrm>
+          <a:prstGeom prst="rect">
+            <a:avLst/>
+          </a:prstGeom>
+        </p:spPr>
+        <p:style>
+          <a:lnRef idx="2">
+            <a:schemeClr val="accent1">
+              <a:shade val="50000"/>
+            </a:schemeClr>
+          </a:lnRef>
+          <a:fillRef idx="1">
+            <a:schemeClr val="accent1"/>
+          </a:fillRef>
+          <a:effectRef idx="0">
+            <a:schemeClr val="accent1"/>
+          </a:effectRef>
+          <a:fontRef idx="minor">
+            <a:schemeClr val="lt1"/>
+          </a:fontRef>
+        </p:style>
+        <p:txBody>
+          <a:bodyPr rtlCol="0" anchor="ctr"/>
+          <a:lstStyle/>
+          <a:p>
+            <a:pPr algn="ctr"/>
+            <a:r>
+              <a:rPr lang="en-US" smtClean="0"/>
+              <a:t>Reset password</a:t>
+            </a:r>
+            <a:endParaRPr lang="en-US" dirty="0"/>
+          </a:p>
+        </p:txBody>
+      </p:sp>
+    </p:spTree>
+    <p:extLst>
+      <p:ext uri="{BB962C8B-B14F-4D97-AF65-F5344CB8AC3E}">
+        <p14:creationId xmlns:p14="http://schemas.microsoft.com/office/powerpoint/2010/main" val="1138234501"/>
+      </p:ext>
+    </p:extLst>
+  </p:cSld>
+  <p:clrMapOvr>
+    <a:masterClrMapping/>
+  </p:clrMapOvr>
+  <p:timing>
+    <p:tnLst>
+      <p:par>
+        <p:cTn id="1" dur="indefinite" restart="never" nodeType="tmRoot"/>
+      </p:par>
+    </p:tnLst>
+  </p:timing>
+</p:sld>
+</file>
+
+<file path=ppt/slides/slide17.xml><?xml version="1.0" encoding="utf-8"?>
+<p:sld xmlns:a="http://schemas.openxmlformats.org/drawingml/2006/main" xmlns:r="http://schemas.openxmlformats.org/officeDocument/2006/relationships" xmlns:p="http://schemas.openxmlformats.org/presentationml/2006/main">
+  <p:cSld>
+    <p:spTree>
+      <p:nvGrpSpPr>
+        <p:cNvPr id="1" name=""/>
+        <p:cNvGrpSpPr/>
+        <p:nvPr/>
+      </p:nvGrpSpPr>
+      <p:grpSpPr>
+        <a:xfrm>
+          <a:off x="0" y="0"/>
+          <a:ext cx="0" cy="0"/>
+          <a:chOff x="0" y="0"/>
+          <a:chExt cx="0" cy="0"/>
+        </a:xfrm>
+      </p:grpSpPr>
+      <p:sp>
+        <p:nvSpPr>
+          <p:cNvPr id="4" name="TextBox 3"/>
+          <p:cNvSpPr txBox="1"/>
+          <p:nvPr/>
+        </p:nvSpPr>
+        <p:spPr>
+          <a:xfrm>
+            <a:off x="5036024" y="259308"/>
+            <a:ext cx="1993046" cy="369332"/>
+          </a:xfrm>
+          <a:prstGeom prst="rect">
+            <a:avLst/>
+          </a:prstGeom>
+          <a:noFill/>
+        </p:spPr>
+        <p:txBody>
+          <a:bodyPr wrap="none" rtlCol="0">
+            <a:spAutoFit/>
+          </a:bodyPr>
+          <a:lstStyle/>
+          <a:p>
+            <a:r>
+              <a:rPr lang="en-US" smtClean="0"/>
+              <a:t>Admin - Dashboard</a:t>
+            </a:r>
+            <a:endParaRPr lang="en-US"/>
+          </a:p>
+        </p:txBody>
+      </p:sp>
+      <p:graphicFrame>
+        <p:nvGraphicFramePr>
+          <p:cNvPr id="5" name="Chart 4"/>
+          <p:cNvGraphicFramePr/>
+          <p:nvPr>
+            <p:extLst>
+              <p:ext uri="{D42A27DB-BD31-4B8C-83A1-F6EECF244321}">
+                <p14:modId xmlns:p14="http://schemas.microsoft.com/office/powerpoint/2010/main" val="1884318162"/>
+              </p:ext>
+            </p:extLst>
+          </p:nvPr>
+        </p:nvGraphicFramePr>
+        <p:xfrm>
+          <a:off x="844098" y="1049264"/>
+          <a:ext cx="3004024" cy="1702811"/>
+        </p:xfrm>
+        <a:graphic>
+          <a:graphicData uri="http://schemas.openxmlformats.org/drawingml/2006/chart">
+            <c:chart xmlns:c="http://schemas.openxmlformats.org/drawingml/2006/chart" xmlns:r="http://schemas.openxmlformats.org/officeDocument/2006/relationships" r:id="rId2"/>
+          </a:graphicData>
+        </a:graphic>
+      </p:graphicFrame>
+    </p:spTree>
+    <p:extLst>
+      <p:ext uri="{BB962C8B-B14F-4D97-AF65-F5344CB8AC3E}">
+        <p14:creationId xmlns:p14="http://schemas.microsoft.com/office/powerpoint/2010/main" val="1169863399"/>
+      </p:ext>
+    </p:extLst>
+  </p:cSld>
+  <p:clrMapOvr>
+    <a:masterClrMapping/>
+  </p:clrMapOvr>
+  <p:timing>
+    <p:tnLst>
+      <p:par>
+        <p:cTn id="1" dur="indefinite" restart="never" nodeType="tmRoot"/>
+      </p:par>
+    </p:tnLst>
+  </p:timing>
+</p:sld>
+</file>
+
+<file path=ppt/slides/slide18.xml><?xml version="1.0" encoding="utf-8"?>
+<p:sld xmlns:a="http://schemas.openxmlformats.org/drawingml/2006/main" xmlns:r="http://schemas.openxmlformats.org/officeDocument/2006/relationships" xmlns:p="http://schemas.openxmlformats.org/presentationml/2006/main">
+  <p:cSld>
+    <p:spTree>
+      <p:nvGrpSpPr>
+        <p:cNvPr id="1" name=""/>
+        <p:cNvGrpSpPr/>
+        <p:nvPr/>
+      </p:nvGrpSpPr>
+      <p:grpSpPr>
+        <a:xfrm>
+          <a:off x="0" y="0"/>
+          <a:ext cx="0" cy="0"/>
+          <a:chOff x="0" y="0"/>
+          <a:chExt cx="0" cy="0"/>
+        </a:xfrm>
+      </p:grpSpPr>
+      <p:sp>
+        <p:nvSpPr>
+          <p:cNvPr id="4" name="TextBox 3"/>
+          <p:cNvSpPr txBox="1"/>
+          <p:nvPr/>
+        </p:nvSpPr>
+        <p:spPr>
+          <a:xfrm>
+            <a:off x="5036024" y="259308"/>
+            <a:ext cx="1875706" cy="369332"/>
+          </a:xfrm>
+          <a:prstGeom prst="rect">
+            <a:avLst/>
+          </a:prstGeom>
+          <a:noFill/>
+        </p:spPr>
+        <p:txBody>
+          <a:bodyPr wrap="none" rtlCol="0">
+            <a:spAutoFit/>
+          </a:bodyPr>
+          <a:lstStyle/>
+          <a:p>
+            <a:r>
+              <a:rPr lang="en-US" dirty="0" smtClean="0"/>
+              <a:t>Tutor - Dashboard</a:t>
+            </a:r>
+            <a:endParaRPr lang="en-US" dirty="0"/>
+          </a:p>
+        </p:txBody>
+      </p:sp>
+      <p:graphicFrame>
+        <p:nvGraphicFramePr>
+          <p:cNvPr id="5" name="Chart 4"/>
+          <p:cNvGraphicFramePr/>
+          <p:nvPr>
+            <p:extLst>
+              <p:ext uri="{D42A27DB-BD31-4B8C-83A1-F6EECF244321}">
+                <p14:modId xmlns:p14="http://schemas.microsoft.com/office/powerpoint/2010/main" val="1884318162"/>
+              </p:ext>
+            </p:extLst>
+          </p:nvPr>
+        </p:nvGraphicFramePr>
+        <p:xfrm>
+          <a:off x="844098" y="1049264"/>
+          <a:ext cx="3004024" cy="1702811"/>
+        </p:xfrm>
+        <a:graphic>
+          <a:graphicData uri="http://schemas.openxmlformats.org/drawingml/2006/chart">
+            <c:chart xmlns:c="http://schemas.openxmlformats.org/drawingml/2006/chart" xmlns:r="http://schemas.openxmlformats.org/officeDocument/2006/relationships" r:id="rId2"/>
+          </a:graphicData>
+        </a:graphic>
+      </p:graphicFrame>
+      <p:graphicFrame>
+        <p:nvGraphicFramePr>
+          <p:cNvPr id="6" name="Chart 5"/>
+          <p:cNvGraphicFramePr/>
+          <p:nvPr>
+            <p:extLst>
+              <p:ext uri="{D42A27DB-BD31-4B8C-83A1-F6EECF244321}">
+                <p14:modId xmlns:p14="http://schemas.microsoft.com/office/powerpoint/2010/main" val="903849410"/>
+              </p:ext>
+            </p:extLst>
+          </p:nvPr>
+        </p:nvGraphicFramePr>
+        <p:xfrm>
+          <a:off x="4665472" y="1049263"/>
+          <a:ext cx="3004024" cy="1702811"/>
+        </p:xfrm>
+        <a:graphic>
+          <a:graphicData uri="http://schemas.openxmlformats.org/drawingml/2006/chart">
+            <c:chart xmlns:c="http://schemas.openxmlformats.org/drawingml/2006/chart" xmlns:r="http://schemas.openxmlformats.org/officeDocument/2006/relationships" r:id="rId3"/>
+          </a:graphicData>
+        </a:graphic>
+      </p:graphicFrame>
+      <p:graphicFrame>
+        <p:nvGraphicFramePr>
+          <p:cNvPr id="7" name="Chart 6"/>
+          <p:cNvGraphicFramePr/>
+          <p:nvPr>
+            <p:extLst>
+              <p:ext uri="{D42A27DB-BD31-4B8C-83A1-F6EECF244321}">
+                <p14:modId xmlns:p14="http://schemas.microsoft.com/office/powerpoint/2010/main" val="185341215"/>
+              </p:ext>
+            </p:extLst>
+          </p:nvPr>
+        </p:nvGraphicFramePr>
+        <p:xfrm>
+          <a:off x="8292592" y="1049262"/>
+          <a:ext cx="3004024" cy="1702811"/>
+        </p:xfrm>
+        <a:graphic>
+          <a:graphicData uri="http://schemas.openxmlformats.org/drawingml/2006/chart">
+            <c:chart xmlns:c="http://schemas.openxmlformats.org/drawingml/2006/chart" xmlns:r="http://schemas.openxmlformats.org/officeDocument/2006/relationships" r:id="rId4"/>
+          </a:graphicData>
+        </a:graphic>
+      </p:graphicFrame>
+      <p:graphicFrame>
+        <p:nvGraphicFramePr>
+          <p:cNvPr id="8" name="Chart 7"/>
+          <p:cNvGraphicFramePr/>
+          <p:nvPr>
+            <p:extLst>
+              <p:ext uri="{D42A27DB-BD31-4B8C-83A1-F6EECF244321}">
+                <p14:modId xmlns:p14="http://schemas.microsoft.com/office/powerpoint/2010/main" val="1548197173"/>
+              </p:ext>
+            </p:extLst>
+          </p:nvPr>
+        </p:nvGraphicFramePr>
+        <p:xfrm>
+          <a:off x="844098" y="3249918"/>
+          <a:ext cx="3004024" cy="1702811"/>
+        </p:xfrm>
+        <a:graphic>
+          <a:graphicData uri="http://schemas.openxmlformats.org/drawingml/2006/chart">
+            <c:chart xmlns:c="http://schemas.openxmlformats.org/drawingml/2006/chart" xmlns:r="http://schemas.openxmlformats.org/officeDocument/2006/relationships" r:id="rId5"/>
+          </a:graphicData>
+        </a:graphic>
+      </p:graphicFrame>
+    </p:spTree>
+    <p:extLst>
+      <p:ext uri="{BB962C8B-B14F-4D97-AF65-F5344CB8AC3E}">
+        <p14:creationId xmlns:p14="http://schemas.microsoft.com/office/powerpoint/2010/main" val="299795320"/>
+      </p:ext>
+    </p:extLst>
+  </p:cSld>
+  <p:clrMapOvr>
+    <a:masterClrMapping/>
+  </p:clrMapOvr>
+  <p:timing>
+    <p:tnLst>
+      <p:par>
+        <p:cTn id="1" dur="indefinite" restart="never" nodeType="tmRoot"/>
+      </p:par>
+    </p:tnLst>
+  </p:timing>
+</p:sld>
+</file>
+
+<file path=ppt/slides/slide19.xml><?xml version="1.0" encoding="utf-8"?>
+<p:sld xmlns:a="http://schemas.openxmlformats.org/drawingml/2006/main" xmlns:r="http://schemas.openxmlformats.org/officeDocument/2006/relationships" xmlns:p="http://schemas.openxmlformats.org/presentationml/2006/main">
+  <p:cSld>
+    <p:spTree>
+      <p:nvGrpSpPr>
+        <p:cNvPr id="1" name=""/>
+        <p:cNvGrpSpPr/>
+        <p:nvPr/>
+      </p:nvGrpSpPr>
+      <p:grpSpPr>
+        <a:xfrm>
+          <a:off x="0" y="0"/>
+          <a:ext cx="0" cy="0"/>
+          <a:chOff x="0" y="0"/>
+          <a:chExt cx="0" cy="0"/>
+        </a:xfrm>
+      </p:grpSpPr>
+      <p:sp>
+        <p:nvSpPr>
+          <p:cNvPr id="4" name="TextBox 3"/>
+          <p:cNvSpPr txBox="1"/>
+          <p:nvPr/>
+        </p:nvSpPr>
+        <p:spPr>
+          <a:xfrm>
+            <a:off x="5036024" y="259308"/>
+            <a:ext cx="2117631" cy="369332"/>
+          </a:xfrm>
+          <a:prstGeom prst="rect">
+            <a:avLst/>
+          </a:prstGeom>
+          <a:noFill/>
+        </p:spPr>
+        <p:txBody>
+          <a:bodyPr wrap="none" rtlCol="0">
+            <a:spAutoFit/>
+          </a:bodyPr>
+          <a:lstStyle/>
+          <a:p>
+            <a:r>
+              <a:rPr lang="en-US" dirty="0" smtClean="0"/>
+              <a:t>Student - Dashboard</a:t>
+            </a:r>
+            <a:endParaRPr lang="en-US" dirty="0"/>
+          </a:p>
+        </p:txBody>
+      </p:sp>
+      <p:sp>
+        <p:nvSpPr>
+          <p:cNvPr id="2" name="TextBox 1"/>
+          <p:cNvSpPr txBox="1"/>
+          <p:nvPr/>
+        </p:nvSpPr>
+        <p:spPr>
+          <a:xfrm>
+            <a:off x="586854" y="928048"/>
+            <a:ext cx="1546898" cy="369332"/>
+          </a:xfrm>
+          <a:prstGeom prst="rect">
+            <a:avLst/>
+          </a:prstGeom>
+          <a:noFill/>
+        </p:spPr>
+        <p:txBody>
+          <a:bodyPr wrap="none" rtlCol="0">
+            <a:spAutoFit/>
+          </a:bodyPr>
+          <a:lstStyle/>
+          <a:p>
+            <a:r>
+              <a:rPr lang="en-US" smtClean="0"/>
+              <a:t>Upcoming test</a:t>
+            </a:r>
+            <a:endParaRPr lang="en-US"/>
+          </a:p>
+        </p:txBody>
+      </p:sp>
+    </p:spTree>
+    <p:extLst>
+      <p:ext uri="{BB962C8B-B14F-4D97-AF65-F5344CB8AC3E}">
+        <p14:creationId xmlns:p14="http://schemas.microsoft.com/office/powerpoint/2010/main" val="1452999858"/>
+      </p:ext>
+    </p:extLst>
+  </p:cSld>
+  <p:clrMapOvr>
+    <a:masterClrMapping/>
+  </p:clrMapOvr>
+  <p:timing>
+    <p:tnLst>
+      <p:par>
+        <p:cTn id="1" dur="indefinite" restart="never" nodeType="tmRoot"/>
+      </p:par>
+    </p:tnLst>
+  </p:timing>
 </p:sld>
 </file>
 
